--- a/SQL-Introduction.pptx
+++ b/SQL-Introduction.pptx
@@ -2,23 +2,27 @@
 <file path=ppt/presentation.xml><?xml version="1.0" encoding="utf-8"?>
 <p:presentation xmlns:a="http://schemas.openxmlformats.org/drawingml/2006/main" xmlns:r="http://schemas.openxmlformats.org/officeDocument/2006/relationships" xmlns:p="http://schemas.openxmlformats.org/presentationml/2006/main" saveSubsetFonts="1">
   <p:sldMasterIdLst>
-    <p:sldMasterId id="2147483685" r:id="rId1"/>
+    <p:sldMasterId id="2147483660" r:id="rId1"/>
   </p:sldMasterIdLst>
   <p:sldIdLst>
     <p:sldId id="256" r:id="rId2"/>
     <p:sldId id="257" r:id="rId3"/>
     <p:sldId id="258" r:id="rId4"/>
     <p:sldId id="259" r:id="rId5"/>
-    <p:sldId id="262" r:id="rId6"/>
-    <p:sldId id="263" r:id="rId7"/>
-    <p:sldId id="264" r:id="rId8"/>
-    <p:sldId id="260" r:id="rId9"/>
-    <p:sldId id="261" r:id="rId10"/>
+    <p:sldId id="260" r:id="rId6"/>
+    <p:sldId id="261" r:id="rId7"/>
+    <p:sldId id="262" r:id="rId8"/>
+    <p:sldId id="263" r:id="rId9"/>
+    <p:sldId id="264" r:id="rId10"/>
+    <p:sldId id="265" r:id="rId11"/>
+    <p:sldId id="266" r:id="rId12"/>
+    <p:sldId id="267" r:id="rId13"/>
+    <p:sldId id="268" r:id="rId14"/>
   </p:sldIdLst>
   <p:sldSz cx="12192000" cy="6858000"/>
   <p:notesSz cx="6858000" cy="9144000"/>
   <p:custDataLst>
-    <p:tags r:id="rId11"/>
+    <p:tags r:id="rId15"/>
   </p:custDataLst>
   <p:defaultTextStyle>
     <a:defPPr>
@@ -124,16 +128,8 @@
 </file>
 
 <file path=ppt/slideLayouts/slideLayout1.xml><?xml version="1.0" encoding="utf-8"?>
-<p:sldLayout xmlns:a="http://schemas.openxmlformats.org/drawingml/2006/main" xmlns:r="http://schemas.openxmlformats.org/officeDocument/2006/relationships" xmlns:p="http://schemas.openxmlformats.org/presentationml/2006/main" type="title" preserve="1">
+<p:sldLayout xmlns:a="http://schemas.openxmlformats.org/drawingml/2006/main" xmlns:r="http://schemas.openxmlformats.org/officeDocument/2006/relationships" xmlns:p="http://schemas.openxmlformats.org/presentationml/2006/main" showMasterSp="0" type="title" preserve="1">
   <p:cSld name="Title Slide">
-    <p:bg>
-      <p:bgPr>
-        <a:solidFill>
-          <a:schemeClr val="accent1"/>
-        </a:solidFill>
-        <a:effectLst/>
-      </p:bgPr>
-    </p:bg>
     <p:spTree>
       <p:nvGrpSpPr>
         <p:cNvPr id="1" name=""/>
@@ -148,55 +144,550 @@
           <a:chExt cx="0" cy="0"/>
         </a:xfrm>
       </p:grpSpPr>
-      <p:sp>
-        <p:nvSpPr>
-          <p:cNvPr id="4" name="Rectangle 3"/>
-          <p:cNvSpPr/>
+      <p:grpSp>
+        <p:nvGrpSpPr>
+          <p:cNvPr id="7" name="Group 6"/>
+          <p:cNvGrpSpPr/>
           <p:nvPr/>
+        </p:nvGrpSpPr>
+        <p:grpSpPr>
+          <a:xfrm>
+            <a:off x="0" y="-8467"/>
+            <a:ext cx="12192000" cy="6866467"/>
+            <a:chOff x="0" y="-8467"/>
+            <a:chExt cx="12192000" cy="6866467"/>
+          </a:xfrm>
+        </p:grpSpPr>
+        <p:cxnSp>
+          <p:nvCxnSpPr>
+            <p:cNvPr id="32" name="Straight Connector 31"/>
+            <p:cNvCxnSpPr/>
+            <p:nvPr/>
+          </p:nvCxnSpPr>
+          <p:spPr>
+            <a:xfrm>
+              <a:off x="9371012" y="0"/>
+              <a:ext cx="1219200" cy="6858000"/>
+            </a:xfrm>
+            <a:prstGeom prst="line">
+              <a:avLst/>
+            </a:prstGeom>
+            <a:ln w="9525">
+              <a:solidFill>
+                <a:schemeClr val="bg1">
+                  <a:lumMod val="75000"/>
+                </a:schemeClr>
+              </a:solidFill>
+            </a:ln>
+          </p:spPr>
+          <p:style>
+            <a:lnRef idx="2">
+              <a:schemeClr val="accent1"/>
+            </a:lnRef>
+            <a:fillRef idx="0">
+              <a:schemeClr val="accent1"/>
+            </a:fillRef>
+            <a:effectRef idx="1">
+              <a:schemeClr val="accent1"/>
+            </a:effectRef>
+            <a:fontRef idx="minor">
+              <a:schemeClr val="tx1"/>
+            </a:fontRef>
+          </p:style>
+        </p:cxnSp>
+        <p:cxnSp>
+          <p:nvCxnSpPr>
+            <p:cNvPr id="21" name="Straight Connector 20"/>
+            <p:cNvCxnSpPr/>
+            <p:nvPr/>
+          </p:nvCxnSpPr>
+          <p:spPr>
+            <a:xfrm flipH="1">
+              <a:off x="7425267" y="3681413"/>
+              <a:ext cx="4763558" cy="3176587"/>
+            </a:xfrm>
+            <a:prstGeom prst="line">
+              <a:avLst/>
+            </a:prstGeom>
+            <a:ln w="9525">
+              <a:solidFill>
+                <a:schemeClr val="bg1">
+                  <a:lumMod val="85000"/>
+                </a:schemeClr>
+              </a:solidFill>
+            </a:ln>
+          </p:spPr>
+          <p:style>
+            <a:lnRef idx="2">
+              <a:schemeClr val="accent1"/>
+            </a:lnRef>
+            <a:fillRef idx="0">
+              <a:schemeClr val="accent1"/>
+            </a:fillRef>
+            <a:effectRef idx="1">
+              <a:schemeClr val="accent1"/>
+            </a:effectRef>
+            <a:fontRef idx="minor">
+              <a:schemeClr val="tx1"/>
+            </a:fontRef>
+          </p:style>
+        </p:cxnSp>
+        <p:sp>
+          <p:nvSpPr>
+            <p:cNvPr id="24" name="Rectangle 23"/>
+            <p:cNvSpPr/>
+            <p:nvPr/>
+          </p:nvSpPr>
+          <p:spPr>
+            <a:xfrm>
+              <a:off x="9181476" y="-8467"/>
+              <a:ext cx="3007349" cy="6866467"/>
+            </a:xfrm>
+            <a:custGeom>
+              <a:avLst/>
+              <a:gdLst/>
+              <a:ahLst/>
+              <a:cxnLst/>
+              <a:rect l="l" t="t" r="r" b="b"/>
+              <a:pathLst>
+                <a:path w="3007349" h="6866467">
+                  <a:moveTo>
+                    <a:pt x="2045532" y="0"/>
+                  </a:moveTo>
+                  <a:lnTo>
+                    <a:pt x="3007349" y="0"/>
+                  </a:lnTo>
+                  <a:lnTo>
+                    <a:pt x="3007349" y="6866467"/>
+                  </a:lnTo>
+                  <a:lnTo>
+                    <a:pt x="0" y="6866467"/>
+                  </a:lnTo>
+                  <a:lnTo>
+                    <a:pt x="2045532" y="0"/>
+                  </a:lnTo>
+                  <a:close/>
+                </a:path>
+              </a:pathLst>
+            </a:custGeom>
+            <a:solidFill>
+              <a:schemeClr val="accent1">
+                <a:alpha val="30000"/>
+              </a:schemeClr>
+            </a:solidFill>
+            <a:ln>
+              <a:noFill/>
+            </a:ln>
+            <a:effectLst/>
+          </p:spPr>
+          <p:style>
+            <a:lnRef idx="1">
+              <a:schemeClr val="accent1"/>
+            </a:lnRef>
+            <a:fillRef idx="3">
+              <a:schemeClr val="accent1"/>
+            </a:fillRef>
+            <a:effectRef idx="2">
+              <a:schemeClr val="accent1"/>
+            </a:effectRef>
+            <a:fontRef idx="minor">
+              <a:schemeClr val="lt1"/>
+            </a:fontRef>
+          </p:style>
+        </p:sp>
+        <p:sp>
+          <p:nvSpPr>
+            <p:cNvPr id="26" name="Rectangle 25"/>
+            <p:cNvSpPr/>
+            <p:nvPr/>
+          </p:nvSpPr>
+          <p:spPr>
+            <a:xfrm>
+              <a:off x="9603442" y="-8467"/>
+              <a:ext cx="2588558" cy="6866467"/>
+            </a:xfrm>
+            <a:custGeom>
+              <a:avLst/>
+              <a:gdLst/>
+              <a:ahLst/>
+              <a:cxnLst/>
+              <a:rect l="l" t="t" r="r" b="b"/>
+              <a:pathLst>
+                <a:path w="2573311" h="6866467">
+                  <a:moveTo>
+                    <a:pt x="0" y="0"/>
+                  </a:moveTo>
+                  <a:lnTo>
+                    <a:pt x="2573311" y="0"/>
+                  </a:lnTo>
+                  <a:lnTo>
+                    <a:pt x="2573311" y="6866467"/>
+                  </a:lnTo>
+                  <a:lnTo>
+                    <a:pt x="1202336" y="6866467"/>
+                  </a:lnTo>
+                  <a:lnTo>
+                    <a:pt x="0" y="0"/>
+                  </a:lnTo>
+                  <a:close/>
+                </a:path>
+              </a:pathLst>
+            </a:custGeom>
+            <a:solidFill>
+              <a:schemeClr val="accent1">
+                <a:alpha val="20000"/>
+              </a:schemeClr>
+            </a:solidFill>
+            <a:ln>
+              <a:noFill/>
+            </a:ln>
+            <a:effectLst/>
+          </p:spPr>
+          <p:style>
+            <a:lnRef idx="1">
+              <a:schemeClr val="accent1"/>
+            </a:lnRef>
+            <a:fillRef idx="3">
+              <a:schemeClr val="accent1"/>
+            </a:fillRef>
+            <a:effectRef idx="2">
+              <a:schemeClr val="accent1"/>
+            </a:effectRef>
+            <a:fontRef idx="minor">
+              <a:schemeClr val="lt1"/>
+            </a:fontRef>
+          </p:style>
+        </p:sp>
+        <p:sp>
+          <p:nvSpPr>
+            <p:cNvPr id="27" name="Isosceles Triangle 26"/>
+            <p:cNvSpPr/>
+            <p:nvPr/>
+          </p:nvSpPr>
+          <p:spPr>
+            <a:xfrm>
+              <a:off x="8932333" y="3048000"/>
+              <a:ext cx="3259667" cy="3810000"/>
+            </a:xfrm>
+            <a:prstGeom prst="triangle">
+              <a:avLst>
+                <a:gd name="adj" fmla="val 100000"/>
+              </a:avLst>
+            </a:prstGeom>
+            <a:solidFill>
+              <a:schemeClr val="accent2">
+                <a:alpha val="72000"/>
+              </a:schemeClr>
+            </a:solidFill>
+            <a:ln>
+              <a:noFill/>
+            </a:ln>
+            <a:effectLst/>
+          </p:spPr>
+          <p:style>
+            <a:lnRef idx="1">
+              <a:schemeClr val="accent1"/>
+            </a:lnRef>
+            <a:fillRef idx="3">
+              <a:schemeClr val="accent1"/>
+            </a:fillRef>
+            <a:effectRef idx="2">
+              <a:schemeClr val="accent1"/>
+            </a:effectRef>
+            <a:fontRef idx="minor">
+              <a:schemeClr val="lt1"/>
+            </a:fontRef>
+          </p:style>
+        </p:sp>
+        <p:sp>
+          <p:nvSpPr>
+            <p:cNvPr id="28" name="Rectangle 27"/>
+            <p:cNvSpPr/>
+            <p:nvPr/>
+          </p:nvSpPr>
+          <p:spPr>
+            <a:xfrm>
+              <a:off x="9334500" y="-8467"/>
+              <a:ext cx="2854326" cy="6866467"/>
+            </a:xfrm>
+            <a:custGeom>
+              <a:avLst/>
+              <a:gdLst/>
+              <a:ahLst/>
+              <a:cxnLst/>
+              <a:rect l="l" t="t" r="r" b="b"/>
+              <a:pathLst>
+                <a:path w="2858013" h="6866467">
+                  <a:moveTo>
+                    <a:pt x="0" y="0"/>
+                  </a:moveTo>
+                  <a:lnTo>
+                    <a:pt x="2858013" y="0"/>
+                  </a:lnTo>
+                  <a:lnTo>
+                    <a:pt x="2858013" y="6866467"/>
+                  </a:lnTo>
+                  <a:lnTo>
+                    <a:pt x="2473942" y="6866467"/>
+                  </a:lnTo>
+                  <a:lnTo>
+                    <a:pt x="0" y="0"/>
+                  </a:lnTo>
+                  <a:close/>
+                </a:path>
+              </a:pathLst>
+            </a:custGeom>
+            <a:solidFill>
+              <a:schemeClr val="accent2">
+                <a:lumMod val="75000"/>
+                <a:alpha val="70000"/>
+              </a:schemeClr>
+            </a:solidFill>
+            <a:ln>
+              <a:noFill/>
+            </a:ln>
+            <a:effectLst/>
+          </p:spPr>
+          <p:style>
+            <a:lnRef idx="1">
+              <a:schemeClr val="accent1"/>
+            </a:lnRef>
+            <a:fillRef idx="3">
+              <a:schemeClr val="accent1"/>
+            </a:fillRef>
+            <a:effectRef idx="2">
+              <a:schemeClr val="accent1"/>
+            </a:effectRef>
+            <a:fontRef idx="minor">
+              <a:schemeClr val="lt1"/>
+            </a:fontRef>
+          </p:style>
+        </p:sp>
+        <p:sp>
+          <p:nvSpPr>
+            <p:cNvPr id="29" name="Rectangle 28"/>
+            <p:cNvSpPr/>
+            <p:nvPr/>
+          </p:nvSpPr>
+          <p:spPr>
+            <a:xfrm>
+              <a:off x="10898730" y="-8467"/>
+              <a:ext cx="1290094" cy="6866467"/>
+            </a:xfrm>
+            <a:custGeom>
+              <a:avLst/>
+              <a:gdLst/>
+              <a:ahLst/>
+              <a:cxnLst/>
+              <a:rect l="l" t="t" r="r" b="b"/>
+              <a:pathLst>
+                <a:path w="1290094" h="6858000">
+                  <a:moveTo>
+                    <a:pt x="1019735" y="0"/>
+                  </a:moveTo>
+                  <a:lnTo>
+                    <a:pt x="1290094" y="0"/>
+                  </a:lnTo>
+                  <a:lnTo>
+                    <a:pt x="1290094" y="6858000"/>
+                  </a:lnTo>
+                  <a:lnTo>
+                    <a:pt x="0" y="6858000"/>
+                  </a:lnTo>
+                  <a:lnTo>
+                    <a:pt x="1019735" y="0"/>
+                  </a:lnTo>
+                  <a:close/>
+                </a:path>
+              </a:pathLst>
+            </a:custGeom>
+            <a:solidFill>
+              <a:schemeClr val="accent1">
+                <a:lumMod val="60000"/>
+                <a:lumOff val="40000"/>
+                <a:alpha val="70000"/>
+              </a:schemeClr>
+            </a:solidFill>
+            <a:ln>
+              <a:noFill/>
+            </a:ln>
+            <a:effectLst/>
+          </p:spPr>
+          <p:style>
+            <a:lnRef idx="1">
+              <a:schemeClr val="accent1"/>
+            </a:lnRef>
+            <a:fillRef idx="3">
+              <a:schemeClr val="accent1"/>
+            </a:fillRef>
+            <a:effectRef idx="2">
+              <a:schemeClr val="accent1"/>
+            </a:effectRef>
+            <a:fontRef idx="minor">
+              <a:schemeClr val="lt1"/>
+            </a:fontRef>
+          </p:style>
+        </p:sp>
+        <p:sp>
+          <p:nvSpPr>
+            <p:cNvPr id="30" name="Rectangle 29"/>
+            <p:cNvSpPr/>
+            <p:nvPr/>
+          </p:nvSpPr>
+          <p:spPr>
+            <a:xfrm>
+              <a:off x="10938999" y="-8467"/>
+              <a:ext cx="1249825" cy="6866467"/>
+            </a:xfrm>
+            <a:custGeom>
+              <a:avLst/>
+              <a:gdLst/>
+              <a:ahLst/>
+              <a:cxnLst/>
+              <a:rect l="l" t="t" r="r" b="b"/>
+              <a:pathLst>
+                <a:path w="1249825" h="6858000">
+                  <a:moveTo>
+                    <a:pt x="0" y="0"/>
+                  </a:moveTo>
+                  <a:lnTo>
+                    <a:pt x="1249825" y="0"/>
+                  </a:lnTo>
+                  <a:lnTo>
+                    <a:pt x="1249825" y="6858000"/>
+                  </a:lnTo>
+                  <a:lnTo>
+                    <a:pt x="1109382" y="6858000"/>
+                  </a:lnTo>
+                  <a:lnTo>
+                    <a:pt x="0" y="0"/>
+                  </a:lnTo>
+                  <a:close/>
+                </a:path>
+              </a:pathLst>
+            </a:custGeom>
+            <a:solidFill>
+              <a:schemeClr val="accent1">
+                <a:alpha val="65000"/>
+              </a:schemeClr>
+            </a:solidFill>
+            <a:ln>
+              <a:noFill/>
+            </a:ln>
+            <a:effectLst/>
+          </p:spPr>
+          <p:style>
+            <a:lnRef idx="1">
+              <a:schemeClr val="accent1"/>
+            </a:lnRef>
+            <a:fillRef idx="3">
+              <a:schemeClr val="accent1"/>
+            </a:fillRef>
+            <a:effectRef idx="2">
+              <a:schemeClr val="accent1"/>
+            </a:effectRef>
+            <a:fontRef idx="minor">
+              <a:schemeClr val="lt1"/>
+            </a:fontRef>
+          </p:style>
+        </p:sp>
+        <p:sp>
+          <p:nvSpPr>
+            <p:cNvPr id="31" name="Isosceles Triangle 30"/>
+            <p:cNvSpPr/>
+            <p:nvPr/>
+          </p:nvSpPr>
+          <p:spPr>
+            <a:xfrm>
+              <a:off x="10371666" y="3589867"/>
+              <a:ext cx="1817159" cy="3268133"/>
+            </a:xfrm>
+            <a:prstGeom prst="triangle">
+              <a:avLst>
+                <a:gd name="adj" fmla="val 100000"/>
+              </a:avLst>
+            </a:prstGeom>
+            <a:solidFill>
+              <a:schemeClr val="accent1">
+                <a:alpha val="80000"/>
+              </a:schemeClr>
+            </a:solidFill>
+            <a:ln>
+              <a:noFill/>
+            </a:ln>
+            <a:effectLst/>
+          </p:spPr>
+          <p:style>
+            <a:lnRef idx="1">
+              <a:schemeClr val="accent1"/>
+            </a:lnRef>
+            <a:fillRef idx="3">
+              <a:schemeClr val="accent1"/>
+            </a:fillRef>
+            <a:effectRef idx="2">
+              <a:schemeClr val="accent1"/>
+            </a:effectRef>
+            <a:fontRef idx="minor">
+              <a:schemeClr val="lt1"/>
+            </a:fontRef>
+          </p:style>
+        </p:sp>
+        <p:sp>
+          <p:nvSpPr>
+            <p:cNvPr id="19" name="Isosceles Triangle 18"/>
+            <p:cNvSpPr/>
+            <p:nvPr/>
+          </p:nvSpPr>
+          <p:spPr>
+            <a:xfrm rot="10800000">
+              <a:off x="0" y="0"/>
+              <a:ext cx="842596" cy="5666154"/>
+            </a:xfrm>
+            <a:prstGeom prst="triangle">
+              <a:avLst>
+                <a:gd name="adj" fmla="val 100000"/>
+              </a:avLst>
+            </a:prstGeom>
+            <a:solidFill>
+              <a:schemeClr val="accent1">
+                <a:alpha val="85000"/>
+              </a:schemeClr>
+            </a:solidFill>
+            <a:ln>
+              <a:noFill/>
+            </a:ln>
+            <a:effectLst/>
+          </p:spPr>
+          <p:style>
+            <a:lnRef idx="1">
+              <a:schemeClr val="accent1"/>
+            </a:lnRef>
+            <a:fillRef idx="3">
+              <a:schemeClr val="accent1"/>
+            </a:fillRef>
+            <a:effectRef idx="2">
+              <a:schemeClr val="accent1"/>
+            </a:effectRef>
+            <a:fontRef idx="minor">
+              <a:schemeClr val="lt1"/>
+            </a:fontRef>
+          </p:style>
+        </p:sp>
+      </p:grpSp>
+      <p:sp>
+        <p:nvSpPr>
+          <p:cNvPr id="2" name="Title 1"/>
+          <p:cNvSpPr>
+            <a:spLocks noGrp="1"/>
+          </p:cNvSpPr>
+          <p:nvPr>
+            <p:ph type="ctrTitle"/>
+          </p:nvPr>
         </p:nvSpPr>
         <p:spPr>
           <a:xfrm>
-            <a:off x="0" y="0"/>
-            <a:ext cx="12192000" cy="6858000"/>
-          </a:xfrm>
-          <a:prstGeom prst="rect">
-            <a:avLst/>
-          </a:prstGeom>
-          <a:ln>
-            <a:noFill/>
-          </a:ln>
-        </p:spPr>
-        <p:style>
-          <a:lnRef idx="2">
-            <a:schemeClr val="accent1">
-              <a:shade val="50000"/>
-            </a:schemeClr>
-          </a:lnRef>
-          <a:fillRef idx="1">
-            <a:schemeClr val="accent1"/>
-          </a:fillRef>
-          <a:effectRef idx="0">
-            <a:schemeClr val="accent1"/>
-          </a:effectRef>
-          <a:fontRef idx="minor">
-            <a:schemeClr val="lt1"/>
-          </a:fontRef>
-        </p:style>
-      </p:sp>
-      <p:sp>
-        <p:nvSpPr>
-          <p:cNvPr id="2" name="Title 1"/>
-          <p:cNvSpPr>
-            <a:spLocks noGrp="1"/>
-          </p:cNvSpPr>
-          <p:nvPr>
-            <p:ph type="ctrTitle"/>
-          </p:nvPr>
-        </p:nvSpPr>
-        <p:spPr>
-          <a:xfrm>
-            <a:off x="603504" y="770467"/>
-            <a:ext cx="10782300" cy="3352800"/>
+            <a:off x="1507067" y="2404534"/>
+            <a:ext cx="7766936" cy="1646302"/>
           </a:xfrm>
         </p:spPr>
         <p:txBody>
@@ -204,13 +695,10 @@
             <a:noAutofit/>
           </a:bodyPr>
           <a:lstStyle>
-            <a:lvl1pPr algn="l">
-              <a:lnSpc>
-                <a:spcPct val="80000"/>
-              </a:lnSpc>
-              <a:defRPr sz="8800" spc="-120" baseline="0">
+            <a:lvl1pPr algn="r">
+              <a:defRPr sz="5400">
                 <a:solidFill>
-                  <a:srgbClr val="FFFFFF"/>
+                  <a:schemeClr val="accent1"/>
                 </a:solidFill>
               </a:defRPr>
             </a:lvl1pPr>
@@ -236,55 +724,103 @@
         </p:nvSpPr>
         <p:spPr>
           <a:xfrm>
-            <a:off x="667512" y="4206876"/>
-            <a:ext cx="9228201" cy="1645920"/>
+            <a:off x="1507067" y="4050833"/>
+            <a:ext cx="7766936" cy="1096899"/>
           </a:xfrm>
         </p:spPr>
         <p:txBody>
-          <a:bodyPr>
-            <a:normAutofit/>
-          </a:bodyPr>
+          <a:bodyPr anchor="t"/>
           <a:lstStyle>
-            <a:lvl1pPr marL="0" indent="0" algn="l">
-              <a:buNone/>
-              <a:defRPr sz="3200">
+            <a:lvl1pPr marL="0" indent="0" algn="r">
+              <a:buNone/>
+              <a:defRPr>
                 <a:solidFill>
-                  <a:schemeClr val="bg1"/>
+                  <a:schemeClr val="tx1">
+                    <a:lumMod val="50000"/>
+                    <a:lumOff val="50000"/>
+                  </a:schemeClr>
                 </a:solidFill>
-                <a:latin typeface="+mj-lt"/>
               </a:defRPr>
             </a:lvl1pPr>
             <a:lvl2pPr marL="457200" indent="0" algn="ctr">
               <a:buNone/>
-              <a:defRPr sz="2800"/>
+              <a:defRPr>
+                <a:solidFill>
+                  <a:schemeClr val="tx1">
+                    <a:tint val="75000"/>
+                  </a:schemeClr>
+                </a:solidFill>
+              </a:defRPr>
             </a:lvl2pPr>
             <a:lvl3pPr marL="914400" indent="0" algn="ctr">
               <a:buNone/>
-              <a:defRPr sz="2400"/>
+              <a:defRPr>
+                <a:solidFill>
+                  <a:schemeClr val="tx1">
+                    <a:tint val="75000"/>
+                  </a:schemeClr>
+                </a:solidFill>
+              </a:defRPr>
             </a:lvl3pPr>
             <a:lvl4pPr marL="1371600" indent="0" algn="ctr">
               <a:buNone/>
-              <a:defRPr sz="2000"/>
+              <a:defRPr>
+                <a:solidFill>
+                  <a:schemeClr val="tx1">
+                    <a:tint val="75000"/>
+                  </a:schemeClr>
+                </a:solidFill>
+              </a:defRPr>
             </a:lvl4pPr>
             <a:lvl5pPr marL="1828800" indent="0" algn="ctr">
               <a:buNone/>
-              <a:defRPr sz="2000"/>
+              <a:defRPr>
+                <a:solidFill>
+                  <a:schemeClr val="tx1">
+                    <a:tint val="75000"/>
+                  </a:schemeClr>
+                </a:solidFill>
+              </a:defRPr>
             </a:lvl5pPr>
             <a:lvl6pPr marL="2286000" indent="0" algn="ctr">
               <a:buNone/>
-              <a:defRPr sz="2000"/>
+              <a:defRPr>
+                <a:solidFill>
+                  <a:schemeClr val="tx1">
+                    <a:tint val="75000"/>
+                  </a:schemeClr>
+                </a:solidFill>
+              </a:defRPr>
             </a:lvl6pPr>
             <a:lvl7pPr marL="2743200" indent="0" algn="ctr">
               <a:buNone/>
-              <a:defRPr sz="2000"/>
+              <a:defRPr>
+                <a:solidFill>
+                  <a:schemeClr val="tx1">
+                    <a:tint val="75000"/>
+                  </a:schemeClr>
+                </a:solidFill>
+              </a:defRPr>
             </a:lvl7pPr>
             <a:lvl8pPr marL="3200400" indent="0" algn="ctr">
               <a:buNone/>
-              <a:defRPr sz="2000"/>
+              <a:defRPr>
+                <a:solidFill>
+                  <a:schemeClr val="tx1">
+                    <a:tint val="75000"/>
+                  </a:schemeClr>
+                </a:solidFill>
+              </a:defRPr>
             </a:lvl8pPr>
             <a:lvl9pPr marL="3657600" indent="0" algn="ctr">
               <a:buNone/>
-              <a:defRPr sz="2000"/>
+              <a:defRPr>
+                <a:solidFill>
+                  <a:schemeClr val="tx1">
+                    <a:tint val="75000"/>
+                  </a:schemeClr>
+                </a:solidFill>
+              </a:defRPr>
             </a:lvl9pPr>
           </a:lstStyle>
           <a:p>
@@ -298,7 +834,7 @@
       </p:sp>
       <p:sp>
         <p:nvSpPr>
-          <p:cNvPr id="7" name="Date Placeholder 6"/>
+          <p:cNvPr id="4" name="Date Placeholder 3"/>
           <p:cNvSpPr>
             <a:spLocks noGrp="1"/>
           </p:cNvSpPr>
@@ -309,21 +845,11 @@
         <p:spPr/>
         <p:txBody>
           <a:bodyPr/>
-          <a:lstStyle>
-            <a:lvl1pPr>
-              <a:defRPr>
-                <a:solidFill>
-                  <a:srgbClr val="FFFFFF">
-                    <a:alpha val="80000"/>
-                  </a:srgbClr>
-                </a:solidFill>
-              </a:defRPr>
-            </a:lvl1pPr>
-          </a:lstStyle>
+          <a:lstStyle/>
           <a:p>
             <a:fld id="{914A3915-4692-486F-837A-5768755CCE49}" type="datetimeFigureOut">
               <a:rPr lang="en-US" smtClean="0"/>
-              <a:t>5/21/2022</a:t>
+              <a:t>8/26/2019</a:t>
             </a:fld>
             <a:endParaRPr lang="en-US"/>
           </a:p>
@@ -331,7 +857,7 @@
       </p:sp>
       <p:sp>
         <p:nvSpPr>
-          <p:cNvPr id="8" name="Footer Placeholder 7"/>
+          <p:cNvPr id="5" name="Footer Placeholder 4"/>
           <p:cNvSpPr>
             <a:spLocks noGrp="1"/>
           </p:cNvSpPr>
@@ -342,17 +868,7 @@
         <p:spPr/>
         <p:txBody>
           <a:bodyPr/>
-          <a:lstStyle>
-            <a:lvl1pPr>
-              <a:defRPr>
-                <a:solidFill>
-                  <a:srgbClr val="FFFFFF">
-                    <a:alpha val="80000"/>
-                  </a:srgbClr>
-                </a:solidFill>
-              </a:defRPr>
-            </a:lvl1pPr>
-          </a:lstStyle>
+          <a:lstStyle/>
           <a:p>
             <a:endParaRPr lang="en-US"/>
           </a:p>
@@ -360,7 +876,7 @@
       </p:sp>
       <p:sp>
         <p:nvSpPr>
-          <p:cNvPr id="9" name="Slide Number Placeholder 8"/>
+          <p:cNvPr id="6" name="Slide Number Placeholder 5"/>
           <p:cNvSpPr>
             <a:spLocks noGrp="1"/>
           </p:cNvSpPr>
@@ -371,17 +887,7 @@
         <p:spPr/>
         <p:txBody>
           <a:bodyPr/>
-          <a:lstStyle>
-            <a:lvl1pPr>
-              <a:defRPr>
-                <a:solidFill>
-                  <a:srgbClr val="FFFFFF">
-                    <a:alpha val="25000"/>
-                  </a:srgbClr>
-                </a:solidFill>
-              </a:defRPr>
-            </a:lvl1pPr>
-          </a:lstStyle>
+          <a:lstStyle/>
           <a:p>
             <a:fld id="{93AD6F86-E4C3-40B9-A417-0348DA1F0DF4}" type="slidenum">
               <a:rPr lang="en-US" smtClean="0"/>
@@ -394,7 +900,7 @@
     </p:spTree>
     <p:extLst>
       <p:ext uri="{BB962C8B-B14F-4D97-AF65-F5344CB8AC3E}">
-        <p14:creationId xmlns:p14="http://schemas.microsoft.com/office/powerpoint/2010/main" val="2785251064"/>
+        <p14:creationId xmlns:p14="http://schemas.microsoft.com/office/powerpoint/2010/main" val="3486746638"/>
       </p:ext>
     </p:extLst>
   </p:cSld>
@@ -405,6 +911,1619 @@
 </file>
 
 <file path=ppt/slideLayouts/slideLayout10.xml><?xml version="1.0" encoding="utf-8"?>
+<p:sldLayout xmlns:a="http://schemas.openxmlformats.org/drawingml/2006/main" xmlns:r="http://schemas.openxmlformats.org/officeDocument/2006/relationships" xmlns:p="http://schemas.openxmlformats.org/presentationml/2006/main" preserve="1">
+  <p:cSld name="Title and Caption">
+    <p:spTree>
+      <p:nvGrpSpPr>
+        <p:cNvPr id="1" name=""/>
+        <p:cNvGrpSpPr/>
+        <p:nvPr/>
+      </p:nvGrpSpPr>
+      <p:grpSpPr>
+        <a:xfrm>
+          <a:off x="0" y="0"/>
+          <a:ext cx="0" cy="0"/>
+          <a:chOff x="0" y="0"/>
+          <a:chExt cx="0" cy="0"/>
+        </a:xfrm>
+      </p:grpSpPr>
+      <p:sp>
+        <p:nvSpPr>
+          <p:cNvPr id="2" name="Title 1"/>
+          <p:cNvSpPr>
+            <a:spLocks noGrp="1"/>
+          </p:cNvSpPr>
+          <p:nvPr>
+            <p:ph type="title"/>
+          </p:nvPr>
+        </p:nvSpPr>
+        <p:spPr>
+          <a:xfrm>
+            <a:off x="677335" y="609600"/>
+            <a:ext cx="8596668" cy="3403600"/>
+          </a:xfrm>
+        </p:spPr>
+        <p:txBody>
+          <a:bodyPr anchor="ctr">
+            <a:normAutofit/>
+          </a:bodyPr>
+          <a:lstStyle>
+            <a:lvl1pPr algn="l">
+              <a:defRPr sz="4400" b="0" cap="none"/>
+            </a:lvl1pPr>
+          </a:lstStyle>
+          <a:p>
+            <a:r>
+              <a:rPr lang="en-US"/>
+              <a:t>Click to edit Master title style</a:t>
+            </a:r>
+            <a:endParaRPr lang="en-US" dirty="0"/>
+          </a:p>
+        </p:txBody>
+      </p:sp>
+      <p:sp>
+        <p:nvSpPr>
+          <p:cNvPr id="3" name="Text Placeholder 2"/>
+          <p:cNvSpPr>
+            <a:spLocks noGrp="1"/>
+          </p:cNvSpPr>
+          <p:nvPr>
+            <p:ph type="body" idx="1"/>
+          </p:nvPr>
+        </p:nvSpPr>
+        <p:spPr>
+          <a:xfrm>
+            <a:off x="677335" y="4470400"/>
+            <a:ext cx="8596668" cy="1570962"/>
+          </a:xfrm>
+        </p:spPr>
+        <p:txBody>
+          <a:bodyPr anchor="ctr">
+            <a:normAutofit/>
+          </a:bodyPr>
+          <a:lstStyle>
+            <a:lvl1pPr marL="0" indent="0" algn="l">
+              <a:buNone/>
+              <a:defRPr sz="1800">
+                <a:solidFill>
+                  <a:schemeClr val="tx1">
+                    <a:lumMod val="75000"/>
+                    <a:lumOff val="25000"/>
+                  </a:schemeClr>
+                </a:solidFill>
+              </a:defRPr>
+            </a:lvl1pPr>
+            <a:lvl2pPr marL="457200" indent="0">
+              <a:buNone/>
+              <a:defRPr sz="1800">
+                <a:solidFill>
+                  <a:schemeClr val="tx1">
+                    <a:tint val="75000"/>
+                  </a:schemeClr>
+                </a:solidFill>
+              </a:defRPr>
+            </a:lvl2pPr>
+            <a:lvl3pPr marL="914400" indent="0">
+              <a:buNone/>
+              <a:defRPr sz="1600">
+                <a:solidFill>
+                  <a:schemeClr val="tx1">
+                    <a:tint val="75000"/>
+                  </a:schemeClr>
+                </a:solidFill>
+              </a:defRPr>
+            </a:lvl3pPr>
+            <a:lvl4pPr marL="1371600" indent="0">
+              <a:buNone/>
+              <a:defRPr sz="1400">
+                <a:solidFill>
+                  <a:schemeClr val="tx1">
+                    <a:tint val="75000"/>
+                  </a:schemeClr>
+                </a:solidFill>
+              </a:defRPr>
+            </a:lvl4pPr>
+            <a:lvl5pPr marL="1828800" indent="0">
+              <a:buNone/>
+              <a:defRPr sz="1400">
+                <a:solidFill>
+                  <a:schemeClr val="tx1">
+                    <a:tint val="75000"/>
+                  </a:schemeClr>
+                </a:solidFill>
+              </a:defRPr>
+            </a:lvl5pPr>
+            <a:lvl6pPr marL="2286000" indent="0">
+              <a:buNone/>
+              <a:defRPr sz="1400">
+                <a:solidFill>
+                  <a:schemeClr val="tx1">
+                    <a:tint val="75000"/>
+                  </a:schemeClr>
+                </a:solidFill>
+              </a:defRPr>
+            </a:lvl6pPr>
+            <a:lvl7pPr marL="2743200" indent="0">
+              <a:buNone/>
+              <a:defRPr sz="1400">
+                <a:solidFill>
+                  <a:schemeClr val="tx1">
+                    <a:tint val="75000"/>
+                  </a:schemeClr>
+                </a:solidFill>
+              </a:defRPr>
+            </a:lvl7pPr>
+            <a:lvl8pPr marL="3200400" indent="0">
+              <a:buNone/>
+              <a:defRPr sz="1400">
+                <a:solidFill>
+                  <a:schemeClr val="tx1">
+                    <a:tint val="75000"/>
+                  </a:schemeClr>
+                </a:solidFill>
+              </a:defRPr>
+            </a:lvl8pPr>
+            <a:lvl9pPr marL="3657600" indent="0">
+              <a:buNone/>
+              <a:defRPr sz="1400">
+                <a:solidFill>
+                  <a:schemeClr val="tx1">
+                    <a:tint val="75000"/>
+                  </a:schemeClr>
+                </a:solidFill>
+              </a:defRPr>
+            </a:lvl9pPr>
+          </a:lstStyle>
+          <a:p>
+            <a:pPr lvl="0"/>
+            <a:r>
+              <a:rPr lang="en-US"/>
+              <a:t>Edit Master text styles</a:t>
+            </a:r>
+          </a:p>
+        </p:txBody>
+      </p:sp>
+      <p:sp>
+        <p:nvSpPr>
+          <p:cNvPr id="4" name="Date Placeholder 3"/>
+          <p:cNvSpPr>
+            <a:spLocks noGrp="1"/>
+          </p:cNvSpPr>
+          <p:nvPr>
+            <p:ph type="dt" sz="half" idx="10"/>
+          </p:nvPr>
+        </p:nvSpPr>
+        <p:spPr/>
+        <p:txBody>
+          <a:bodyPr/>
+          <a:lstStyle/>
+          <a:p>
+            <a:fld id="{914A3915-4692-486F-837A-5768755CCE49}" type="datetimeFigureOut">
+              <a:rPr lang="en-US" smtClean="0"/>
+              <a:t>8/26/2019</a:t>
+            </a:fld>
+            <a:endParaRPr lang="en-US"/>
+          </a:p>
+        </p:txBody>
+      </p:sp>
+      <p:sp>
+        <p:nvSpPr>
+          <p:cNvPr id="5" name="Footer Placeholder 4"/>
+          <p:cNvSpPr>
+            <a:spLocks noGrp="1"/>
+          </p:cNvSpPr>
+          <p:nvPr>
+            <p:ph type="ftr" sz="quarter" idx="11"/>
+          </p:nvPr>
+        </p:nvSpPr>
+        <p:spPr/>
+        <p:txBody>
+          <a:bodyPr/>
+          <a:lstStyle/>
+          <a:p>
+            <a:endParaRPr lang="en-US"/>
+          </a:p>
+        </p:txBody>
+      </p:sp>
+      <p:sp>
+        <p:nvSpPr>
+          <p:cNvPr id="6" name="Slide Number Placeholder 5"/>
+          <p:cNvSpPr>
+            <a:spLocks noGrp="1"/>
+          </p:cNvSpPr>
+          <p:nvPr>
+            <p:ph type="sldNum" sz="quarter" idx="12"/>
+          </p:nvPr>
+        </p:nvSpPr>
+        <p:spPr/>
+        <p:txBody>
+          <a:bodyPr/>
+          <a:lstStyle/>
+          <a:p>
+            <a:fld id="{93AD6F86-E4C3-40B9-A417-0348DA1F0DF4}" type="slidenum">
+              <a:rPr lang="en-US" smtClean="0"/>
+              <a:t>‹#›</a:t>
+            </a:fld>
+            <a:endParaRPr lang="en-US"/>
+          </a:p>
+        </p:txBody>
+      </p:sp>
+    </p:spTree>
+    <p:extLst>
+      <p:ext uri="{BB962C8B-B14F-4D97-AF65-F5344CB8AC3E}">
+        <p14:creationId xmlns:p14="http://schemas.microsoft.com/office/powerpoint/2010/main" val="1397172280"/>
+      </p:ext>
+    </p:extLst>
+  </p:cSld>
+  <p:clrMapOvr>
+    <a:masterClrMapping/>
+  </p:clrMapOvr>
+</p:sldLayout>
+</file>
+
+<file path=ppt/slideLayouts/slideLayout11.xml><?xml version="1.0" encoding="utf-8"?>
+<p:sldLayout xmlns:a="http://schemas.openxmlformats.org/drawingml/2006/main" xmlns:r="http://schemas.openxmlformats.org/officeDocument/2006/relationships" xmlns:p="http://schemas.openxmlformats.org/presentationml/2006/main" preserve="1">
+  <p:cSld name="Quote with Caption">
+    <p:spTree>
+      <p:nvGrpSpPr>
+        <p:cNvPr id="1" name=""/>
+        <p:cNvGrpSpPr/>
+        <p:nvPr/>
+      </p:nvGrpSpPr>
+      <p:grpSpPr>
+        <a:xfrm>
+          <a:off x="0" y="0"/>
+          <a:ext cx="0" cy="0"/>
+          <a:chOff x="0" y="0"/>
+          <a:chExt cx="0" cy="0"/>
+        </a:xfrm>
+      </p:grpSpPr>
+      <p:sp>
+        <p:nvSpPr>
+          <p:cNvPr id="2" name="Title 1"/>
+          <p:cNvSpPr>
+            <a:spLocks noGrp="1"/>
+          </p:cNvSpPr>
+          <p:nvPr>
+            <p:ph type="title"/>
+          </p:nvPr>
+        </p:nvSpPr>
+        <p:spPr>
+          <a:xfrm>
+            <a:off x="931334" y="609600"/>
+            <a:ext cx="8094134" cy="3022600"/>
+          </a:xfrm>
+        </p:spPr>
+        <p:txBody>
+          <a:bodyPr anchor="ctr">
+            <a:normAutofit/>
+          </a:bodyPr>
+          <a:lstStyle>
+            <a:lvl1pPr algn="l">
+              <a:defRPr sz="4400" b="0" cap="none"/>
+            </a:lvl1pPr>
+          </a:lstStyle>
+          <a:p>
+            <a:r>
+              <a:rPr lang="en-US"/>
+              <a:t>Click to edit Master title style</a:t>
+            </a:r>
+            <a:endParaRPr lang="en-US" dirty="0"/>
+          </a:p>
+        </p:txBody>
+      </p:sp>
+      <p:sp>
+        <p:nvSpPr>
+          <p:cNvPr id="23" name="Text Placeholder 9"/>
+          <p:cNvSpPr>
+            <a:spLocks noGrp="1"/>
+          </p:cNvSpPr>
+          <p:nvPr>
+            <p:ph type="body" sz="quarter" idx="13"/>
+          </p:nvPr>
+        </p:nvSpPr>
+        <p:spPr>
+          <a:xfrm>
+            <a:off x="1366139" y="3632200"/>
+            <a:ext cx="7224524" cy="381000"/>
+          </a:xfrm>
+        </p:spPr>
+        <p:txBody>
+          <a:bodyPr anchor="ctr">
+            <a:noAutofit/>
+          </a:bodyPr>
+          <a:lstStyle>
+            <a:lvl1pPr marL="0" indent="0">
+              <a:buFontTx/>
+              <a:buNone/>
+              <a:defRPr sz="1600">
+                <a:solidFill>
+                  <a:schemeClr val="tx1">
+                    <a:lumMod val="50000"/>
+                    <a:lumOff val="50000"/>
+                  </a:schemeClr>
+                </a:solidFill>
+              </a:defRPr>
+            </a:lvl1pPr>
+            <a:lvl2pPr marL="457200" indent="0">
+              <a:buFontTx/>
+              <a:buNone/>
+              <a:defRPr/>
+            </a:lvl2pPr>
+            <a:lvl3pPr marL="914400" indent="0">
+              <a:buFontTx/>
+              <a:buNone/>
+              <a:defRPr/>
+            </a:lvl3pPr>
+            <a:lvl4pPr marL="1371600" indent="0">
+              <a:buFontTx/>
+              <a:buNone/>
+              <a:defRPr/>
+            </a:lvl4pPr>
+            <a:lvl5pPr marL="1828800" indent="0">
+              <a:buFontTx/>
+              <a:buNone/>
+              <a:defRPr/>
+            </a:lvl5pPr>
+          </a:lstStyle>
+          <a:p>
+            <a:pPr lvl="0"/>
+            <a:r>
+              <a:rPr lang="en-US"/>
+              <a:t>Edit Master text styles</a:t>
+            </a:r>
+          </a:p>
+        </p:txBody>
+      </p:sp>
+      <p:sp>
+        <p:nvSpPr>
+          <p:cNvPr id="3" name="Text Placeholder 2"/>
+          <p:cNvSpPr>
+            <a:spLocks noGrp="1"/>
+          </p:cNvSpPr>
+          <p:nvPr>
+            <p:ph type="body" idx="1"/>
+          </p:nvPr>
+        </p:nvSpPr>
+        <p:spPr>
+          <a:xfrm>
+            <a:off x="677335" y="4470400"/>
+            <a:ext cx="8596668" cy="1570962"/>
+          </a:xfrm>
+        </p:spPr>
+        <p:txBody>
+          <a:bodyPr anchor="ctr">
+            <a:normAutofit/>
+          </a:bodyPr>
+          <a:lstStyle>
+            <a:lvl1pPr marL="0" indent="0" algn="l">
+              <a:buNone/>
+              <a:defRPr sz="1800">
+                <a:solidFill>
+                  <a:schemeClr val="tx1">
+                    <a:lumMod val="75000"/>
+                    <a:lumOff val="25000"/>
+                  </a:schemeClr>
+                </a:solidFill>
+              </a:defRPr>
+            </a:lvl1pPr>
+            <a:lvl2pPr marL="457200" indent="0">
+              <a:buNone/>
+              <a:defRPr sz="1800">
+                <a:solidFill>
+                  <a:schemeClr val="tx1">
+                    <a:tint val="75000"/>
+                  </a:schemeClr>
+                </a:solidFill>
+              </a:defRPr>
+            </a:lvl2pPr>
+            <a:lvl3pPr marL="914400" indent="0">
+              <a:buNone/>
+              <a:defRPr sz="1600">
+                <a:solidFill>
+                  <a:schemeClr val="tx1">
+                    <a:tint val="75000"/>
+                  </a:schemeClr>
+                </a:solidFill>
+              </a:defRPr>
+            </a:lvl3pPr>
+            <a:lvl4pPr marL="1371600" indent="0">
+              <a:buNone/>
+              <a:defRPr sz="1400">
+                <a:solidFill>
+                  <a:schemeClr val="tx1">
+                    <a:tint val="75000"/>
+                  </a:schemeClr>
+                </a:solidFill>
+              </a:defRPr>
+            </a:lvl4pPr>
+            <a:lvl5pPr marL="1828800" indent="0">
+              <a:buNone/>
+              <a:defRPr sz="1400">
+                <a:solidFill>
+                  <a:schemeClr val="tx1">
+                    <a:tint val="75000"/>
+                  </a:schemeClr>
+                </a:solidFill>
+              </a:defRPr>
+            </a:lvl5pPr>
+            <a:lvl6pPr marL="2286000" indent="0">
+              <a:buNone/>
+              <a:defRPr sz="1400">
+                <a:solidFill>
+                  <a:schemeClr val="tx1">
+                    <a:tint val="75000"/>
+                  </a:schemeClr>
+                </a:solidFill>
+              </a:defRPr>
+            </a:lvl6pPr>
+            <a:lvl7pPr marL="2743200" indent="0">
+              <a:buNone/>
+              <a:defRPr sz="1400">
+                <a:solidFill>
+                  <a:schemeClr val="tx1">
+                    <a:tint val="75000"/>
+                  </a:schemeClr>
+                </a:solidFill>
+              </a:defRPr>
+            </a:lvl7pPr>
+            <a:lvl8pPr marL="3200400" indent="0">
+              <a:buNone/>
+              <a:defRPr sz="1400">
+                <a:solidFill>
+                  <a:schemeClr val="tx1">
+                    <a:tint val="75000"/>
+                  </a:schemeClr>
+                </a:solidFill>
+              </a:defRPr>
+            </a:lvl8pPr>
+            <a:lvl9pPr marL="3657600" indent="0">
+              <a:buNone/>
+              <a:defRPr sz="1400">
+                <a:solidFill>
+                  <a:schemeClr val="tx1">
+                    <a:tint val="75000"/>
+                  </a:schemeClr>
+                </a:solidFill>
+              </a:defRPr>
+            </a:lvl9pPr>
+          </a:lstStyle>
+          <a:p>
+            <a:pPr lvl="0"/>
+            <a:r>
+              <a:rPr lang="en-US"/>
+              <a:t>Edit Master text styles</a:t>
+            </a:r>
+          </a:p>
+        </p:txBody>
+      </p:sp>
+      <p:sp>
+        <p:nvSpPr>
+          <p:cNvPr id="4" name="Date Placeholder 3"/>
+          <p:cNvSpPr>
+            <a:spLocks noGrp="1"/>
+          </p:cNvSpPr>
+          <p:nvPr>
+            <p:ph type="dt" sz="half" idx="10"/>
+          </p:nvPr>
+        </p:nvSpPr>
+        <p:spPr/>
+        <p:txBody>
+          <a:bodyPr/>
+          <a:lstStyle/>
+          <a:p>
+            <a:fld id="{914A3915-4692-486F-837A-5768755CCE49}" type="datetimeFigureOut">
+              <a:rPr lang="en-US" smtClean="0"/>
+              <a:t>8/26/2019</a:t>
+            </a:fld>
+            <a:endParaRPr lang="en-US"/>
+          </a:p>
+        </p:txBody>
+      </p:sp>
+      <p:sp>
+        <p:nvSpPr>
+          <p:cNvPr id="5" name="Footer Placeholder 4"/>
+          <p:cNvSpPr>
+            <a:spLocks noGrp="1"/>
+          </p:cNvSpPr>
+          <p:nvPr>
+            <p:ph type="ftr" sz="quarter" idx="11"/>
+          </p:nvPr>
+        </p:nvSpPr>
+        <p:spPr/>
+        <p:txBody>
+          <a:bodyPr/>
+          <a:lstStyle/>
+          <a:p>
+            <a:endParaRPr lang="en-US"/>
+          </a:p>
+        </p:txBody>
+      </p:sp>
+      <p:sp>
+        <p:nvSpPr>
+          <p:cNvPr id="6" name="Slide Number Placeholder 5"/>
+          <p:cNvSpPr>
+            <a:spLocks noGrp="1"/>
+          </p:cNvSpPr>
+          <p:nvPr>
+            <p:ph type="sldNum" sz="quarter" idx="12"/>
+          </p:nvPr>
+        </p:nvSpPr>
+        <p:spPr/>
+        <p:txBody>
+          <a:bodyPr/>
+          <a:lstStyle/>
+          <a:p>
+            <a:fld id="{93AD6F86-E4C3-40B9-A417-0348DA1F0DF4}" type="slidenum">
+              <a:rPr lang="en-US" smtClean="0"/>
+              <a:t>‹#›</a:t>
+            </a:fld>
+            <a:endParaRPr lang="en-US"/>
+          </a:p>
+        </p:txBody>
+      </p:sp>
+      <p:sp>
+        <p:nvSpPr>
+          <p:cNvPr id="20" name="TextBox 19"/>
+          <p:cNvSpPr txBox="1"/>
+          <p:nvPr/>
+        </p:nvSpPr>
+        <p:spPr>
+          <a:xfrm>
+            <a:off x="541870" y="790378"/>
+            <a:ext cx="609600" cy="584776"/>
+          </a:xfrm>
+          <a:prstGeom prst="rect">
+            <a:avLst/>
+          </a:prstGeom>
+        </p:spPr>
+        <p:txBody>
+          <a:bodyPr vert="horz" lIns="91440" tIns="45720" rIns="91440" bIns="45720" rtlCol="0" anchor="ctr">
+            <a:noAutofit/>
+          </a:bodyPr>
+          <a:lstStyle/>
+          <a:p>
+            <a:pPr lvl="0"/>
+            <a:r>
+              <a:rPr lang="en-US" sz="8000" baseline="0" dirty="0">
+                <a:ln w="3175" cmpd="sng">
+                  <a:noFill/>
+                </a:ln>
+                <a:solidFill>
+                  <a:schemeClr val="accent1">
+                    <a:lumMod val="60000"/>
+                    <a:lumOff val="40000"/>
+                  </a:schemeClr>
+                </a:solidFill>
+                <a:effectLst/>
+                <a:latin typeface="Arial"/>
+              </a:rPr>
+              <a:t>“</a:t>
+            </a:r>
+          </a:p>
+        </p:txBody>
+      </p:sp>
+      <p:sp>
+        <p:nvSpPr>
+          <p:cNvPr id="22" name="TextBox 21"/>
+          <p:cNvSpPr txBox="1"/>
+          <p:nvPr/>
+        </p:nvSpPr>
+        <p:spPr>
+          <a:xfrm>
+            <a:off x="8893011" y="2886556"/>
+            <a:ext cx="609600" cy="584776"/>
+          </a:xfrm>
+          <a:prstGeom prst="rect">
+            <a:avLst/>
+          </a:prstGeom>
+        </p:spPr>
+        <p:txBody>
+          <a:bodyPr vert="horz" lIns="91440" tIns="45720" rIns="91440" bIns="45720" rtlCol="0" anchor="ctr">
+            <a:noAutofit/>
+          </a:bodyPr>
+          <a:lstStyle/>
+          <a:p>
+            <a:pPr lvl="0"/>
+            <a:r>
+              <a:rPr lang="en-US" sz="8000" baseline="0" dirty="0">
+                <a:ln w="3175" cmpd="sng">
+                  <a:noFill/>
+                </a:ln>
+                <a:solidFill>
+                  <a:schemeClr val="accent1">
+                    <a:lumMod val="60000"/>
+                    <a:lumOff val="40000"/>
+                  </a:schemeClr>
+                </a:solidFill>
+                <a:latin typeface="Arial"/>
+              </a:rPr>
+              <a:t>”</a:t>
+            </a:r>
+            <a:endParaRPr lang="en-US" dirty="0">
+              <a:solidFill>
+                <a:schemeClr val="accent1">
+                  <a:lumMod val="60000"/>
+                  <a:lumOff val="40000"/>
+                </a:schemeClr>
+              </a:solidFill>
+              <a:latin typeface="Arial"/>
+            </a:endParaRPr>
+          </a:p>
+        </p:txBody>
+      </p:sp>
+    </p:spTree>
+    <p:extLst>
+      <p:ext uri="{BB962C8B-B14F-4D97-AF65-F5344CB8AC3E}">
+        <p14:creationId xmlns:p14="http://schemas.microsoft.com/office/powerpoint/2010/main" val="2513943664"/>
+      </p:ext>
+    </p:extLst>
+  </p:cSld>
+  <p:clrMapOvr>
+    <a:masterClrMapping/>
+  </p:clrMapOvr>
+</p:sldLayout>
+</file>
+
+<file path=ppt/slideLayouts/slideLayout12.xml><?xml version="1.0" encoding="utf-8"?>
+<p:sldLayout xmlns:a="http://schemas.openxmlformats.org/drawingml/2006/main" xmlns:r="http://schemas.openxmlformats.org/officeDocument/2006/relationships" xmlns:p="http://schemas.openxmlformats.org/presentationml/2006/main" preserve="1">
+  <p:cSld name="Name Card">
+    <p:spTree>
+      <p:nvGrpSpPr>
+        <p:cNvPr id="1" name=""/>
+        <p:cNvGrpSpPr/>
+        <p:nvPr/>
+      </p:nvGrpSpPr>
+      <p:grpSpPr>
+        <a:xfrm>
+          <a:off x="0" y="0"/>
+          <a:ext cx="0" cy="0"/>
+          <a:chOff x="0" y="0"/>
+          <a:chExt cx="0" cy="0"/>
+        </a:xfrm>
+      </p:grpSpPr>
+      <p:sp>
+        <p:nvSpPr>
+          <p:cNvPr id="2" name="Title 1"/>
+          <p:cNvSpPr>
+            <a:spLocks noGrp="1"/>
+          </p:cNvSpPr>
+          <p:nvPr>
+            <p:ph type="title"/>
+          </p:nvPr>
+        </p:nvSpPr>
+        <p:spPr>
+          <a:xfrm>
+            <a:off x="677335" y="1931988"/>
+            <a:ext cx="8596668" cy="2595460"/>
+          </a:xfrm>
+        </p:spPr>
+        <p:txBody>
+          <a:bodyPr anchor="b">
+            <a:normAutofit/>
+          </a:bodyPr>
+          <a:lstStyle>
+            <a:lvl1pPr algn="l">
+              <a:defRPr sz="4400" b="0" cap="none"/>
+            </a:lvl1pPr>
+          </a:lstStyle>
+          <a:p>
+            <a:r>
+              <a:rPr lang="en-US"/>
+              <a:t>Click to edit Master title style</a:t>
+            </a:r>
+            <a:endParaRPr lang="en-US" dirty="0"/>
+          </a:p>
+        </p:txBody>
+      </p:sp>
+      <p:sp>
+        <p:nvSpPr>
+          <p:cNvPr id="3" name="Text Placeholder 2"/>
+          <p:cNvSpPr>
+            <a:spLocks noGrp="1"/>
+          </p:cNvSpPr>
+          <p:nvPr>
+            <p:ph type="body" idx="1"/>
+          </p:nvPr>
+        </p:nvSpPr>
+        <p:spPr>
+          <a:xfrm>
+            <a:off x="677335" y="4527448"/>
+            <a:ext cx="8596668" cy="1513914"/>
+          </a:xfrm>
+        </p:spPr>
+        <p:txBody>
+          <a:bodyPr anchor="t">
+            <a:normAutofit/>
+          </a:bodyPr>
+          <a:lstStyle>
+            <a:lvl1pPr marL="0" indent="0" algn="l">
+              <a:buNone/>
+              <a:defRPr sz="1800">
+                <a:solidFill>
+                  <a:schemeClr val="tx1">
+                    <a:lumMod val="75000"/>
+                    <a:lumOff val="25000"/>
+                  </a:schemeClr>
+                </a:solidFill>
+              </a:defRPr>
+            </a:lvl1pPr>
+            <a:lvl2pPr marL="457200" indent="0">
+              <a:buNone/>
+              <a:defRPr sz="1800">
+                <a:solidFill>
+                  <a:schemeClr val="tx1">
+                    <a:tint val="75000"/>
+                  </a:schemeClr>
+                </a:solidFill>
+              </a:defRPr>
+            </a:lvl2pPr>
+            <a:lvl3pPr marL="914400" indent="0">
+              <a:buNone/>
+              <a:defRPr sz="1600">
+                <a:solidFill>
+                  <a:schemeClr val="tx1">
+                    <a:tint val="75000"/>
+                  </a:schemeClr>
+                </a:solidFill>
+              </a:defRPr>
+            </a:lvl3pPr>
+            <a:lvl4pPr marL="1371600" indent="0">
+              <a:buNone/>
+              <a:defRPr sz="1400">
+                <a:solidFill>
+                  <a:schemeClr val="tx1">
+                    <a:tint val="75000"/>
+                  </a:schemeClr>
+                </a:solidFill>
+              </a:defRPr>
+            </a:lvl4pPr>
+            <a:lvl5pPr marL="1828800" indent="0">
+              <a:buNone/>
+              <a:defRPr sz="1400">
+                <a:solidFill>
+                  <a:schemeClr val="tx1">
+                    <a:tint val="75000"/>
+                  </a:schemeClr>
+                </a:solidFill>
+              </a:defRPr>
+            </a:lvl5pPr>
+            <a:lvl6pPr marL="2286000" indent="0">
+              <a:buNone/>
+              <a:defRPr sz="1400">
+                <a:solidFill>
+                  <a:schemeClr val="tx1">
+                    <a:tint val="75000"/>
+                  </a:schemeClr>
+                </a:solidFill>
+              </a:defRPr>
+            </a:lvl6pPr>
+            <a:lvl7pPr marL="2743200" indent="0">
+              <a:buNone/>
+              <a:defRPr sz="1400">
+                <a:solidFill>
+                  <a:schemeClr val="tx1">
+                    <a:tint val="75000"/>
+                  </a:schemeClr>
+                </a:solidFill>
+              </a:defRPr>
+            </a:lvl7pPr>
+            <a:lvl8pPr marL="3200400" indent="0">
+              <a:buNone/>
+              <a:defRPr sz="1400">
+                <a:solidFill>
+                  <a:schemeClr val="tx1">
+                    <a:tint val="75000"/>
+                  </a:schemeClr>
+                </a:solidFill>
+              </a:defRPr>
+            </a:lvl8pPr>
+            <a:lvl9pPr marL="3657600" indent="0">
+              <a:buNone/>
+              <a:defRPr sz="1400">
+                <a:solidFill>
+                  <a:schemeClr val="tx1">
+                    <a:tint val="75000"/>
+                  </a:schemeClr>
+                </a:solidFill>
+              </a:defRPr>
+            </a:lvl9pPr>
+          </a:lstStyle>
+          <a:p>
+            <a:pPr lvl="0"/>
+            <a:r>
+              <a:rPr lang="en-US"/>
+              <a:t>Edit Master text styles</a:t>
+            </a:r>
+          </a:p>
+        </p:txBody>
+      </p:sp>
+      <p:sp>
+        <p:nvSpPr>
+          <p:cNvPr id="4" name="Date Placeholder 3"/>
+          <p:cNvSpPr>
+            <a:spLocks noGrp="1"/>
+          </p:cNvSpPr>
+          <p:nvPr>
+            <p:ph type="dt" sz="half" idx="10"/>
+          </p:nvPr>
+        </p:nvSpPr>
+        <p:spPr/>
+        <p:txBody>
+          <a:bodyPr/>
+          <a:lstStyle/>
+          <a:p>
+            <a:fld id="{914A3915-4692-486F-837A-5768755CCE49}" type="datetimeFigureOut">
+              <a:rPr lang="en-US" smtClean="0"/>
+              <a:t>8/26/2019</a:t>
+            </a:fld>
+            <a:endParaRPr lang="en-US"/>
+          </a:p>
+        </p:txBody>
+      </p:sp>
+      <p:sp>
+        <p:nvSpPr>
+          <p:cNvPr id="5" name="Footer Placeholder 4"/>
+          <p:cNvSpPr>
+            <a:spLocks noGrp="1"/>
+          </p:cNvSpPr>
+          <p:nvPr>
+            <p:ph type="ftr" sz="quarter" idx="11"/>
+          </p:nvPr>
+        </p:nvSpPr>
+        <p:spPr/>
+        <p:txBody>
+          <a:bodyPr/>
+          <a:lstStyle/>
+          <a:p>
+            <a:endParaRPr lang="en-US"/>
+          </a:p>
+        </p:txBody>
+      </p:sp>
+      <p:sp>
+        <p:nvSpPr>
+          <p:cNvPr id="6" name="Slide Number Placeholder 5"/>
+          <p:cNvSpPr>
+            <a:spLocks noGrp="1"/>
+          </p:cNvSpPr>
+          <p:nvPr>
+            <p:ph type="sldNum" sz="quarter" idx="12"/>
+          </p:nvPr>
+        </p:nvSpPr>
+        <p:spPr/>
+        <p:txBody>
+          <a:bodyPr/>
+          <a:lstStyle/>
+          <a:p>
+            <a:fld id="{93AD6F86-E4C3-40B9-A417-0348DA1F0DF4}" type="slidenum">
+              <a:rPr lang="en-US" smtClean="0"/>
+              <a:t>‹#›</a:t>
+            </a:fld>
+            <a:endParaRPr lang="en-US"/>
+          </a:p>
+        </p:txBody>
+      </p:sp>
+    </p:spTree>
+    <p:extLst>
+      <p:ext uri="{BB962C8B-B14F-4D97-AF65-F5344CB8AC3E}">
+        <p14:creationId xmlns:p14="http://schemas.microsoft.com/office/powerpoint/2010/main" val="3787354779"/>
+      </p:ext>
+    </p:extLst>
+  </p:cSld>
+  <p:clrMapOvr>
+    <a:masterClrMapping/>
+  </p:clrMapOvr>
+</p:sldLayout>
+</file>
+
+<file path=ppt/slideLayouts/slideLayout13.xml><?xml version="1.0" encoding="utf-8"?>
+<p:sldLayout xmlns:a="http://schemas.openxmlformats.org/drawingml/2006/main" xmlns:r="http://schemas.openxmlformats.org/officeDocument/2006/relationships" xmlns:p="http://schemas.openxmlformats.org/presentationml/2006/main" preserve="1">
+  <p:cSld name="Quote Name Card">
+    <p:spTree>
+      <p:nvGrpSpPr>
+        <p:cNvPr id="1" name=""/>
+        <p:cNvGrpSpPr/>
+        <p:nvPr/>
+      </p:nvGrpSpPr>
+      <p:grpSpPr>
+        <a:xfrm>
+          <a:off x="0" y="0"/>
+          <a:ext cx="0" cy="0"/>
+          <a:chOff x="0" y="0"/>
+          <a:chExt cx="0" cy="0"/>
+        </a:xfrm>
+      </p:grpSpPr>
+      <p:sp>
+        <p:nvSpPr>
+          <p:cNvPr id="2" name="Title 1"/>
+          <p:cNvSpPr>
+            <a:spLocks noGrp="1"/>
+          </p:cNvSpPr>
+          <p:nvPr>
+            <p:ph type="title"/>
+          </p:nvPr>
+        </p:nvSpPr>
+        <p:spPr>
+          <a:xfrm>
+            <a:off x="931334" y="609600"/>
+            <a:ext cx="8094134" cy="3022600"/>
+          </a:xfrm>
+        </p:spPr>
+        <p:txBody>
+          <a:bodyPr anchor="ctr">
+            <a:normAutofit/>
+          </a:bodyPr>
+          <a:lstStyle>
+            <a:lvl1pPr algn="l">
+              <a:defRPr sz="4400" b="0" cap="none"/>
+            </a:lvl1pPr>
+          </a:lstStyle>
+          <a:p>
+            <a:r>
+              <a:rPr lang="en-US"/>
+              <a:t>Click to edit Master title style</a:t>
+            </a:r>
+            <a:endParaRPr lang="en-US" dirty="0"/>
+          </a:p>
+        </p:txBody>
+      </p:sp>
+      <p:sp>
+        <p:nvSpPr>
+          <p:cNvPr id="23" name="Text Placeholder 9"/>
+          <p:cNvSpPr>
+            <a:spLocks noGrp="1"/>
+          </p:cNvSpPr>
+          <p:nvPr>
+            <p:ph type="body" sz="quarter" idx="13"/>
+          </p:nvPr>
+        </p:nvSpPr>
+        <p:spPr>
+          <a:xfrm>
+            <a:off x="677332" y="4013200"/>
+            <a:ext cx="8596669" cy="514248"/>
+          </a:xfrm>
+        </p:spPr>
+        <p:txBody>
+          <a:bodyPr anchor="b">
+            <a:noAutofit/>
+          </a:bodyPr>
+          <a:lstStyle>
+            <a:lvl1pPr marL="0" indent="0">
+              <a:buFontTx/>
+              <a:buNone/>
+              <a:defRPr sz="2400">
+                <a:solidFill>
+                  <a:schemeClr val="tx1">
+                    <a:lumMod val="75000"/>
+                    <a:lumOff val="25000"/>
+                  </a:schemeClr>
+                </a:solidFill>
+              </a:defRPr>
+            </a:lvl1pPr>
+            <a:lvl2pPr marL="457200" indent="0">
+              <a:buFontTx/>
+              <a:buNone/>
+              <a:defRPr/>
+            </a:lvl2pPr>
+            <a:lvl3pPr marL="914400" indent="0">
+              <a:buFontTx/>
+              <a:buNone/>
+              <a:defRPr/>
+            </a:lvl3pPr>
+            <a:lvl4pPr marL="1371600" indent="0">
+              <a:buFontTx/>
+              <a:buNone/>
+              <a:defRPr/>
+            </a:lvl4pPr>
+            <a:lvl5pPr marL="1828800" indent="0">
+              <a:buFontTx/>
+              <a:buNone/>
+              <a:defRPr/>
+            </a:lvl5pPr>
+          </a:lstStyle>
+          <a:p>
+            <a:pPr lvl="0"/>
+            <a:r>
+              <a:rPr lang="en-US"/>
+              <a:t>Edit Master text styles</a:t>
+            </a:r>
+          </a:p>
+        </p:txBody>
+      </p:sp>
+      <p:sp>
+        <p:nvSpPr>
+          <p:cNvPr id="3" name="Text Placeholder 2"/>
+          <p:cNvSpPr>
+            <a:spLocks noGrp="1"/>
+          </p:cNvSpPr>
+          <p:nvPr>
+            <p:ph type="body" idx="1"/>
+          </p:nvPr>
+        </p:nvSpPr>
+        <p:spPr>
+          <a:xfrm>
+            <a:off x="677335" y="4527448"/>
+            <a:ext cx="8596668" cy="1513914"/>
+          </a:xfrm>
+        </p:spPr>
+        <p:txBody>
+          <a:bodyPr anchor="t">
+            <a:normAutofit/>
+          </a:bodyPr>
+          <a:lstStyle>
+            <a:lvl1pPr marL="0" indent="0" algn="l">
+              <a:buNone/>
+              <a:defRPr sz="1800">
+                <a:solidFill>
+                  <a:schemeClr val="tx1">
+                    <a:lumMod val="50000"/>
+                    <a:lumOff val="50000"/>
+                  </a:schemeClr>
+                </a:solidFill>
+              </a:defRPr>
+            </a:lvl1pPr>
+            <a:lvl2pPr marL="457200" indent="0">
+              <a:buNone/>
+              <a:defRPr sz="1800">
+                <a:solidFill>
+                  <a:schemeClr val="tx1">
+                    <a:tint val="75000"/>
+                  </a:schemeClr>
+                </a:solidFill>
+              </a:defRPr>
+            </a:lvl2pPr>
+            <a:lvl3pPr marL="914400" indent="0">
+              <a:buNone/>
+              <a:defRPr sz="1600">
+                <a:solidFill>
+                  <a:schemeClr val="tx1">
+                    <a:tint val="75000"/>
+                  </a:schemeClr>
+                </a:solidFill>
+              </a:defRPr>
+            </a:lvl3pPr>
+            <a:lvl4pPr marL="1371600" indent="0">
+              <a:buNone/>
+              <a:defRPr sz="1400">
+                <a:solidFill>
+                  <a:schemeClr val="tx1">
+                    <a:tint val="75000"/>
+                  </a:schemeClr>
+                </a:solidFill>
+              </a:defRPr>
+            </a:lvl4pPr>
+            <a:lvl5pPr marL="1828800" indent="0">
+              <a:buNone/>
+              <a:defRPr sz="1400">
+                <a:solidFill>
+                  <a:schemeClr val="tx1">
+                    <a:tint val="75000"/>
+                  </a:schemeClr>
+                </a:solidFill>
+              </a:defRPr>
+            </a:lvl5pPr>
+            <a:lvl6pPr marL="2286000" indent="0">
+              <a:buNone/>
+              <a:defRPr sz="1400">
+                <a:solidFill>
+                  <a:schemeClr val="tx1">
+                    <a:tint val="75000"/>
+                  </a:schemeClr>
+                </a:solidFill>
+              </a:defRPr>
+            </a:lvl6pPr>
+            <a:lvl7pPr marL="2743200" indent="0">
+              <a:buNone/>
+              <a:defRPr sz="1400">
+                <a:solidFill>
+                  <a:schemeClr val="tx1">
+                    <a:tint val="75000"/>
+                  </a:schemeClr>
+                </a:solidFill>
+              </a:defRPr>
+            </a:lvl7pPr>
+            <a:lvl8pPr marL="3200400" indent="0">
+              <a:buNone/>
+              <a:defRPr sz="1400">
+                <a:solidFill>
+                  <a:schemeClr val="tx1">
+                    <a:tint val="75000"/>
+                  </a:schemeClr>
+                </a:solidFill>
+              </a:defRPr>
+            </a:lvl8pPr>
+            <a:lvl9pPr marL="3657600" indent="0">
+              <a:buNone/>
+              <a:defRPr sz="1400">
+                <a:solidFill>
+                  <a:schemeClr val="tx1">
+                    <a:tint val="75000"/>
+                  </a:schemeClr>
+                </a:solidFill>
+              </a:defRPr>
+            </a:lvl9pPr>
+          </a:lstStyle>
+          <a:p>
+            <a:pPr lvl="0"/>
+            <a:r>
+              <a:rPr lang="en-US"/>
+              <a:t>Edit Master text styles</a:t>
+            </a:r>
+          </a:p>
+        </p:txBody>
+      </p:sp>
+      <p:sp>
+        <p:nvSpPr>
+          <p:cNvPr id="4" name="Date Placeholder 3"/>
+          <p:cNvSpPr>
+            <a:spLocks noGrp="1"/>
+          </p:cNvSpPr>
+          <p:nvPr>
+            <p:ph type="dt" sz="half" idx="10"/>
+          </p:nvPr>
+        </p:nvSpPr>
+        <p:spPr/>
+        <p:txBody>
+          <a:bodyPr/>
+          <a:lstStyle/>
+          <a:p>
+            <a:fld id="{914A3915-4692-486F-837A-5768755CCE49}" type="datetimeFigureOut">
+              <a:rPr lang="en-US" smtClean="0"/>
+              <a:t>8/26/2019</a:t>
+            </a:fld>
+            <a:endParaRPr lang="en-US"/>
+          </a:p>
+        </p:txBody>
+      </p:sp>
+      <p:sp>
+        <p:nvSpPr>
+          <p:cNvPr id="5" name="Footer Placeholder 4"/>
+          <p:cNvSpPr>
+            <a:spLocks noGrp="1"/>
+          </p:cNvSpPr>
+          <p:nvPr>
+            <p:ph type="ftr" sz="quarter" idx="11"/>
+          </p:nvPr>
+        </p:nvSpPr>
+        <p:spPr/>
+        <p:txBody>
+          <a:bodyPr/>
+          <a:lstStyle/>
+          <a:p>
+            <a:endParaRPr lang="en-US"/>
+          </a:p>
+        </p:txBody>
+      </p:sp>
+      <p:sp>
+        <p:nvSpPr>
+          <p:cNvPr id="6" name="Slide Number Placeholder 5"/>
+          <p:cNvSpPr>
+            <a:spLocks noGrp="1"/>
+          </p:cNvSpPr>
+          <p:nvPr>
+            <p:ph type="sldNum" sz="quarter" idx="12"/>
+          </p:nvPr>
+        </p:nvSpPr>
+        <p:spPr/>
+        <p:txBody>
+          <a:bodyPr/>
+          <a:lstStyle/>
+          <a:p>
+            <a:fld id="{93AD6F86-E4C3-40B9-A417-0348DA1F0DF4}" type="slidenum">
+              <a:rPr lang="en-US" smtClean="0"/>
+              <a:t>‹#›</a:t>
+            </a:fld>
+            <a:endParaRPr lang="en-US"/>
+          </a:p>
+        </p:txBody>
+      </p:sp>
+      <p:sp>
+        <p:nvSpPr>
+          <p:cNvPr id="24" name="TextBox 23"/>
+          <p:cNvSpPr txBox="1"/>
+          <p:nvPr/>
+        </p:nvSpPr>
+        <p:spPr>
+          <a:xfrm>
+            <a:off x="541870" y="790378"/>
+            <a:ext cx="609600" cy="584776"/>
+          </a:xfrm>
+          <a:prstGeom prst="rect">
+            <a:avLst/>
+          </a:prstGeom>
+        </p:spPr>
+        <p:txBody>
+          <a:bodyPr vert="horz" lIns="91440" tIns="45720" rIns="91440" bIns="45720" rtlCol="0" anchor="ctr">
+            <a:noAutofit/>
+          </a:bodyPr>
+          <a:lstStyle/>
+          <a:p>
+            <a:pPr lvl="0"/>
+            <a:r>
+              <a:rPr lang="en-US" sz="8000" baseline="0" dirty="0">
+                <a:ln w="3175" cmpd="sng">
+                  <a:noFill/>
+                </a:ln>
+                <a:solidFill>
+                  <a:schemeClr val="accent1">
+                    <a:lumMod val="60000"/>
+                    <a:lumOff val="40000"/>
+                  </a:schemeClr>
+                </a:solidFill>
+                <a:effectLst/>
+                <a:latin typeface="Arial"/>
+              </a:rPr>
+              <a:t>“</a:t>
+            </a:r>
+          </a:p>
+        </p:txBody>
+      </p:sp>
+      <p:sp>
+        <p:nvSpPr>
+          <p:cNvPr id="25" name="TextBox 24"/>
+          <p:cNvSpPr txBox="1"/>
+          <p:nvPr/>
+        </p:nvSpPr>
+        <p:spPr>
+          <a:xfrm>
+            <a:off x="8893011" y="2886556"/>
+            <a:ext cx="609600" cy="584776"/>
+          </a:xfrm>
+          <a:prstGeom prst="rect">
+            <a:avLst/>
+          </a:prstGeom>
+        </p:spPr>
+        <p:txBody>
+          <a:bodyPr vert="horz" lIns="91440" tIns="45720" rIns="91440" bIns="45720" rtlCol="0" anchor="ctr">
+            <a:noAutofit/>
+          </a:bodyPr>
+          <a:lstStyle/>
+          <a:p>
+            <a:pPr lvl="0"/>
+            <a:r>
+              <a:rPr lang="en-US" sz="8000" baseline="0" dirty="0">
+                <a:ln w="3175" cmpd="sng">
+                  <a:noFill/>
+                </a:ln>
+                <a:solidFill>
+                  <a:schemeClr val="accent1">
+                    <a:lumMod val="60000"/>
+                    <a:lumOff val="40000"/>
+                  </a:schemeClr>
+                </a:solidFill>
+                <a:effectLst/>
+                <a:latin typeface="Arial"/>
+              </a:rPr>
+              <a:t>”</a:t>
+            </a:r>
+          </a:p>
+        </p:txBody>
+      </p:sp>
+    </p:spTree>
+    <p:extLst>
+      <p:ext uri="{BB962C8B-B14F-4D97-AF65-F5344CB8AC3E}">
+        <p14:creationId xmlns:p14="http://schemas.microsoft.com/office/powerpoint/2010/main" val="1326295305"/>
+      </p:ext>
+    </p:extLst>
+  </p:cSld>
+  <p:clrMapOvr>
+    <a:masterClrMapping/>
+  </p:clrMapOvr>
+</p:sldLayout>
+</file>
+
+<file path=ppt/slideLayouts/slideLayout14.xml><?xml version="1.0" encoding="utf-8"?>
+<p:sldLayout xmlns:a="http://schemas.openxmlformats.org/drawingml/2006/main" xmlns:r="http://schemas.openxmlformats.org/officeDocument/2006/relationships" xmlns:p="http://schemas.openxmlformats.org/presentationml/2006/main" preserve="1">
+  <p:cSld name="True or False">
+    <p:spTree>
+      <p:nvGrpSpPr>
+        <p:cNvPr id="1" name=""/>
+        <p:cNvGrpSpPr/>
+        <p:nvPr/>
+      </p:nvGrpSpPr>
+      <p:grpSpPr>
+        <a:xfrm>
+          <a:off x="0" y="0"/>
+          <a:ext cx="0" cy="0"/>
+          <a:chOff x="0" y="0"/>
+          <a:chExt cx="0" cy="0"/>
+        </a:xfrm>
+      </p:grpSpPr>
+      <p:sp>
+        <p:nvSpPr>
+          <p:cNvPr id="2" name="Title 1"/>
+          <p:cNvSpPr>
+            <a:spLocks noGrp="1"/>
+          </p:cNvSpPr>
+          <p:nvPr>
+            <p:ph type="title"/>
+          </p:nvPr>
+        </p:nvSpPr>
+        <p:spPr>
+          <a:xfrm>
+            <a:off x="685799" y="609600"/>
+            <a:ext cx="8588203" cy="3022600"/>
+          </a:xfrm>
+        </p:spPr>
+        <p:txBody>
+          <a:bodyPr anchor="ctr">
+            <a:normAutofit/>
+          </a:bodyPr>
+          <a:lstStyle>
+            <a:lvl1pPr algn="l">
+              <a:defRPr sz="4400" b="0" cap="none"/>
+            </a:lvl1pPr>
+          </a:lstStyle>
+          <a:p>
+            <a:r>
+              <a:rPr lang="en-US"/>
+              <a:t>Click to edit Master title style</a:t>
+            </a:r>
+            <a:endParaRPr lang="en-US" dirty="0"/>
+          </a:p>
+        </p:txBody>
+      </p:sp>
+      <p:sp>
+        <p:nvSpPr>
+          <p:cNvPr id="23" name="Text Placeholder 9"/>
+          <p:cNvSpPr>
+            <a:spLocks noGrp="1"/>
+          </p:cNvSpPr>
+          <p:nvPr>
+            <p:ph type="body" sz="quarter" idx="13"/>
+          </p:nvPr>
+        </p:nvSpPr>
+        <p:spPr>
+          <a:xfrm>
+            <a:off x="677332" y="4013200"/>
+            <a:ext cx="8596669" cy="514248"/>
+          </a:xfrm>
+        </p:spPr>
+        <p:txBody>
+          <a:bodyPr anchor="b">
+            <a:noAutofit/>
+          </a:bodyPr>
+          <a:lstStyle>
+            <a:lvl1pPr marL="0" indent="0">
+              <a:buFontTx/>
+              <a:buNone/>
+              <a:defRPr sz="2400">
+                <a:solidFill>
+                  <a:schemeClr val="accent1"/>
+                </a:solidFill>
+              </a:defRPr>
+            </a:lvl1pPr>
+            <a:lvl2pPr marL="457200" indent="0">
+              <a:buFontTx/>
+              <a:buNone/>
+              <a:defRPr/>
+            </a:lvl2pPr>
+            <a:lvl3pPr marL="914400" indent="0">
+              <a:buFontTx/>
+              <a:buNone/>
+              <a:defRPr/>
+            </a:lvl3pPr>
+            <a:lvl4pPr marL="1371600" indent="0">
+              <a:buFontTx/>
+              <a:buNone/>
+              <a:defRPr/>
+            </a:lvl4pPr>
+            <a:lvl5pPr marL="1828800" indent="0">
+              <a:buFontTx/>
+              <a:buNone/>
+              <a:defRPr/>
+            </a:lvl5pPr>
+          </a:lstStyle>
+          <a:p>
+            <a:pPr lvl="0"/>
+            <a:r>
+              <a:rPr lang="en-US"/>
+              <a:t>Edit Master text styles</a:t>
+            </a:r>
+          </a:p>
+        </p:txBody>
+      </p:sp>
+      <p:sp>
+        <p:nvSpPr>
+          <p:cNvPr id="3" name="Text Placeholder 2"/>
+          <p:cNvSpPr>
+            <a:spLocks noGrp="1"/>
+          </p:cNvSpPr>
+          <p:nvPr>
+            <p:ph type="body" idx="1"/>
+          </p:nvPr>
+        </p:nvSpPr>
+        <p:spPr>
+          <a:xfrm>
+            <a:off x="677335" y="4527448"/>
+            <a:ext cx="8596668" cy="1513914"/>
+          </a:xfrm>
+        </p:spPr>
+        <p:txBody>
+          <a:bodyPr anchor="t">
+            <a:normAutofit/>
+          </a:bodyPr>
+          <a:lstStyle>
+            <a:lvl1pPr marL="0" indent="0" algn="l">
+              <a:buNone/>
+              <a:defRPr sz="1800">
+                <a:solidFill>
+                  <a:schemeClr val="tx1">
+                    <a:lumMod val="50000"/>
+                    <a:lumOff val="50000"/>
+                  </a:schemeClr>
+                </a:solidFill>
+              </a:defRPr>
+            </a:lvl1pPr>
+            <a:lvl2pPr marL="457200" indent="0">
+              <a:buNone/>
+              <a:defRPr sz="1800">
+                <a:solidFill>
+                  <a:schemeClr val="tx1">
+                    <a:tint val="75000"/>
+                  </a:schemeClr>
+                </a:solidFill>
+              </a:defRPr>
+            </a:lvl2pPr>
+            <a:lvl3pPr marL="914400" indent="0">
+              <a:buNone/>
+              <a:defRPr sz="1600">
+                <a:solidFill>
+                  <a:schemeClr val="tx1">
+                    <a:tint val="75000"/>
+                  </a:schemeClr>
+                </a:solidFill>
+              </a:defRPr>
+            </a:lvl3pPr>
+            <a:lvl4pPr marL="1371600" indent="0">
+              <a:buNone/>
+              <a:defRPr sz="1400">
+                <a:solidFill>
+                  <a:schemeClr val="tx1">
+                    <a:tint val="75000"/>
+                  </a:schemeClr>
+                </a:solidFill>
+              </a:defRPr>
+            </a:lvl4pPr>
+            <a:lvl5pPr marL="1828800" indent="0">
+              <a:buNone/>
+              <a:defRPr sz="1400">
+                <a:solidFill>
+                  <a:schemeClr val="tx1">
+                    <a:tint val="75000"/>
+                  </a:schemeClr>
+                </a:solidFill>
+              </a:defRPr>
+            </a:lvl5pPr>
+            <a:lvl6pPr marL="2286000" indent="0">
+              <a:buNone/>
+              <a:defRPr sz="1400">
+                <a:solidFill>
+                  <a:schemeClr val="tx1">
+                    <a:tint val="75000"/>
+                  </a:schemeClr>
+                </a:solidFill>
+              </a:defRPr>
+            </a:lvl6pPr>
+            <a:lvl7pPr marL="2743200" indent="0">
+              <a:buNone/>
+              <a:defRPr sz="1400">
+                <a:solidFill>
+                  <a:schemeClr val="tx1">
+                    <a:tint val="75000"/>
+                  </a:schemeClr>
+                </a:solidFill>
+              </a:defRPr>
+            </a:lvl7pPr>
+            <a:lvl8pPr marL="3200400" indent="0">
+              <a:buNone/>
+              <a:defRPr sz="1400">
+                <a:solidFill>
+                  <a:schemeClr val="tx1">
+                    <a:tint val="75000"/>
+                  </a:schemeClr>
+                </a:solidFill>
+              </a:defRPr>
+            </a:lvl8pPr>
+            <a:lvl9pPr marL="3657600" indent="0">
+              <a:buNone/>
+              <a:defRPr sz="1400">
+                <a:solidFill>
+                  <a:schemeClr val="tx1">
+                    <a:tint val="75000"/>
+                  </a:schemeClr>
+                </a:solidFill>
+              </a:defRPr>
+            </a:lvl9pPr>
+          </a:lstStyle>
+          <a:p>
+            <a:pPr lvl="0"/>
+            <a:r>
+              <a:rPr lang="en-US"/>
+              <a:t>Edit Master text styles</a:t>
+            </a:r>
+          </a:p>
+        </p:txBody>
+      </p:sp>
+      <p:sp>
+        <p:nvSpPr>
+          <p:cNvPr id="4" name="Date Placeholder 3"/>
+          <p:cNvSpPr>
+            <a:spLocks noGrp="1"/>
+          </p:cNvSpPr>
+          <p:nvPr>
+            <p:ph type="dt" sz="half" idx="10"/>
+          </p:nvPr>
+        </p:nvSpPr>
+        <p:spPr/>
+        <p:txBody>
+          <a:bodyPr/>
+          <a:lstStyle/>
+          <a:p>
+            <a:fld id="{914A3915-4692-486F-837A-5768755CCE49}" type="datetimeFigureOut">
+              <a:rPr lang="en-US" smtClean="0"/>
+              <a:t>8/26/2019</a:t>
+            </a:fld>
+            <a:endParaRPr lang="en-US"/>
+          </a:p>
+        </p:txBody>
+      </p:sp>
+      <p:sp>
+        <p:nvSpPr>
+          <p:cNvPr id="5" name="Footer Placeholder 4"/>
+          <p:cNvSpPr>
+            <a:spLocks noGrp="1"/>
+          </p:cNvSpPr>
+          <p:nvPr>
+            <p:ph type="ftr" sz="quarter" idx="11"/>
+          </p:nvPr>
+        </p:nvSpPr>
+        <p:spPr/>
+        <p:txBody>
+          <a:bodyPr/>
+          <a:lstStyle/>
+          <a:p>
+            <a:endParaRPr lang="en-US"/>
+          </a:p>
+        </p:txBody>
+      </p:sp>
+      <p:sp>
+        <p:nvSpPr>
+          <p:cNvPr id="6" name="Slide Number Placeholder 5"/>
+          <p:cNvSpPr>
+            <a:spLocks noGrp="1"/>
+          </p:cNvSpPr>
+          <p:nvPr>
+            <p:ph type="sldNum" sz="quarter" idx="12"/>
+          </p:nvPr>
+        </p:nvSpPr>
+        <p:spPr/>
+        <p:txBody>
+          <a:bodyPr/>
+          <a:lstStyle/>
+          <a:p>
+            <a:fld id="{93AD6F86-E4C3-40B9-A417-0348DA1F0DF4}" type="slidenum">
+              <a:rPr lang="en-US" smtClean="0"/>
+              <a:t>‹#›</a:t>
+            </a:fld>
+            <a:endParaRPr lang="en-US"/>
+          </a:p>
+        </p:txBody>
+      </p:sp>
+    </p:spTree>
+    <p:extLst>
+      <p:ext uri="{BB962C8B-B14F-4D97-AF65-F5344CB8AC3E}">
+        <p14:creationId xmlns:p14="http://schemas.microsoft.com/office/powerpoint/2010/main" val="3921197613"/>
+      </p:ext>
+    </p:extLst>
+  </p:cSld>
+  <p:clrMapOvr>
+    <a:masterClrMapping/>
+  </p:clrMapOvr>
+</p:sldLayout>
+</file>
+
+<file path=ppt/slideLayouts/slideLayout15.xml><?xml version="1.0" encoding="utf-8"?>
 <p:sldLayout xmlns:a="http://schemas.openxmlformats.org/drawingml/2006/main" xmlns:r="http://schemas.openxmlformats.org/officeDocument/2006/relationships" xmlns:p="http://schemas.openxmlformats.org/presentationml/2006/main" type="vertTx" preserve="1">
   <p:cSld name="Title and Vertical Text">
     <p:spTree>
@@ -462,7 +2581,7 @@
             <a:pPr lvl="0"/>
             <a:r>
               <a:rPr lang="en-US"/>
-              <a:t>Click to edit Master text styles</a:t>
+              <a:t>Edit Master text styles</a:t>
             </a:r>
           </a:p>
           <a:p>
@@ -513,7 +2632,7 @@
           <a:p>
             <a:fld id="{914A3915-4692-486F-837A-5768755CCE49}" type="datetimeFigureOut">
               <a:rPr lang="en-US" smtClean="0"/>
-              <a:t>5/21/2022</a:t>
+              <a:t>8/26/2019</a:t>
             </a:fld>
             <a:endParaRPr lang="en-US"/>
           </a:p>
@@ -564,7 +2683,7 @@
     </p:spTree>
     <p:extLst>
       <p:ext uri="{BB962C8B-B14F-4D97-AF65-F5344CB8AC3E}">
-        <p14:creationId xmlns:p14="http://schemas.microsoft.com/office/powerpoint/2010/main" val="1081963108"/>
+        <p14:creationId xmlns:p14="http://schemas.microsoft.com/office/powerpoint/2010/main" val="1860128683"/>
       </p:ext>
     </p:extLst>
   </p:cSld>
@@ -574,7 +2693,7 @@
 </p:sldLayout>
 </file>
 
-<file path=ppt/slideLayouts/slideLayout11.xml><?xml version="1.0" encoding="utf-8"?>
+<file path=ppt/slideLayouts/slideLayout16.xml><?xml version="1.0" encoding="utf-8"?>
 <p:sldLayout xmlns:a="http://schemas.openxmlformats.org/drawingml/2006/main" xmlns:r="http://schemas.openxmlformats.org/officeDocument/2006/relationships" xmlns:p="http://schemas.openxmlformats.org/presentationml/2006/main" type="vertTitleAndTx" preserve="1">
   <p:cSld name="Vertical Title and Text">
     <p:spTree>
@@ -603,46 +2722,46 @@
         </p:nvSpPr>
         <p:spPr>
           <a:xfrm>
-            <a:off x="8743950" y="695325"/>
-            <a:ext cx="2628900" cy="4800600"/>
+            <a:off x="7967673" y="609599"/>
+            <a:ext cx="1304743" cy="5251451"/>
           </a:xfrm>
         </p:spPr>
         <p:txBody>
+          <a:bodyPr vert="eaVert" anchor="ctr"/>
+          <a:lstStyle/>
+          <a:p>
+            <a:r>
+              <a:rPr lang="en-US"/>
+              <a:t>Click to edit Master title style</a:t>
+            </a:r>
+            <a:endParaRPr lang="en-US" dirty="0"/>
+          </a:p>
+        </p:txBody>
+      </p:sp>
+      <p:sp>
+        <p:nvSpPr>
+          <p:cNvPr id="3" name="Vertical Text Placeholder 2"/>
+          <p:cNvSpPr>
+            <a:spLocks noGrp="1"/>
+          </p:cNvSpPr>
+          <p:nvPr>
+            <p:ph type="body" orient="vert" idx="1"/>
+          </p:nvPr>
+        </p:nvSpPr>
+        <p:spPr>
+          <a:xfrm>
+            <a:off x="677335" y="609600"/>
+            <a:ext cx="7060150" cy="5251450"/>
+          </a:xfrm>
+        </p:spPr>
+        <p:txBody>
           <a:bodyPr vert="eaVert"/>
           <a:lstStyle/>
           <a:p>
+            <a:pPr lvl="0"/>
             <a:r>
               <a:rPr lang="en-US"/>
-              <a:t>Click to edit Master title style</a:t>
-            </a:r>
-            <a:endParaRPr lang="en-US" dirty="0"/>
-          </a:p>
-        </p:txBody>
-      </p:sp>
-      <p:sp>
-        <p:nvSpPr>
-          <p:cNvPr id="3" name="Vertical Text Placeholder 2"/>
-          <p:cNvSpPr>
-            <a:spLocks noGrp="1"/>
-          </p:cNvSpPr>
-          <p:nvPr>
-            <p:ph type="body" orient="vert" idx="1"/>
-          </p:nvPr>
-        </p:nvSpPr>
-        <p:spPr>
-          <a:xfrm>
-            <a:off x="771525" y="714375"/>
-            <a:ext cx="7734300" cy="5400675"/>
-          </a:xfrm>
-        </p:spPr>
-        <p:txBody>
-          <a:bodyPr vert="eaVert"/>
-          <a:lstStyle/>
-          <a:p>
-            <a:pPr lvl="0"/>
-            <a:r>
-              <a:rPr lang="en-US"/>
-              <a:t>Click to edit Master text styles</a:t>
+              <a:t>Edit Master text styles</a:t>
             </a:r>
           </a:p>
           <a:p>
@@ -693,7 +2812,7 @@
           <a:p>
             <a:fld id="{914A3915-4692-486F-837A-5768755CCE49}" type="datetimeFigureOut">
               <a:rPr lang="en-US" smtClean="0"/>
-              <a:t>5/21/2022</a:t>
+              <a:t>8/26/2019</a:t>
             </a:fld>
             <a:endParaRPr lang="en-US"/>
           </a:p>
@@ -744,7 +2863,7 @@
     </p:spTree>
     <p:extLst>
       <p:ext uri="{BB962C8B-B14F-4D97-AF65-F5344CB8AC3E}">
-        <p14:creationId xmlns:p14="http://schemas.microsoft.com/office/powerpoint/2010/main" val="3056313607"/>
+        <p14:creationId xmlns:p14="http://schemas.microsoft.com/office/powerpoint/2010/main" val="3455075583"/>
       </p:ext>
     </p:extLst>
   </p:cSld>
@@ -783,12 +2902,70 @@
         </p:nvSpPr>
         <p:spPr/>
         <p:txBody>
+          <a:bodyPr>
+            <a:normAutofit/>
+          </a:bodyPr>
+          <a:lstStyle>
+            <a:lvl1pPr>
+              <a:defRPr sz="3600"/>
+            </a:lvl1pPr>
+          </a:lstStyle>
+          <a:p>
+            <a:r>
+              <a:rPr lang="en-US"/>
+              <a:t>Click to edit Master title style</a:t>
+            </a:r>
+            <a:endParaRPr lang="en-US" dirty="0"/>
+          </a:p>
+        </p:txBody>
+      </p:sp>
+      <p:sp>
+        <p:nvSpPr>
+          <p:cNvPr id="3" name="Content Placeholder 2"/>
+          <p:cNvSpPr>
+            <a:spLocks noGrp="1"/>
+          </p:cNvSpPr>
+          <p:nvPr>
+            <p:ph idx="1"/>
+          </p:nvPr>
+        </p:nvSpPr>
+        <p:spPr/>
+        <p:txBody>
           <a:bodyPr/>
           <a:lstStyle/>
           <a:p>
+            <a:pPr lvl="0"/>
             <a:r>
               <a:rPr lang="en-US"/>
-              <a:t>Click to edit Master title style</a:t>
+              <a:t>Edit Master text styles</a:t>
+            </a:r>
+          </a:p>
+          <a:p>
+            <a:pPr lvl="1"/>
+            <a:r>
+              <a:rPr lang="en-US"/>
+              <a:t>Second level</a:t>
+            </a:r>
+          </a:p>
+          <a:p>
+            <a:pPr lvl="2"/>
+            <a:r>
+              <a:rPr lang="en-US"/>
+              <a:t>Third level</a:t>
+            </a:r>
+          </a:p>
+          <a:p>
+            <a:pPr lvl="3"/>
+            <a:r>
+              <a:rPr lang="en-US"/>
+              <a:t>Fourth level</a:t>
+            </a:r>
+          </a:p>
+          <a:p>
+            <a:pPr lvl="4"/>
+            <a:r>
+              <a:rPr lang="en-US"/>
+              <a:t>Fifth level</a:t>
             </a:r>
             <a:endParaRPr lang="en-US" dirty="0"/>
           </a:p>
@@ -796,12 +2973,12 @@
       </p:sp>
       <p:sp>
         <p:nvSpPr>
-          <p:cNvPr id="3" name="Content Placeholder 2"/>
-          <p:cNvSpPr>
-            <a:spLocks noGrp="1"/>
-          </p:cNvSpPr>
-          <p:nvPr>
-            <p:ph idx="1"/>
+          <p:cNvPr id="4" name="Date Placeholder 3"/>
+          <p:cNvSpPr>
+            <a:spLocks noGrp="1"/>
+          </p:cNvSpPr>
+          <p:nvPr>
+            <p:ph type="dt" sz="half" idx="10"/>
           </p:nvPr>
         </p:nvSpPr>
         <p:spPr/>
@@ -809,51 +2986,22 @@
           <a:bodyPr/>
           <a:lstStyle/>
           <a:p>
-            <a:pPr lvl="0"/>
-            <a:r>
-              <a:rPr lang="en-US"/>
-              <a:t>Click to edit Master text styles</a:t>
-            </a:r>
-          </a:p>
-          <a:p>
-            <a:pPr lvl="1"/>
-            <a:r>
-              <a:rPr lang="en-US"/>
-              <a:t>Second level</a:t>
-            </a:r>
-          </a:p>
-          <a:p>
-            <a:pPr lvl="2"/>
-            <a:r>
-              <a:rPr lang="en-US"/>
-              <a:t>Third level</a:t>
-            </a:r>
-          </a:p>
-          <a:p>
-            <a:pPr lvl="3"/>
-            <a:r>
-              <a:rPr lang="en-US"/>
-              <a:t>Fourth level</a:t>
-            </a:r>
-          </a:p>
-          <a:p>
-            <a:pPr lvl="4"/>
-            <a:r>
-              <a:rPr lang="en-US"/>
-              <a:t>Fifth level</a:t>
-            </a:r>
-            <a:endParaRPr lang="en-US" dirty="0"/>
-          </a:p>
-        </p:txBody>
-      </p:sp>
-      <p:sp>
-        <p:nvSpPr>
-          <p:cNvPr id="4" name="Date Placeholder 3"/>
-          <p:cNvSpPr>
-            <a:spLocks noGrp="1"/>
-          </p:cNvSpPr>
-          <p:nvPr>
-            <p:ph type="dt" sz="half" idx="10"/>
+            <a:fld id="{914A3915-4692-486F-837A-5768755CCE49}" type="datetimeFigureOut">
+              <a:rPr lang="en-US" smtClean="0"/>
+              <a:t>8/26/2019</a:t>
+            </a:fld>
+            <a:endParaRPr lang="en-US"/>
+          </a:p>
+        </p:txBody>
+      </p:sp>
+      <p:sp>
+        <p:nvSpPr>
+          <p:cNvPr id="5" name="Footer Placeholder 4"/>
+          <p:cNvSpPr>
+            <a:spLocks noGrp="1"/>
+          </p:cNvSpPr>
+          <p:nvPr>
+            <p:ph type="ftr" sz="quarter" idx="11"/>
           </p:nvPr>
         </p:nvSpPr>
         <p:spPr/>
@@ -861,22 +3009,18 @@
           <a:bodyPr/>
           <a:lstStyle/>
           <a:p>
-            <a:fld id="{7B2D3E9E-A95C-48F2-B4BF-A71542E0BE9A}" type="datetimeFigureOut">
-              <a:rPr lang="en-US" dirty="0"/>
-              <a:t>5/21/2022</a:t>
-            </a:fld>
-            <a:endParaRPr lang="en-US" dirty="0"/>
-          </a:p>
-        </p:txBody>
-      </p:sp>
-      <p:sp>
-        <p:nvSpPr>
-          <p:cNvPr id="5" name="Footer Placeholder 4"/>
-          <p:cNvSpPr>
-            <a:spLocks noGrp="1"/>
-          </p:cNvSpPr>
-          <p:nvPr>
-            <p:ph type="ftr" sz="quarter" idx="11"/>
+            <a:endParaRPr lang="en-US"/>
+          </a:p>
+        </p:txBody>
+      </p:sp>
+      <p:sp>
+        <p:nvSpPr>
+          <p:cNvPr id="6" name="Slide Number Placeholder 5"/>
+          <p:cNvSpPr>
+            <a:spLocks noGrp="1"/>
+          </p:cNvSpPr>
+          <p:nvPr>
+            <p:ph type="sldNum" sz="quarter" idx="12"/>
           </p:nvPr>
         </p:nvSpPr>
         <p:spPr/>
@@ -884,37 +3028,18 @@
           <a:bodyPr/>
           <a:lstStyle/>
           <a:p>
-            <a:endParaRPr lang="en-US" dirty="0"/>
-          </a:p>
-        </p:txBody>
-      </p:sp>
-      <p:sp>
-        <p:nvSpPr>
-          <p:cNvPr id="6" name="Slide Number Placeholder 5"/>
-          <p:cNvSpPr>
-            <a:spLocks noGrp="1"/>
-          </p:cNvSpPr>
-          <p:nvPr>
-            <p:ph type="sldNum" sz="quarter" idx="12"/>
-          </p:nvPr>
-        </p:nvSpPr>
-        <p:spPr/>
-        <p:txBody>
-          <a:bodyPr/>
-          <a:lstStyle/>
-          <a:p>
-            <a:fld id="{4FAB73BC-B049-4115-A692-8D63A059BFB8}" type="slidenum">
-              <a:rPr lang="en-US" dirty="0"/>
+            <a:fld id="{93AD6F86-E4C3-40B9-A417-0348DA1F0DF4}" type="slidenum">
+              <a:rPr lang="en-US" smtClean="0"/>
               <a:t>‹#›</a:t>
             </a:fld>
-            <a:endParaRPr lang="en-US" dirty="0"/>
+            <a:endParaRPr lang="en-US"/>
           </a:p>
         </p:txBody>
       </p:sp>
     </p:spTree>
     <p:extLst>
       <p:ext uri="{BB962C8B-B14F-4D97-AF65-F5344CB8AC3E}">
-        <p14:creationId xmlns:p14="http://schemas.microsoft.com/office/powerpoint/2010/main" val="40642873"/>
+        <p14:creationId xmlns:p14="http://schemas.microsoft.com/office/powerpoint/2010/main" val="1683451643"/>
       </p:ext>
     </p:extLst>
   </p:cSld>
@@ -953,24 +3078,15 @@
         </p:nvSpPr>
         <p:spPr>
           <a:xfrm>
-            <a:off x="603504" y="767419"/>
-            <a:ext cx="10780776" cy="3355848"/>
+            <a:off x="677335" y="2700867"/>
+            <a:ext cx="8596668" cy="1826581"/>
           </a:xfrm>
         </p:spPr>
         <p:txBody>
-          <a:bodyPr anchor="b">
-            <a:normAutofit/>
-          </a:bodyPr>
+          <a:bodyPr anchor="b"/>
           <a:lstStyle>
-            <a:lvl1pPr>
-              <a:lnSpc>
-                <a:spcPct val="80000"/>
-              </a:lnSpc>
-              <a:defRPr sz="8800" b="0" baseline="0">
-                <a:solidFill>
-                  <a:schemeClr val="accent1"/>
-                </a:solidFill>
-              </a:defRPr>
+            <a:lvl1pPr algn="l">
+              <a:defRPr sz="4000" b="0" cap="none"/>
             </a:lvl1pPr>
           </a:lstStyle>
           <a:p>
@@ -994,22 +3110,22 @@
         </p:nvSpPr>
         <p:spPr>
           <a:xfrm>
-            <a:off x="667512" y="4204209"/>
-            <a:ext cx="9226296" cy="1645920"/>
+            <a:off x="677335" y="4527448"/>
+            <a:ext cx="8596668" cy="860400"/>
           </a:xfrm>
         </p:spPr>
         <p:txBody>
-          <a:bodyPr anchor="t">
-            <a:normAutofit/>
-          </a:bodyPr>
+          <a:bodyPr anchor="t"/>
           <a:lstStyle>
-            <a:lvl1pPr marL="0" indent="0">
-              <a:buNone/>
-              <a:defRPr sz="3200">
+            <a:lvl1pPr marL="0" indent="0" algn="l">
+              <a:buNone/>
+              <a:defRPr sz="2000">
                 <a:solidFill>
-                  <a:schemeClr val="tx1"/>
+                  <a:schemeClr val="tx1">
+                    <a:lumMod val="50000"/>
+                    <a:lumOff val="50000"/>
+                  </a:schemeClr>
                 </a:solidFill>
-                <a:latin typeface="+mj-lt"/>
               </a:defRPr>
             </a:lvl1pPr>
             <a:lvl2pPr marL="457200" indent="0">
@@ -1097,7 +3213,7 @@
             <a:pPr lvl="0"/>
             <a:r>
               <a:rPr lang="en-US"/>
-              <a:t>Click to edit Master text styles</a:t>
+              <a:t>Edit Master text styles</a:t>
             </a:r>
           </a:p>
         </p:txBody>
@@ -1119,7 +3235,7 @@
           <a:p>
             <a:fld id="{914A3915-4692-486F-837A-5768755CCE49}" type="datetimeFigureOut">
               <a:rPr lang="en-US" smtClean="0"/>
-              <a:t>5/21/2022</a:t>
+              <a:t>8/26/2019</a:t>
             </a:fld>
             <a:endParaRPr lang="en-US"/>
           </a:p>
@@ -1170,7 +3286,7 @@
     </p:spTree>
     <p:extLst>
       <p:ext uri="{BB962C8B-B14F-4D97-AF65-F5344CB8AC3E}">
-        <p14:creationId xmlns:p14="http://schemas.microsoft.com/office/powerpoint/2010/main" val="3295485487"/>
+        <p14:creationId xmlns:p14="http://schemas.microsoft.com/office/powerpoint/2010/main" val="55050955"/>
       </p:ext>
     </p:extLst>
   </p:cSld>
@@ -1232,46 +3348,18 @@
         </p:nvSpPr>
         <p:spPr>
           <a:xfrm>
-            <a:off x="676656" y="1998134"/>
-            <a:ext cx="4663440" cy="3767328"/>
+            <a:off x="677334" y="2160589"/>
+            <a:ext cx="4184035" cy="3880772"/>
           </a:xfrm>
         </p:spPr>
         <p:txBody>
           <a:bodyPr/>
-          <a:lstStyle>
-            <a:lvl1pPr>
-              <a:defRPr sz="2400"/>
-            </a:lvl1pPr>
-            <a:lvl2pPr>
-              <a:defRPr sz="2000"/>
-            </a:lvl2pPr>
-            <a:lvl3pPr>
-              <a:defRPr sz="1800"/>
-            </a:lvl3pPr>
-            <a:lvl4pPr>
-              <a:defRPr sz="1600"/>
-            </a:lvl4pPr>
-            <a:lvl5pPr>
-              <a:defRPr sz="1600"/>
-            </a:lvl5pPr>
-            <a:lvl6pPr>
-              <a:defRPr sz="1600"/>
-            </a:lvl6pPr>
-            <a:lvl7pPr>
-              <a:defRPr sz="1600"/>
-            </a:lvl7pPr>
-            <a:lvl8pPr>
-              <a:defRPr sz="1600"/>
-            </a:lvl8pPr>
-            <a:lvl9pPr>
-              <a:defRPr sz="1600"/>
-            </a:lvl9pPr>
-          </a:lstStyle>
+          <a:lstStyle/>
           <a:p>
             <a:pPr lvl="0"/>
             <a:r>
               <a:rPr lang="en-US"/>
-              <a:t>Click to edit Master text styles</a:t>
+              <a:t>Edit Master text styles</a:t>
             </a:r>
           </a:p>
           <a:p>
@@ -1317,46 +3405,18 @@
         </p:nvSpPr>
         <p:spPr>
           <a:xfrm>
-            <a:off x="6011330" y="1998134"/>
-            <a:ext cx="4663440" cy="3767328"/>
+            <a:off x="5089970" y="2160589"/>
+            <a:ext cx="4184034" cy="3880773"/>
           </a:xfrm>
         </p:spPr>
         <p:txBody>
           <a:bodyPr/>
-          <a:lstStyle>
-            <a:lvl1pPr>
-              <a:defRPr sz="2400"/>
-            </a:lvl1pPr>
-            <a:lvl2pPr>
-              <a:defRPr sz="2000"/>
-            </a:lvl2pPr>
-            <a:lvl3pPr>
-              <a:defRPr sz="1800"/>
-            </a:lvl3pPr>
-            <a:lvl4pPr>
-              <a:defRPr sz="1600"/>
-            </a:lvl4pPr>
-            <a:lvl5pPr>
-              <a:defRPr sz="1600"/>
-            </a:lvl5pPr>
-            <a:lvl6pPr>
-              <a:defRPr sz="1600"/>
-            </a:lvl6pPr>
-            <a:lvl7pPr>
-              <a:defRPr sz="1600"/>
-            </a:lvl7pPr>
-            <a:lvl8pPr>
-              <a:defRPr sz="1600"/>
-            </a:lvl8pPr>
-            <a:lvl9pPr>
-              <a:defRPr sz="1600"/>
-            </a:lvl9pPr>
-          </a:lstStyle>
+          <a:lstStyle/>
           <a:p>
             <a:pPr lvl="0"/>
             <a:r>
               <a:rPr lang="en-US"/>
-              <a:t>Click to edit Master text styles</a:t>
+              <a:t>Edit Master text styles</a:t>
             </a:r>
           </a:p>
           <a:p>
@@ -1407,7 +3467,7 @@
           <a:p>
             <a:fld id="{914A3915-4692-486F-837A-5768755CCE49}" type="datetimeFigureOut">
               <a:rPr lang="en-US" smtClean="0"/>
-              <a:t>5/21/2022</a:t>
+              <a:t>8/26/2019</a:t>
             </a:fld>
             <a:endParaRPr lang="en-US"/>
           </a:p>
@@ -1458,7 +3518,7 @@
     </p:spTree>
     <p:extLst>
       <p:ext uri="{BB962C8B-B14F-4D97-AF65-F5344CB8AC3E}">
-        <p14:creationId xmlns:p14="http://schemas.microsoft.com/office/powerpoint/2010/main" val="3987290078"/>
+        <p14:creationId xmlns:p14="http://schemas.microsoft.com/office/powerpoint/2010/main" val="3379879563"/>
       </p:ext>
     </p:extLst>
   </p:cSld>
@@ -1487,7 +3547,7 @@
       </p:grpSpPr>
       <p:sp>
         <p:nvSpPr>
-          <p:cNvPr id="10" name="Title 9"/>
+          <p:cNvPr id="2" name="Title 1"/>
           <p:cNvSpPr>
             <a:spLocks noGrp="1"/>
           </p:cNvSpPr>
@@ -1498,7 +3558,11 @@
         <p:spPr/>
         <p:txBody>
           <a:bodyPr/>
-          <a:lstStyle/>
+          <a:lstStyle>
+            <a:lvl1pPr>
+              <a:defRPr/>
+            </a:lvl1pPr>
+          </a:lstStyle>
           <a:p>
             <a:r>
               <a:rPr lang="en-US"/>
@@ -1520,26 +3584,18 @@
         </p:nvSpPr>
         <p:spPr>
           <a:xfrm>
-            <a:off x="676656" y="2040467"/>
-            <a:ext cx="4663440" cy="723400"/>
+            <a:off x="675745" y="2160983"/>
+            <a:ext cx="4185623" cy="576262"/>
           </a:xfrm>
         </p:spPr>
         <p:txBody>
-          <a:bodyPr anchor="ctr">
-            <a:normAutofit/>
+          <a:bodyPr anchor="b">
+            <a:noAutofit/>
           </a:bodyPr>
           <a:lstStyle>
             <a:lvl1pPr marL="0" indent="0">
               <a:buNone/>
-              <a:defRPr sz="2200" b="0" cap="all" baseline="0">
-                <a:solidFill>
-                  <a:schemeClr val="tx1">
-                    <a:lumMod val="85000"/>
-                    <a:lumOff val="15000"/>
-                  </a:schemeClr>
-                </a:solidFill>
-                <a:latin typeface="+mj-lt"/>
-              </a:defRPr>
+              <a:defRPr sz="2400" b="0"/>
             </a:lvl1pPr>
             <a:lvl2pPr marL="457200" indent="0">
               <a:buNone/>
@@ -1578,7 +3634,7 @@
             <a:pPr lvl="0"/>
             <a:r>
               <a:rPr lang="en-US"/>
-              <a:t>Click to edit Master text styles</a:t>
+              <a:t>Edit Master text styles</a:t>
             </a:r>
           </a:p>
         </p:txBody>
@@ -1595,46 +3651,20 @@
         </p:nvSpPr>
         <p:spPr>
           <a:xfrm>
-            <a:off x="676656" y="2753084"/>
-            <a:ext cx="4663440" cy="3200400"/>
+            <a:off x="675745" y="2737245"/>
+            <a:ext cx="4185623" cy="3304117"/>
           </a:xfrm>
         </p:spPr>
         <p:txBody>
-          <a:bodyPr/>
-          <a:lstStyle>
-            <a:lvl1pPr>
-              <a:defRPr sz="2400"/>
-            </a:lvl1pPr>
-            <a:lvl2pPr>
-              <a:defRPr sz="2000"/>
-            </a:lvl2pPr>
-            <a:lvl3pPr>
-              <a:defRPr sz="1800"/>
-            </a:lvl3pPr>
-            <a:lvl4pPr>
-              <a:defRPr sz="1600"/>
-            </a:lvl4pPr>
-            <a:lvl5pPr>
-              <a:defRPr sz="1600"/>
-            </a:lvl5pPr>
-            <a:lvl6pPr>
-              <a:defRPr sz="1600"/>
-            </a:lvl6pPr>
-            <a:lvl7pPr>
-              <a:defRPr sz="1600"/>
-            </a:lvl7pPr>
-            <a:lvl8pPr>
-              <a:defRPr sz="1600"/>
-            </a:lvl8pPr>
-            <a:lvl9pPr>
-              <a:defRPr sz="1600"/>
-            </a:lvl9pPr>
-          </a:lstStyle>
+          <a:bodyPr>
+            <a:normAutofit/>
+          </a:bodyPr>
+          <a:lstStyle/>
           <a:p>
             <a:pPr lvl="0"/>
             <a:r>
               <a:rPr lang="en-US"/>
-              <a:t>Click to edit Master text styles</a:t>
+              <a:t>Edit Master text styles</a:t>
             </a:r>
           </a:p>
           <a:p>
@@ -1680,26 +3710,18 @@
         </p:nvSpPr>
         <p:spPr>
           <a:xfrm>
-            <a:off x="6007608" y="2038435"/>
-            <a:ext cx="4663440" cy="722376"/>
+            <a:off x="5088383" y="2160983"/>
+            <a:ext cx="4185618" cy="576262"/>
           </a:xfrm>
         </p:spPr>
         <p:txBody>
-          <a:bodyPr anchor="ctr">
-            <a:normAutofit/>
+          <a:bodyPr anchor="b">
+            <a:noAutofit/>
           </a:bodyPr>
           <a:lstStyle>
             <a:lvl1pPr marL="0" indent="0">
               <a:buNone/>
-              <a:defRPr sz="2200" b="0" cap="all" baseline="0">
-                <a:solidFill>
-                  <a:schemeClr val="tx1">
-                    <a:lumMod val="85000"/>
-                    <a:lumOff val="15000"/>
-                  </a:schemeClr>
-                </a:solidFill>
-                <a:latin typeface="+mj-lt"/>
-              </a:defRPr>
+              <a:defRPr sz="2400" b="0"/>
             </a:lvl1pPr>
             <a:lvl2pPr marL="457200" indent="0">
               <a:buNone/>
@@ -1738,7 +3760,7 @@
             <a:pPr lvl="0"/>
             <a:r>
               <a:rPr lang="en-US"/>
-              <a:t>Click to edit Master text styles</a:t>
+              <a:t>Edit Master text styles</a:t>
             </a:r>
           </a:p>
         </p:txBody>
@@ -1755,46 +3777,20 @@
         </p:nvSpPr>
         <p:spPr>
           <a:xfrm>
-            <a:off x="6007608" y="2750990"/>
-            <a:ext cx="4663440" cy="3200400"/>
+            <a:off x="5088384" y="2737245"/>
+            <a:ext cx="4185617" cy="3304117"/>
           </a:xfrm>
         </p:spPr>
         <p:txBody>
-          <a:bodyPr/>
-          <a:lstStyle>
-            <a:lvl1pPr>
-              <a:defRPr sz="2400"/>
-            </a:lvl1pPr>
-            <a:lvl2pPr>
-              <a:defRPr sz="2000"/>
-            </a:lvl2pPr>
-            <a:lvl3pPr>
-              <a:defRPr sz="1800"/>
-            </a:lvl3pPr>
-            <a:lvl4pPr>
-              <a:defRPr sz="1600"/>
-            </a:lvl4pPr>
-            <a:lvl5pPr>
-              <a:defRPr sz="1600"/>
-            </a:lvl5pPr>
-            <a:lvl6pPr>
-              <a:defRPr sz="1600"/>
-            </a:lvl6pPr>
-            <a:lvl7pPr>
-              <a:defRPr sz="1600"/>
-            </a:lvl7pPr>
-            <a:lvl8pPr>
-              <a:defRPr sz="1600"/>
-            </a:lvl8pPr>
-            <a:lvl9pPr>
-              <a:defRPr sz="1600"/>
-            </a:lvl9pPr>
-          </a:lstStyle>
+          <a:bodyPr>
+            <a:normAutofit/>
+          </a:bodyPr>
+          <a:lstStyle/>
           <a:p>
             <a:pPr lvl="0"/>
             <a:r>
               <a:rPr lang="en-US"/>
-              <a:t>Click to edit Master text styles</a:t>
+              <a:t>Edit Master text styles</a:t>
             </a:r>
           </a:p>
           <a:p>
@@ -1845,7 +3841,7 @@
           <a:p>
             <a:fld id="{914A3915-4692-486F-837A-5768755CCE49}" type="datetimeFigureOut">
               <a:rPr lang="en-US" smtClean="0"/>
-              <a:t>5/21/2022</a:t>
+              <a:t>8/26/2019</a:t>
             </a:fld>
             <a:endParaRPr lang="en-US"/>
           </a:p>
@@ -1896,7 +3892,7 @@
     </p:spTree>
     <p:extLst>
       <p:ext uri="{BB962C8B-B14F-4D97-AF65-F5344CB8AC3E}">
-        <p14:creationId xmlns:p14="http://schemas.microsoft.com/office/powerpoint/2010/main" val="3175443294"/>
+        <p14:creationId xmlns:p14="http://schemas.microsoft.com/office/powerpoint/2010/main" val="4110686697"/>
       </p:ext>
     </p:extLst>
   </p:cSld>
@@ -1925,7 +3921,7 @@
       </p:grpSpPr>
       <p:sp>
         <p:nvSpPr>
-          <p:cNvPr id="6" name="Title 5"/>
+          <p:cNvPr id="2" name="Title 1"/>
           <p:cNvSpPr>
             <a:spLocks noGrp="1"/>
           </p:cNvSpPr>
@@ -1933,7 +3929,12 @@
             <p:ph type="title"/>
           </p:nvPr>
         </p:nvSpPr>
-        <p:spPr/>
+        <p:spPr>
+          <a:xfrm>
+            <a:off x="677334" y="609600"/>
+            <a:ext cx="8596668" cy="1320800"/>
+          </a:xfrm>
+        </p:spPr>
         <p:txBody>
           <a:bodyPr/>
           <a:lstStyle/>
@@ -1961,11 +3962,11 @@
           <a:bodyPr/>
           <a:lstStyle/>
           <a:p>
-            <a:fld id="{73D7E00A-486F-4252-8B1D-E32645521F49}" type="datetimeFigureOut">
-              <a:rPr lang="en-US" dirty="0"/>
-              <a:t>5/21/2022</a:t>
+            <a:fld id="{914A3915-4692-486F-837A-5768755CCE49}" type="datetimeFigureOut">
+              <a:rPr lang="en-US" smtClean="0"/>
+              <a:t>8/26/2019</a:t>
             </a:fld>
-            <a:endParaRPr lang="en-US" dirty="0"/>
+            <a:endParaRPr lang="en-US"/>
           </a:p>
         </p:txBody>
       </p:sp>
@@ -1984,7 +3985,7 @@
           <a:bodyPr/>
           <a:lstStyle/>
           <a:p>
-            <a:endParaRPr lang="en-US" dirty="0"/>
+            <a:endParaRPr lang="en-US"/>
           </a:p>
         </p:txBody>
       </p:sp>
@@ -2003,18 +4004,18 @@
           <a:bodyPr/>
           <a:lstStyle/>
           <a:p>
-            <a:fld id="{4FAB73BC-B049-4115-A692-8D63A059BFB8}" type="slidenum">
-              <a:rPr lang="en-US" dirty="0"/>
+            <a:fld id="{93AD6F86-E4C3-40B9-A417-0348DA1F0DF4}" type="slidenum">
+              <a:rPr lang="en-US" smtClean="0"/>
               <a:t>‹#›</a:t>
             </a:fld>
-            <a:endParaRPr lang="en-US" dirty="0"/>
+            <a:endParaRPr lang="en-US"/>
           </a:p>
         </p:txBody>
       </p:sp>
     </p:spTree>
     <p:extLst>
       <p:ext uri="{BB962C8B-B14F-4D97-AF65-F5344CB8AC3E}">
-        <p14:creationId xmlns:p14="http://schemas.microsoft.com/office/powerpoint/2010/main" val="3503758148"/>
+        <p14:creationId xmlns:p14="http://schemas.microsoft.com/office/powerpoint/2010/main" val="286001304"/>
       </p:ext>
     </p:extLst>
   </p:cSld>
@@ -2058,7 +4059,7 @@
           <a:p>
             <a:fld id="{914A3915-4692-486F-837A-5768755CCE49}" type="datetimeFigureOut">
               <a:rPr lang="en-US" smtClean="0"/>
-              <a:t>5/21/2022</a:t>
+              <a:t>8/26/2019</a:t>
             </a:fld>
             <a:endParaRPr lang="en-US"/>
           </a:p>
@@ -2109,7 +4110,7 @@
     </p:spTree>
     <p:extLst>
       <p:ext uri="{BB962C8B-B14F-4D97-AF65-F5344CB8AC3E}">
-        <p14:creationId xmlns:p14="http://schemas.microsoft.com/office/powerpoint/2010/main" val="1909953858"/>
+        <p14:creationId xmlns:p14="http://schemas.microsoft.com/office/powerpoint/2010/main" val="4282661754"/>
       </p:ext>
     </p:extLst>
   </p:cSld>
@@ -2138,69 +4139,27 @@
       </p:grpSpPr>
       <p:sp>
         <p:nvSpPr>
-          <p:cNvPr id="2" name="Rectangle 1"/>
-          <p:cNvSpPr/>
-          <p:nvPr/>
+          <p:cNvPr id="2" name="Title 1"/>
+          <p:cNvSpPr>
+            <a:spLocks noGrp="1"/>
+          </p:cNvSpPr>
+          <p:nvPr>
+            <p:ph type="title"/>
+          </p:nvPr>
         </p:nvSpPr>
         <p:spPr>
           <a:xfrm>
-            <a:off x="7620000" y="0"/>
-            <a:ext cx="4572000" cy="6858000"/>
-          </a:xfrm>
-          <a:prstGeom prst="rect">
-            <a:avLst/>
-          </a:prstGeom>
-          <a:ln>
-            <a:noFill/>
-          </a:ln>
-        </p:spPr>
-        <p:style>
-          <a:lnRef idx="2">
-            <a:schemeClr val="accent1">
-              <a:shade val="50000"/>
-            </a:schemeClr>
-          </a:lnRef>
-          <a:fillRef idx="1">
-            <a:schemeClr val="accent1"/>
-          </a:fillRef>
-          <a:effectRef idx="0">
-            <a:schemeClr val="accent1"/>
-          </a:effectRef>
-          <a:fontRef idx="minor">
-            <a:schemeClr val="lt1"/>
-          </a:fontRef>
-        </p:style>
-      </p:sp>
-      <p:sp>
-        <p:nvSpPr>
-          <p:cNvPr id="9" name="Title 8"/>
-          <p:cNvSpPr>
-            <a:spLocks noGrp="1"/>
-          </p:cNvSpPr>
-          <p:nvPr>
-            <p:ph type="title"/>
-          </p:nvPr>
-        </p:nvSpPr>
-        <p:spPr>
-          <a:xfrm>
-            <a:off x="8261404" y="542282"/>
-            <a:ext cx="3383280" cy="1920240"/>
+            <a:off x="677334" y="1498604"/>
+            <a:ext cx="3854528" cy="1278466"/>
           </a:xfrm>
         </p:spPr>
         <p:txBody>
           <a:bodyPr anchor="b">
-            <a:noAutofit/>
+            <a:normAutofit/>
           </a:bodyPr>
           <a:lstStyle>
             <a:lvl1pPr>
-              <a:lnSpc>
-                <a:spcPct val="85000"/>
-              </a:lnSpc>
-              <a:defRPr sz="4000">
-                <a:solidFill>
-                  <a:srgbClr val="FFFFFF"/>
-                </a:solidFill>
-              </a:defRPr>
+              <a:defRPr sz="2000"/>
             </a:lvl1pPr>
           </a:lstStyle>
           <a:p>
@@ -2224,46 +4183,20 @@
         </p:nvSpPr>
         <p:spPr>
           <a:xfrm>
-            <a:off x="762000" y="762000"/>
-            <a:ext cx="6096000" cy="4572000"/>
+            <a:off x="4760461" y="514924"/>
+            <a:ext cx="4513541" cy="5526437"/>
           </a:xfrm>
         </p:spPr>
         <p:txBody>
-          <a:bodyPr/>
-          <a:lstStyle>
-            <a:lvl1pPr>
-              <a:defRPr sz="3200"/>
-            </a:lvl1pPr>
-            <a:lvl2pPr>
-              <a:defRPr sz="2800"/>
-            </a:lvl2pPr>
-            <a:lvl3pPr>
-              <a:defRPr sz="2400"/>
-            </a:lvl3pPr>
-            <a:lvl4pPr>
-              <a:defRPr sz="2000"/>
-            </a:lvl4pPr>
-            <a:lvl5pPr>
-              <a:defRPr sz="2000"/>
-            </a:lvl5pPr>
-            <a:lvl6pPr>
-              <a:defRPr sz="2000"/>
-            </a:lvl6pPr>
-            <a:lvl7pPr>
-              <a:defRPr sz="2000"/>
-            </a:lvl7pPr>
-            <a:lvl8pPr>
-              <a:defRPr sz="2000"/>
-            </a:lvl8pPr>
-            <a:lvl9pPr>
-              <a:defRPr sz="2000"/>
-            </a:lvl9pPr>
-          </a:lstStyle>
+          <a:bodyPr>
+            <a:normAutofit/>
+          </a:bodyPr>
+          <a:lstStyle/>
           <a:p>
             <a:pPr lvl="0"/>
             <a:r>
               <a:rPr lang="en-US"/>
-              <a:t>Click to edit Master text styles</a:t>
+              <a:t>Edit Master text styles</a:t>
             </a:r>
           </a:p>
           <a:p>
@@ -2309,8 +4242,8 @@
         </p:nvSpPr>
         <p:spPr>
           <a:xfrm>
-            <a:off x="8275982" y="2511813"/>
-            <a:ext cx="3398520" cy="3126987"/>
+            <a:off x="677334" y="2777069"/>
+            <a:ext cx="3854528" cy="2584449"/>
           </a:xfrm>
         </p:spPr>
         <p:txBody>
@@ -2318,81 +4251,48 @@
             <a:normAutofit/>
           </a:bodyPr>
           <a:lstStyle>
-            <a:lvl1pPr marL="0" marR="0" indent="0" algn="l" defTabSz="914400" rtl="0" eaLnBrk="1" fontAlgn="auto" latinLnBrk="0" hangingPunct="1">
-              <a:lnSpc>
-                <a:spcPct val="100000"/>
-              </a:lnSpc>
-              <a:spcBef>
-                <a:spcPts val="1200"/>
-              </a:spcBef>
-              <a:spcAft>
-                <a:spcPts val="0"/>
-              </a:spcAft>
-              <a:buClrTx/>
-              <a:buSzTx/>
-              <a:buFontTx/>
-              <a:buNone/>
-              <a:tabLst/>
-              <a:defRPr sz="1800">
-                <a:solidFill>
-                  <a:srgbClr val="262626"/>
-                </a:solidFill>
-              </a:defRPr>
+            <a:lvl1pPr marL="0" indent="0">
+              <a:buNone/>
+              <a:defRPr sz="1400"/>
             </a:lvl1pPr>
-            <a:lvl2pPr marL="457200" indent="0">
+            <a:lvl2pPr marL="457063" indent="0">
+              <a:buNone/>
+              <a:defRPr sz="1400"/>
+            </a:lvl2pPr>
+            <a:lvl3pPr marL="914126" indent="0">
               <a:buNone/>
               <a:defRPr sz="1200"/>
-            </a:lvl2pPr>
-            <a:lvl3pPr marL="914400" indent="0">
+            </a:lvl3pPr>
+            <a:lvl4pPr marL="1371189" indent="0">
               <a:buNone/>
               <a:defRPr sz="1000"/>
-            </a:lvl3pPr>
-            <a:lvl4pPr marL="1371600" indent="0">
-              <a:buNone/>
-              <a:defRPr sz="900"/>
             </a:lvl4pPr>
-            <a:lvl5pPr marL="1828800" indent="0">
-              <a:buNone/>
-              <a:defRPr sz="900"/>
+            <a:lvl5pPr marL="1828251" indent="0">
+              <a:buNone/>
+              <a:defRPr sz="1000"/>
             </a:lvl5pPr>
-            <a:lvl6pPr marL="2286000" indent="0">
-              <a:buNone/>
-              <a:defRPr sz="900"/>
+            <a:lvl6pPr marL="2285314" indent="0">
+              <a:buNone/>
+              <a:defRPr sz="1000"/>
             </a:lvl6pPr>
-            <a:lvl7pPr marL="2743200" indent="0">
-              <a:buNone/>
-              <a:defRPr sz="900"/>
+            <a:lvl7pPr marL="2742377" indent="0">
+              <a:buNone/>
+              <a:defRPr sz="1000"/>
             </a:lvl7pPr>
-            <a:lvl8pPr marL="3200400" indent="0">
-              <a:buNone/>
-              <a:defRPr sz="900"/>
+            <a:lvl8pPr marL="3199440" indent="0">
+              <a:buNone/>
+              <a:defRPr sz="1000"/>
             </a:lvl8pPr>
-            <a:lvl9pPr marL="3657600" indent="0">
-              <a:buNone/>
-              <a:defRPr sz="900"/>
+            <a:lvl9pPr marL="3656503" indent="0">
+              <a:buNone/>
+              <a:defRPr sz="1000"/>
             </a:lvl9pPr>
           </a:lstStyle>
           <a:p>
-            <a:pPr marL="0" marR="0" lvl="0" indent="0" algn="l" defTabSz="914400" rtl="0" eaLnBrk="1" fontAlgn="auto" latinLnBrk="0" hangingPunct="1">
-              <a:lnSpc>
-                <a:spcPct val="100000"/>
-              </a:lnSpc>
-              <a:spcBef>
-                <a:spcPts val="1400"/>
-              </a:spcBef>
-              <a:spcAft>
-                <a:spcPts val="0"/>
-              </a:spcAft>
-              <a:buClrTx/>
-              <a:buSzTx/>
-              <a:buFontTx/>
-              <a:buNone/>
-              <a:tabLst/>
-              <a:defRPr/>
-            </a:pPr>
+            <a:pPr lvl="0"/>
             <a:r>
               <a:rPr lang="en-US"/>
-              <a:t>Click to edit Master text styles</a:t>
+              <a:t>Edit Master text styles</a:t>
             </a:r>
           </a:p>
         </p:txBody>
@@ -2414,7 +4314,7 @@
           <a:p>
             <a:fld id="{914A3915-4692-486F-837A-5768755CCE49}" type="datetimeFigureOut">
               <a:rPr lang="en-US" smtClean="0"/>
-              <a:t>5/21/2022</a:t>
+              <a:t>8/26/2019</a:t>
             </a:fld>
             <a:endParaRPr lang="en-US"/>
           </a:p>
@@ -2452,17 +4352,7 @@
         <p:spPr/>
         <p:txBody>
           <a:bodyPr/>
-          <a:lstStyle>
-            <a:lvl1pPr>
-              <a:defRPr>
-                <a:solidFill>
-                  <a:srgbClr val="FFFFFF">
-                    <a:alpha val="20000"/>
-                  </a:srgbClr>
-                </a:solidFill>
-              </a:defRPr>
-            </a:lvl1pPr>
-          </a:lstStyle>
+          <a:lstStyle/>
           <a:p>
             <a:fld id="{93AD6F86-E4C3-40B9-A417-0348DA1F0DF4}" type="slidenum">
               <a:rPr lang="en-US" smtClean="0"/>
@@ -2475,7 +4365,7 @@
     </p:spTree>
     <p:extLst>
       <p:ext uri="{BB962C8B-B14F-4D97-AF65-F5344CB8AC3E}">
-        <p14:creationId xmlns:p14="http://schemas.microsoft.com/office/powerpoint/2010/main" val="2863730528"/>
+        <p14:creationId xmlns:p14="http://schemas.microsoft.com/office/powerpoint/2010/main" val="4184722190"/>
       </p:ext>
     </p:extLst>
   </p:cSld>
@@ -2488,14 +4378,6 @@
 <file path=ppt/slideLayouts/slideLayout9.xml><?xml version="1.0" encoding="utf-8"?>
 <p:sldLayout xmlns:a="http://schemas.openxmlformats.org/drawingml/2006/main" xmlns:r="http://schemas.openxmlformats.org/officeDocument/2006/relationships" xmlns:p="http://schemas.openxmlformats.org/presentationml/2006/main" type="picTx" preserve="1">
   <p:cSld name="Picture with Caption">
-    <p:bg>
-      <p:bgPr>
-        <a:solidFill>
-          <a:schemeClr val="accent1"/>
-        </a:solidFill>
-        <a:effectLst/>
-      </p:bgPr>
-    </p:bg>
     <p:spTree>
       <p:nvGrpSpPr>
         <p:cNvPr id="1" name=""/>
@@ -2522,8 +4404,8 @@
         </p:nvSpPr>
         <p:spPr>
           <a:xfrm>
-            <a:off x="649224" y="5418667"/>
-            <a:ext cx="10780776" cy="613283"/>
+            <a:off x="677334" y="4800600"/>
+            <a:ext cx="8596667" cy="566738"/>
           </a:xfrm>
         </p:spPr>
         <p:txBody>
@@ -2531,12 +4413,8 @@
             <a:normAutofit/>
           </a:bodyPr>
           <a:lstStyle>
-            <a:lvl1pPr>
-              <a:defRPr sz="3200" b="0">
-                <a:solidFill>
-                  <a:srgbClr val="FFFFFF"/>
-                </a:solidFill>
-              </a:defRPr>
+            <a:lvl1pPr algn="l">
+              <a:defRPr sz="2400" b="0"/>
             </a:lvl1pPr>
           </a:lstStyle>
           <a:p>
@@ -2560,64 +4438,50 @@
         </p:nvSpPr>
         <p:spPr>
           <a:xfrm>
-            <a:off x="0" y="0"/>
-            <a:ext cx="12192000" cy="5330952"/>
+            <a:off x="677334" y="609600"/>
+            <a:ext cx="8596668" cy="3845718"/>
           </a:xfrm>
-          <a:solidFill>
-            <a:schemeClr val="accent1">
-              <a:lumMod val="40000"/>
-              <a:lumOff val="60000"/>
-            </a:schemeClr>
-          </a:solidFill>
         </p:spPr>
         <p:txBody>
-          <a:bodyPr anchor="t"/>
+          <a:bodyPr anchor="t">
+            <a:normAutofit/>
+          </a:bodyPr>
           <a:lstStyle>
             <a:lvl1pPr marL="0" indent="0" algn="ctr">
-              <a:spcBef>
-                <a:spcPts val="800"/>
-              </a:spcBef>
-              <a:buNone/>
-              <a:defRPr sz="3200">
-                <a:solidFill>
-                  <a:schemeClr val="tx1">
-                    <a:lumMod val="75000"/>
-                    <a:lumOff val="25000"/>
-                  </a:schemeClr>
-                </a:solidFill>
-              </a:defRPr>
+              <a:buNone/>
+              <a:defRPr sz="1600"/>
             </a:lvl1pPr>
             <a:lvl2pPr marL="457200" indent="0">
               <a:buNone/>
-              <a:defRPr sz="2800"/>
+              <a:defRPr sz="1600"/>
             </a:lvl2pPr>
             <a:lvl3pPr marL="914400" indent="0">
               <a:buNone/>
-              <a:defRPr sz="2400"/>
+              <a:defRPr sz="1600"/>
             </a:lvl3pPr>
             <a:lvl4pPr marL="1371600" indent="0">
               <a:buNone/>
-              <a:defRPr sz="2000"/>
+              <a:defRPr sz="1600"/>
             </a:lvl4pPr>
             <a:lvl5pPr marL="1828800" indent="0">
               <a:buNone/>
-              <a:defRPr sz="2000"/>
+              <a:defRPr sz="1600"/>
             </a:lvl5pPr>
             <a:lvl6pPr marL="2286000" indent="0">
               <a:buNone/>
-              <a:defRPr sz="2000"/>
+              <a:defRPr sz="1600"/>
             </a:lvl6pPr>
             <a:lvl7pPr marL="2743200" indent="0">
               <a:buNone/>
-              <a:defRPr sz="2000"/>
+              <a:defRPr sz="1600"/>
             </a:lvl7pPr>
             <a:lvl8pPr marL="3200400" indent="0">
               <a:buNone/>
-              <a:defRPr sz="2000"/>
+              <a:defRPr sz="1600"/>
             </a:lvl8pPr>
             <a:lvl9pPr marL="3657600" indent="0">
               <a:buNone/>
-              <a:defRPr sz="2000"/>
+              <a:defRPr sz="1600"/>
             </a:lvl9pPr>
           </a:lstStyle>
           <a:p>
@@ -2641,8 +4505,8 @@
         </p:nvSpPr>
         <p:spPr>
           <a:xfrm>
-            <a:off x="676656" y="5909735"/>
-            <a:ext cx="9229344" cy="533400"/>
+            <a:off x="677334" y="5367338"/>
+            <a:ext cx="8596667" cy="674024"/>
           </a:xfrm>
         </p:spPr>
         <p:txBody>
@@ -2651,15 +4515,8 @@
           </a:bodyPr>
           <a:lstStyle>
             <a:lvl1pPr marL="0" indent="0">
-              <a:lnSpc>
-                <a:spcPct val="90000"/>
-              </a:lnSpc>
-              <a:buNone/>
-              <a:defRPr sz="1400">
-                <a:solidFill>
-                  <a:srgbClr val="262626"/>
-                </a:solidFill>
-              </a:defRPr>
+              <a:buNone/>
+              <a:defRPr sz="1200"/>
             </a:lvl1pPr>
             <a:lvl2pPr marL="457200" indent="0">
               <a:buNone/>
@@ -2698,14 +4555,14 @@
             <a:pPr lvl="0"/>
             <a:r>
               <a:rPr lang="en-US"/>
-              <a:t>Click to edit Master text styles</a:t>
-            </a:r>
-          </a:p>
-        </p:txBody>
-      </p:sp>
-      <p:sp>
-        <p:nvSpPr>
-          <p:cNvPr id="12" name="Date Placeholder 11"/>
+              <a:t>Edit Master text styles</a:t>
+            </a:r>
+          </a:p>
+        </p:txBody>
+      </p:sp>
+      <p:sp>
+        <p:nvSpPr>
+          <p:cNvPr id="5" name="Date Placeholder 4"/>
           <p:cNvSpPr>
             <a:spLocks noGrp="1"/>
           </p:cNvSpPr>
@@ -2716,21 +4573,11 @@
         <p:spPr/>
         <p:txBody>
           <a:bodyPr/>
-          <a:lstStyle>
-            <a:lvl1pPr>
-              <a:defRPr>
-                <a:solidFill>
-                  <a:srgbClr val="FFFFFF">
-                    <a:alpha val="80000"/>
-                  </a:srgbClr>
-                </a:solidFill>
-              </a:defRPr>
-            </a:lvl1pPr>
-          </a:lstStyle>
+          <a:lstStyle/>
           <a:p>
             <a:fld id="{914A3915-4692-486F-837A-5768755CCE49}" type="datetimeFigureOut">
               <a:rPr lang="en-US" smtClean="0"/>
-              <a:t>5/21/2022</a:t>
+              <a:t>8/26/2019</a:t>
             </a:fld>
             <a:endParaRPr lang="en-US"/>
           </a:p>
@@ -2738,7 +4585,7 @@
       </p:sp>
       <p:sp>
         <p:nvSpPr>
-          <p:cNvPr id="13" name="Footer Placeholder 12"/>
+          <p:cNvPr id="6" name="Footer Placeholder 5"/>
           <p:cNvSpPr>
             <a:spLocks noGrp="1"/>
           </p:cNvSpPr>
@@ -2749,17 +4596,7 @@
         <p:spPr/>
         <p:txBody>
           <a:bodyPr/>
-          <a:lstStyle>
-            <a:lvl1pPr>
-              <a:defRPr>
-                <a:solidFill>
-                  <a:srgbClr val="FFFFFF">
-                    <a:alpha val="80000"/>
-                  </a:srgbClr>
-                </a:solidFill>
-              </a:defRPr>
-            </a:lvl1pPr>
-          </a:lstStyle>
+          <a:lstStyle/>
           <a:p>
             <a:endParaRPr lang="en-US"/>
           </a:p>
@@ -2767,7 +4604,7 @@
       </p:sp>
       <p:sp>
         <p:nvSpPr>
-          <p:cNvPr id="14" name="Slide Number Placeholder 13"/>
+          <p:cNvPr id="7" name="Slide Number Placeholder 6"/>
           <p:cNvSpPr>
             <a:spLocks noGrp="1"/>
           </p:cNvSpPr>
@@ -2778,17 +4615,7 @@
         <p:spPr/>
         <p:txBody>
           <a:bodyPr/>
-          <a:lstStyle>
-            <a:lvl1pPr>
-              <a:defRPr>
-                <a:solidFill>
-                  <a:srgbClr val="FFFFFF">
-                    <a:alpha val="25000"/>
-                  </a:srgbClr>
-                </a:solidFill>
-              </a:defRPr>
-            </a:lvl1pPr>
-          </a:lstStyle>
+          <a:lstStyle/>
           <a:p>
             <a:fld id="{93AD6F86-E4C3-40B9-A417-0348DA1F0DF4}" type="slidenum">
               <a:rPr lang="en-US" smtClean="0"/>
@@ -2801,12 +4628,12 @@
     </p:spTree>
     <p:extLst>
       <p:ext uri="{BB962C8B-B14F-4D97-AF65-F5344CB8AC3E}">
-        <p14:creationId xmlns:p14="http://schemas.microsoft.com/office/powerpoint/2010/main" val="2634164878"/>
+        <p14:creationId xmlns:p14="http://schemas.microsoft.com/office/powerpoint/2010/main" val="2859954495"/>
       </p:ext>
     </p:extLst>
   </p:cSld>
   <p:clrMapOvr>
-    <a:overrideClrMapping bg1="lt1" tx1="dk1" bg2="lt2" tx2="dk2" accent1="accent1" accent2="accent2" accent3="accent3" accent4="accent4" accent5="accent5" accent6="accent6" hlink="hlink" folHlink="folHlink"/>
+    <a:masterClrMapping/>
   </p:clrMapOvr>
 </p:sldLayout>
 </file>
@@ -2833,6 +4660,536 @@
           <a:chExt cx="0" cy="0"/>
         </a:xfrm>
       </p:grpSpPr>
+      <p:grpSp>
+        <p:nvGrpSpPr>
+          <p:cNvPr id="7" name="Group 6"/>
+          <p:cNvGrpSpPr/>
+          <p:nvPr/>
+        </p:nvGrpSpPr>
+        <p:grpSpPr>
+          <a:xfrm>
+            <a:off x="0" y="-8467"/>
+            <a:ext cx="12192000" cy="6866467"/>
+            <a:chOff x="0" y="-8467"/>
+            <a:chExt cx="12192000" cy="6866467"/>
+          </a:xfrm>
+        </p:grpSpPr>
+        <p:cxnSp>
+          <p:nvCxnSpPr>
+            <p:cNvPr id="20" name="Straight Connector 19"/>
+            <p:cNvCxnSpPr/>
+            <p:nvPr/>
+          </p:nvCxnSpPr>
+          <p:spPr>
+            <a:xfrm>
+              <a:off x="9371012" y="0"/>
+              <a:ext cx="1219200" cy="6858000"/>
+            </a:xfrm>
+            <a:prstGeom prst="line">
+              <a:avLst/>
+            </a:prstGeom>
+            <a:ln w="9525">
+              <a:solidFill>
+                <a:schemeClr val="bg1">
+                  <a:lumMod val="75000"/>
+                </a:schemeClr>
+              </a:solidFill>
+            </a:ln>
+          </p:spPr>
+          <p:style>
+            <a:lnRef idx="2">
+              <a:schemeClr val="accent1"/>
+            </a:lnRef>
+            <a:fillRef idx="0">
+              <a:schemeClr val="accent1"/>
+            </a:fillRef>
+            <a:effectRef idx="1">
+              <a:schemeClr val="accent1"/>
+            </a:effectRef>
+            <a:fontRef idx="minor">
+              <a:schemeClr val="tx1"/>
+            </a:fontRef>
+          </p:style>
+        </p:cxnSp>
+        <p:cxnSp>
+          <p:nvCxnSpPr>
+            <p:cNvPr id="21" name="Straight Connector 20"/>
+            <p:cNvCxnSpPr/>
+            <p:nvPr/>
+          </p:nvCxnSpPr>
+          <p:spPr>
+            <a:xfrm flipH="1">
+              <a:off x="7425267" y="3681413"/>
+              <a:ext cx="4763558" cy="3176587"/>
+            </a:xfrm>
+            <a:prstGeom prst="line">
+              <a:avLst/>
+            </a:prstGeom>
+            <a:ln w="9525">
+              <a:solidFill>
+                <a:schemeClr val="bg1">
+                  <a:lumMod val="85000"/>
+                </a:schemeClr>
+              </a:solidFill>
+            </a:ln>
+          </p:spPr>
+          <p:style>
+            <a:lnRef idx="2">
+              <a:schemeClr val="accent1"/>
+            </a:lnRef>
+            <a:fillRef idx="0">
+              <a:schemeClr val="accent1"/>
+            </a:fillRef>
+            <a:effectRef idx="1">
+              <a:schemeClr val="accent1"/>
+            </a:effectRef>
+            <a:fontRef idx="minor">
+              <a:schemeClr val="tx1"/>
+            </a:fontRef>
+          </p:style>
+        </p:cxnSp>
+        <p:sp>
+          <p:nvSpPr>
+            <p:cNvPr id="22" name="Rectangle 23"/>
+            <p:cNvSpPr/>
+            <p:nvPr/>
+          </p:nvSpPr>
+          <p:spPr>
+            <a:xfrm>
+              <a:off x="9181476" y="-8467"/>
+              <a:ext cx="3007349" cy="6866467"/>
+            </a:xfrm>
+            <a:custGeom>
+              <a:avLst/>
+              <a:gdLst/>
+              <a:ahLst/>
+              <a:cxnLst/>
+              <a:rect l="l" t="t" r="r" b="b"/>
+              <a:pathLst>
+                <a:path w="3007349" h="6866467">
+                  <a:moveTo>
+                    <a:pt x="2045532" y="0"/>
+                  </a:moveTo>
+                  <a:lnTo>
+                    <a:pt x="3007349" y="0"/>
+                  </a:lnTo>
+                  <a:lnTo>
+                    <a:pt x="3007349" y="6866467"/>
+                  </a:lnTo>
+                  <a:lnTo>
+                    <a:pt x="0" y="6866467"/>
+                  </a:lnTo>
+                  <a:lnTo>
+                    <a:pt x="2045532" y="0"/>
+                  </a:lnTo>
+                  <a:close/>
+                </a:path>
+              </a:pathLst>
+            </a:custGeom>
+            <a:solidFill>
+              <a:schemeClr val="accent1">
+                <a:alpha val="30000"/>
+              </a:schemeClr>
+            </a:solidFill>
+            <a:ln>
+              <a:noFill/>
+            </a:ln>
+            <a:effectLst/>
+          </p:spPr>
+          <p:style>
+            <a:lnRef idx="1">
+              <a:schemeClr val="accent1"/>
+            </a:lnRef>
+            <a:fillRef idx="3">
+              <a:schemeClr val="accent1"/>
+            </a:fillRef>
+            <a:effectRef idx="2">
+              <a:schemeClr val="accent1"/>
+            </a:effectRef>
+            <a:fontRef idx="minor">
+              <a:schemeClr val="lt1"/>
+            </a:fontRef>
+          </p:style>
+        </p:sp>
+        <p:sp>
+          <p:nvSpPr>
+            <p:cNvPr id="23" name="Rectangle 25"/>
+            <p:cNvSpPr/>
+            <p:nvPr/>
+          </p:nvSpPr>
+          <p:spPr>
+            <a:xfrm>
+              <a:off x="9603442" y="-8467"/>
+              <a:ext cx="2588558" cy="6866467"/>
+            </a:xfrm>
+            <a:custGeom>
+              <a:avLst/>
+              <a:gdLst/>
+              <a:ahLst/>
+              <a:cxnLst/>
+              <a:rect l="l" t="t" r="r" b="b"/>
+              <a:pathLst>
+                <a:path w="2573311" h="6866467">
+                  <a:moveTo>
+                    <a:pt x="0" y="0"/>
+                  </a:moveTo>
+                  <a:lnTo>
+                    <a:pt x="2573311" y="0"/>
+                  </a:lnTo>
+                  <a:lnTo>
+                    <a:pt x="2573311" y="6866467"/>
+                  </a:lnTo>
+                  <a:lnTo>
+                    <a:pt x="1202336" y="6866467"/>
+                  </a:lnTo>
+                  <a:lnTo>
+                    <a:pt x="0" y="0"/>
+                  </a:lnTo>
+                  <a:close/>
+                </a:path>
+              </a:pathLst>
+            </a:custGeom>
+            <a:solidFill>
+              <a:schemeClr val="accent1">
+                <a:alpha val="20000"/>
+              </a:schemeClr>
+            </a:solidFill>
+            <a:ln>
+              <a:noFill/>
+            </a:ln>
+            <a:effectLst/>
+          </p:spPr>
+          <p:style>
+            <a:lnRef idx="1">
+              <a:schemeClr val="accent1"/>
+            </a:lnRef>
+            <a:fillRef idx="3">
+              <a:schemeClr val="accent1"/>
+            </a:fillRef>
+            <a:effectRef idx="2">
+              <a:schemeClr val="accent1"/>
+            </a:effectRef>
+            <a:fontRef idx="minor">
+              <a:schemeClr val="lt1"/>
+            </a:fontRef>
+          </p:style>
+        </p:sp>
+        <p:sp>
+          <p:nvSpPr>
+            <p:cNvPr id="24" name="Isosceles Triangle 23"/>
+            <p:cNvSpPr/>
+            <p:nvPr/>
+          </p:nvSpPr>
+          <p:spPr>
+            <a:xfrm>
+              <a:off x="8932333" y="3048000"/>
+              <a:ext cx="3259667" cy="3810000"/>
+            </a:xfrm>
+            <a:prstGeom prst="triangle">
+              <a:avLst>
+                <a:gd name="adj" fmla="val 100000"/>
+              </a:avLst>
+            </a:prstGeom>
+            <a:solidFill>
+              <a:schemeClr val="accent2">
+                <a:alpha val="72000"/>
+              </a:schemeClr>
+            </a:solidFill>
+            <a:ln>
+              <a:noFill/>
+            </a:ln>
+            <a:effectLst/>
+          </p:spPr>
+          <p:style>
+            <a:lnRef idx="1">
+              <a:schemeClr val="accent1"/>
+            </a:lnRef>
+            <a:fillRef idx="3">
+              <a:schemeClr val="accent1"/>
+            </a:fillRef>
+            <a:effectRef idx="2">
+              <a:schemeClr val="accent1"/>
+            </a:effectRef>
+            <a:fontRef idx="minor">
+              <a:schemeClr val="lt1"/>
+            </a:fontRef>
+          </p:style>
+        </p:sp>
+        <p:sp>
+          <p:nvSpPr>
+            <p:cNvPr id="25" name="Rectangle 27"/>
+            <p:cNvSpPr/>
+            <p:nvPr/>
+          </p:nvSpPr>
+          <p:spPr>
+            <a:xfrm>
+              <a:off x="9334500" y="-8467"/>
+              <a:ext cx="2854326" cy="6866467"/>
+            </a:xfrm>
+            <a:custGeom>
+              <a:avLst/>
+              <a:gdLst/>
+              <a:ahLst/>
+              <a:cxnLst/>
+              <a:rect l="l" t="t" r="r" b="b"/>
+              <a:pathLst>
+                <a:path w="2858013" h="6866467">
+                  <a:moveTo>
+                    <a:pt x="0" y="0"/>
+                  </a:moveTo>
+                  <a:lnTo>
+                    <a:pt x="2858013" y="0"/>
+                  </a:lnTo>
+                  <a:lnTo>
+                    <a:pt x="2858013" y="6866467"/>
+                  </a:lnTo>
+                  <a:lnTo>
+                    <a:pt x="2473942" y="6866467"/>
+                  </a:lnTo>
+                  <a:lnTo>
+                    <a:pt x="0" y="0"/>
+                  </a:lnTo>
+                  <a:close/>
+                </a:path>
+              </a:pathLst>
+            </a:custGeom>
+            <a:solidFill>
+              <a:schemeClr val="accent2">
+                <a:lumMod val="75000"/>
+                <a:alpha val="70000"/>
+              </a:schemeClr>
+            </a:solidFill>
+            <a:ln>
+              <a:noFill/>
+            </a:ln>
+            <a:effectLst/>
+          </p:spPr>
+          <p:style>
+            <a:lnRef idx="1">
+              <a:schemeClr val="accent1"/>
+            </a:lnRef>
+            <a:fillRef idx="3">
+              <a:schemeClr val="accent1"/>
+            </a:fillRef>
+            <a:effectRef idx="2">
+              <a:schemeClr val="accent1"/>
+            </a:effectRef>
+            <a:fontRef idx="minor">
+              <a:schemeClr val="lt1"/>
+            </a:fontRef>
+          </p:style>
+        </p:sp>
+        <p:sp>
+          <p:nvSpPr>
+            <p:cNvPr id="26" name="Rectangle 28"/>
+            <p:cNvSpPr/>
+            <p:nvPr/>
+          </p:nvSpPr>
+          <p:spPr>
+            <a:xfrm>
+              <a:off x="10898730" y="-8467"/>
+              <a:ext cx="1290094" cy="6866467"/>
+            </a:xfrm>
+            <a:custGeom>
+              <a:avLst/>
+              <a:gdLst/>
+              <a:ahLst/>
+              <a:cxnLst/>
+              <a:rect l="l" t="t" r="r" b="b"/>
+              <a:pathLst>
+                <a:path w="1290094" h="6858000">
+                  <a:moveTo>
+                    <a:pt x="1019735" y="0"/>
+                  </a:moveTo>
+                  <a:lnTo>
+                    <a:pt x="1290094" y="0"/>
+                  </a:lnTo>
+                  <a:lnTo>
+                    <a:pt x="1290094" y="6858000"/>
+                  </a:lnTo>
+                  <a:lnTo>
+                    <a:pt x="0" y="6858000"/>
+                  </a:lnTo>
+                  <a:lnTo>
+                    <a:pt x="1019735" y="0"/>
+                  </a:lnTo>
+                  <a:close/>
+                </a:path>
+              </a:pathLst>
+            </a:custGeom>
+            <a:solidFill>
+              <a:schemeClr val="accent1">
+                <a:lumMod val="60000"/>
+                <a:lumOff val="40000"/>
+                <a:alpha val="70000"/>
+              </a:schemeClr>
+            </a:solidFill>
+            <a:ln>
+              <a:noFill/>
+            </a:ln>
+            <a:effectLst/>
+          </p:spPr>
+          <p:style>
+            <a:lnRef idx="1">
+              <a:schemeClr val="accent1"/>
+            </a:lnRef>
+            <a:fillRef idx="3">
+              <a:schemeClr val="accent1"/>
+            </a:fillRef>
+            <a:effectRef idx="2">
+              <a:schemeClr val="accent1"/>
+            </a:effectRef>
+            <a:fontRef idx="minor">
+              <a:schemeClr val="lt1"/>
+            </a:fontRef>
+          </p:style>
+        </p:sp>
+        <p:sp>
+          <p:nvSpPr>
+            <p:cNvPr id="27" name="Rectangle 29"/>
+            <p:cNvSpPr/>
+            <p:nvPr/>
+          </p:nvSpPr>
+          <p:spPr>
+            <a:xfrm>
+              <a:off x="10938999" y="-8467"/>
+              <a:ext cx="1249825" cy="6866467"/>
+            </a:xfrm>
+            <a:custGeom>
+              <a:avLst/>
+              <a:gdLst/>
+              <a:ahLst/>
+              <a:cxnLst/>
+              <a:rect l="l" t="t" r="r" b="b"/>
+              <a:pathLst>
+                <a:path w="1249825" h="6858000">
+                  <a:moveTo>
+                    <a:pt x="0" y="0"/>
+                  </a:moveTo>
+                  <a:lnTo>
+                    <a:pt x="1249825" y="0"/>
+                  </a:lnTo>
+                  <a:lnTo>
+                    <a:pt x="1249825" y="6858000"/>
+                  </a:lnTo>
+                  <a:lnTo>
+                    <a:pt x="1109382" y="6858000"/>
+                  </a:lnTo>
+                  <a:lnTo>
+                    <a:pt x="0" y="0"/>
+                  </a:lnTo>
+                  <a:close/>
+                </a:path>
+              </a:pathLst>
+            </a:custGeom>
+            <a:solidFill>
+              <a:schemeClr val="accent1">
+                <a:alpha val="65000"/>
+              </a:schemeClr>
+            </a:solidFill>
+            <a:ln>
+              <a:noFill/>
+            </a:ln>
+            <a:effectLst/>
+          </p:spPr>
+          <p:style>
+            <a:lnRef idx="1">
+              <a:schemeClr val="accent1"/>
+            </a:lnRef>
+            <a:fillRef idx="3">
+              <a:schemeClr val="accent1"/>
+            </a:fillRef>
+            <a:effectRef idx="2">
+              <a:schemeClr val="accent1"/>
+            </a:effectRef>
+            <a:fontRef idx="minor">
+              <a:schemeClr val="lt1"/>
+            </a:fontRef>
+          </p:style>
+        </p:sp>
+        <p:sp>
+          <p:nvSpPr>
+            <p:cNvPr id="28" name="Isosceles Triangle 27"/>
+            <p:cNvSpPr/>
+            <p:nvPr/>
+          </p:nvSpPr>
+          <p:spPr>
+            <a:xfrm>
+              <a:off x="10371666" y="3589867"/>
+              <a:ext cx="1817159" cy="3268133"/>
+            </a:xfrm>
+            <a:prstGeom prst="triangle">
+              <a:avLst>
+                <a:gd name="adj" fmla="val 100000"/>
+              </a:avLst>
+            </a:prstGeom>
+            <a:solidFill>
+              <a:schemeClr val="accent1">
+                <a:alpha val="80000"/>
+              </a:schemeClr>
+            </a:solidFill>
+            <a:ln>
+              <a:noFill/>
+            </a:ln>
+            <a:effectLst/>
+          </p:spPr>
+          <p:style>
+            <a:lnRef idx="1">
+              <a:schemeClr val="accent1"/>
+            </a:lnRef>
+            <a:fillRef idx="3">
+              <a:schemeClr val="accent1"/>
+            </a:fillRef>
+            <a:effectRef idx="2">
+              <a:schemeClr val="accent1"/>
+            </a:effectRef>
+            <a:fontRef idx="minor">
+              <a:schemeClr val="lt1"/>
+            </a:fontRef>
+          </p:style>
+        </p:sp>
+        <p:sp>
+          <p:nvSpPr>
+            <p:cNvPr id="29" name="Isosceles Triangle 28"/>
+            <p:cNvSpPr/>
+            <p:nvPr/>
+          </p:nvSpPr>
+          <p:spPr>
+            <a:xfrm>
+              <a:off x="0" y="4013200"/>
+              <a:ext cx="448733" cy="2844800"/>
+            </a:xfrm>
+            <a:prstGeom prst="triangle">
+              <a:avLst>
+                <a:gd name="adj" fmla="val 0"/>
+              </a:avLst>
+            </a:prstGeom>
+            <a:solidFill>
+              <a:schemeClr val="accent1">
+                <a:alpha val="85000"/>
+              </a:schemeClr>
+            </a:solidFill>
+            <a:ln>
+              <a:noFill/>
+            </a:ln>
+            <a:effectLst/>
+          </p:spPr>
+          <p:style>
+            <a:lnRef idx="1">
+              <a:schemeClr val="accent1"/>
+            </a:lnRef>
+            <a:fillRef idx="3">
+              <a:schemeClr val="accent1"/>
+            </a:fillRef>
+            <a:effectRef idx="2">
+              <a:schemeClr val="accent1"/>
+            </a:effectRef>
+            <a:fontRef idx="minor">
+              <a:schemeClr val="lt1"/>
+            </a:fontRef>
+          </p:style>
+        </p:sp>
+      </p:grpSp>
       <p:sp>
         <p:nvSpPr>
           <p:cNvPr id="2" name="Title Placeholder 1"/>
@@ -2845,15 +5202,15 @@
         </p:nvSpPr>
         <p:spPr>
           <a:xfrm>
-            <a:off x="657224" y="499533"/>
-            <a:ext cx="10772775" cy="1658198"/>
+            <a:off x="677334" y="609600"/>
+            <a:ext cx="8596668" cy="1320800"/>
           </a:xfrm>
           <a:prstGeom prst="rect">
             <a:avLst/>
           </a:prstGeom>
         </p:spPr>
         <p:txBody>
-          <a:bodyPr vert="horz" lIns="91440" tIns="45720" rIns="91440" bIns="45720" rtlCol="0" anchor="ctr">
+          <a:bodyPr vert="horz" lIns="91440" tIns="45720" rIns="91440" bIns="45720" rtlCol="0" anchor="t">
             <a:normAutofit/>
           </a:bodyPr>
           <a:lstStyle/>
@@ -2878,8 +5235,8 @@
         </p:nvSpPr>
         <p:spPr>
           <a:xfrm>
-            <a:off x="676656" y="2011680"/>
-            <a:ext cx="10753725" cy="3766185"/>
+            <a:off x="677334" y="2160589"/>
+            <a:ext cx="8596668" cy="3880773"/>
           </a:xfrm>
           <a:prstGeom prst="rect">
             <a:avLst/>
@@ -2894,7 +5251,7 @@
             <a:pPr lvl="0"/>
             <a:r>
               <a:rPr lang="en-US"/>
-              <a:t>Click to edit Master text styles</a:t>
+              <a:t>Edit Master text styles</a:t>
             </a:r>
           </a:p>
           <a:p>
@@ -2940,8 +5297,8 @@
         </p:nvSpPr>
         <p:spPr>
           <a:xfrm>
-            <a:off x="685800" y="6412447"/>
-            <a:ext cx="4114800" cy="228600"/>
+            <a:off x="7205133" y="6041362"/>
+            <a:ext cx="911939" cy="365125"/>
           </a:xfrm>
           <a:prstGeom prst="rect">
             <a:avLst/>
@@ -2950,11 +5307,11 @@
         <p:txBody>
           <a:bodyPr vert="horz" lIns="91440" tIns="45720" rIns="91440" bIns="45720" rtlCol="0" anchor="ctr"/>
           <a:lstStyle>
-            <a:lvl1pPr algn="l">
-              <a:defRPr sz="950">
+            <a:lvl1pPr algn="r">
+              <a:defRPr sz="900">
                 <a:solidFill>
                   <a:schemeClr val="tx1">
-                    <a:alpha val="80000"/>
+                    <a:tint val="75000"/>
                   </a:schemeClr>
                 </a:solidFill>
               </a:defRPr>
@@ -2963,7 +5320,7 @@
           <a:p>
             <a:fld id="{914A3915-4692-486F-837A-5768755CCE49}" type="datetimeFigureOut">
               <a:rPr lang="en-US" smtClean="0"/>
-              <a:t>5/21/2022</a:t>
+              <a:t>8/26/2019</a:t>
             </a:fld>
             <a:endParaRPr lang="en-US"/>
           </a:p>
@@ -2981,8 +5338,8 @@
         </p:nvSpPr>
         <p:spPr>
           <a:xfrm>
-            <a:off x="685800" y="6554697"/>
-            <a:ext cx="5029200" cy="228600"/>
+            <a:off x="677334" y="6041362"/>
+            <a:ext cx="6297612" cy="365125"/>
           </a:xfrm>
           <a:prstGeom prst="rect">
             <a:avLst/>
@@ -2992,10 +5349,10 @@
           <a:bodyPr vert="horz" lIns="91440" tIns="45720" rIns="91440" bIns="45720" rtlCol="0" anchor="ctr"/>
           <a:lstStyle>
             <a:lvl1pPr algn="l">
-              <a:defRPr sz="950" cap="all" baseline="0">
+              <a:defRPr sz="900">
                 <a:solidFill>
                   <a:schemeClr val="tx1">
-                    <a:alpha val="80000"/>
+                    <a:tint val="75000"/>
                   </a:schemeClr>
                 </a:solidFill>
               </a:defRPr>
@@ -3018,27 +5375,21 @@
         </p:nvSpPr>
         <p:spPr>
           <a:xfrm>
-            <a:off x="8763926" y="5876412"/>
-            <a:ext cx="2926080" cy="1397039"/>
+            <a:off x="8590663" y="6041362"/>
+            <a:ext cx="683339" cy="365125"/>
           </a:xfrm>
           <a:prstGeom prst="rect">
             <a:avLst/>
           </a:prstGeom>
         </p:spPr>
         <p:txBody>
-          <a:bodyPr vert="horz" lIns="91440" tIns="45720" rIns="91440" bIns="45720" rtlCol="0" anchor="b"/>
+          <a:bodyPr vert="horz" lIns="91440" tIns="45720" rIns="91440" bIns="45720" rtlCol="0" anchor="ctr"/>
           <a:lstStyle>
             <a:lvl1pPr algn="r">
-              <a:defRPr sz="10300" b="0">
-                <a:ln>
-                  <a:noFill/>
-                </a:ln>
+              <a:defRPr sz="900">
                 <a:solidFill>
-                  <a:schemeClr val="accent1">
-                    <a:alpha val="25000"/>
-                  </a:schemeClr>
+                  <a:schemeClr val="accent1"/>
                 </a:solidFill>
-                <a:latin typeface="+mj-lt"/>
               </a:defRPr>
             </a:lvl1pPr>
           </a:lstStyle>
@@ -3051,167 +5402,40 @@
           </a:p>
         </p:txBody>
       </p:sp>
-      <p:graphicFrame>
-        <p:nvGraphicFramePr>
-          <p:cNvPr id="7" name="Object 6" hidden="1">
-            <a:extLst>
-              <a:ext uri="{FF2B5EF4-FFF2-40B4-BE49-F238E27FC236}">
-                <a16:creationId xmlns:a16="http://schemas.microsoft.com/office/drawing/2014/main" id="{FAE269D6-1CCD-1F9B-CC47-C94EC6E90259}"/>
-              </a:ext>
-            </a:extLst>
-          </p:cNvPr>
-          <p:cNvGraphicFramePr>
-            <a:graphicFrameLocks noChangeAspect="1"/>
-          </p:cNvGraphicFramePr>
-          <p:nvPr userDrawn="1">
-            <p:custDataLst>
-              <p:tags r:id="rId14"/>
-            </p:custDataLst>
-            <p:extLst>
-              <p:ext uri="{D42A27DB-BD31-4B8C-83A1-F6EECF244321}">
-                <p14:modId xmlns:p14="http://schemas.microsoft.com/office/powerpoint/2010/main" val="1308284097"/>
-              </p:ext>
-            </p:extLst>
-          </p:nvPr>
-        </p:nvGraphicFramePr>
-        <p:xfrm>
-          <a:off x="1588" y="1588"/>
-          <a:ext cx="1588" cy="1588"/>
-        </p:xfrm>
-        <a:graphic>
-          <a:graphicData uri="http://schemas.openxmlformats.org/presentationml/2006/ole">
-            <mc:AlternateContent xmlns:mc="http://schemas.openxmlformats.org/markup-compatibility/2006">
-              <mc:Choice xmlns:v="urn:schemas-microsoft-com:vml" Requires="v">
-                <p:oleObj spid="_x0000_s12291" name="think-cell Slide" r:id="rId16" imgW="473" imgH="471" progId="TCLayout.ActiveDocument.1">
-                  <p:embed/>
-                </p:oleObj>
-              </mc:Choice>
-              <mc:Fallback>
-                <p:oleObj name="think-cell Slide" r:id="rId16" imgW="473" imgH="471" progId="TCLayout.ActiveDocument.1">
-                  <p:embed/>
-                  <p:pic>
-                    <p:nvPicPr>
-                      <p:cNvPr id="9" name="Object 8" hidden="1">
-                        <a:extLst>
-                          <a:ext uri="{FF2B5EF4-FFF2-40B4-BE49-F238E27FC236}">
-                            <a16:creationId xmlns:a16="http://schemas.microsoft.com/office/drawing/2014/main" id="{345A80CB-BC32-8DAF-D77E-F1F61E50AABC}"/>
-                          </a:ext>
-                        </a:extLst>
-                      </p:cNvPr>
-                      <p:cNvPicPr/>
-                      <p:nvPr/>
-                    </p:nvPicPr>
-                    <p:blipFill>
-                      <a:blip r:embed="rId17"/>
-                      <a:stretch>
-                        <a:fillRect/>
-                      </a:stretch>
-                    </p:blipFill>
-                    <p:spPr>
-                      <a:xfrm>
-                        <a:off x="1588" y="1588"/>
-                        <a:ext cx="1588" cy="1588"/>
-                      </a:xfrm>
-                      <a:prstGeom prst="rect">
-                        <a:avLst/>
-                      </a:prstGeom>
-                    </p:spPr>
-                  </p:pic>
-                </p:oleObj>
-              </mc:Fallback>
-            </mc:AlternateContent>
-          </a:graphicData>
-        </a:graphic>
-      </p:graphicFrame>
-      <p:sp>
-        <p:nvSpPr>
-          <p:cNvPr id="8" name="Rectangle 7" hidden="1">
-            <a:extLst>
-              <a:ext uri="{FF2B5EF4-FFF2-40B4-BE49-F238E27FC236}">
-                <a16:creationId xmlns:a16="http://schemas.microsoft.com/office/drawing/2014/main" id="{E434FEF8-8E44-8CA9-1AE8-0E7E2599FD88}"/>
-              </a:ext>
-            </a:extLst>
-          </p:cNvPr>
-          <p:cNvSpPr/>
-          <p:nvPr userDrawn="1">
-            <p:custDataLst>
-              <p:tags r:id="rId15"/>
-            </p:custDataLst>
-          </p:nvPr>
-        </p:nvSpPr>
-        <p:spPr>
-          <a:xfrm>
-            <a:off x="0" y="0"/>
-            <a:ext cx="158750" cy="158750"/>
-          </a:xfrm>
-          <a:prstGeom prst="rect">
-            <a:avLst/>
-          </a:prstGeom>
-        </p:spPr>
-        <p:style>
-          <a:lnRef idx="2">
-            <a:schemeClr val="accent1">
-              <a:shade val="50000"/>
-            </a:schemeClr>
-          </a:lnRef>
-          <a:fillRef idx="1">
-            <a:schemeClr val="accent1"/>
-          </a:fillRef>
-          <a:effectRef idx="0">
-            <a:schemeClr val="accent1"/>
-          </a:effectRef>
-          <a:fontRef idx="minor">
-            <a:schemeClr val="lt1"/>
-          </a:fontRef>
-        </p:style>
-        <p:txBody>
-          <a:bodyPr vert="horz" wrap="none" lIns="0" tIns="0" rIns="0" bIns="0" numCol="1" spcCol="0" rtlCol="0" anchor="ctr" anchorCtr="0">
-            <a:noAutofit/>
-          </a:bodyPr>
-          <a:lstStyle/>
-          <a:p>
-            <a:pPr marL="0" lvl="0" indent="0" algn="ctr"/>
-            <a:endParaRPr lang="en-US" sz="3600" b="0" i="0" baseline="0" dirty="0">
-              <a:latin typeface="Trebuchet MS" panose="020B0603020202020204" pitchFamily="34" charset="0"/>
-              <a:ea typeface="+mj-ea"/>
-              <a:cs typeface="+mj-cs"/>
-              <a:sym typeface="Trebuchet MS" panose="020B0603020202020204" pitchFamily="34" charset="0"/>
-            </a:endParaRPr>
-          </a:p>
-        </p:txBody>
-      </p:sp>
     </p:spTree>
     <p:extLst>
       <p:ext uri="{BB962C8B-B14F-4D97-AF65-F5344CB8AC3E}">
-        <p14:creationId xmlns:p14="http://schemas.microsoft.com/office/powerpoint/2010/main" val="18790472"/>
+        <p14:creationId xmlns:p14="http://schemas.microsoft.com/office/powerpoint/2010/main" val="3548803317"/>
       </p:ext>
     </p:extLst>
   </p:cSld>
   <p:clrMap bg1="lt1" tx1="dk1" bg2="lt2" tx2="dk2" accent1="accent1" accent2="accent2" accent3="accent3" accent4="accent4" accent5="accent5" accent6="accent6" hlink="hlink" folHlink="folHlink"/>
   <p:sldLayoutIdLst>
-    <p:sldLayoutId id="2147483686" r:id="rId1"/>
-    <p:sldLayoutId id="2147483687" r:id="rId2"/>
-    <p:sldLayoutId id="2147483688" r:id="rId3"/>
-    <p:sldLayoutId id="2147483689" r:id="rId4"/>
-    <p:sldLayoutId id="2147483690" r:id="rId5"/>
-    <p:sldLayoutId id="2147483691" r:id="rId6"/>
-    <p:sldLayoutId id="2147483692" r:id="rId7"/>
-    <p:sldLayoutId id="2147483693" r:id="rId8"/>
-    <p:sldLayoutId id="2147483694" r:id="rId9"/>
-    <p:sldLayoutId id="2147483695" r:id="rId10"/>
-    <p:sldLayoutId id="2147483696" r:id="rId11"/>
+    <p:sldLayoutId id="2147483661" r:id="rId1"/>
+    <p:sldLayoutId id="2147483662" r:id="rId2"/>
+    <p:sldLayoutId id="2147483663" r:id="rId3"/>
+    <p:sldLayoutId id="2147483664" r:id="rId4"/>
+    <p:sldLayoutId id="2147483665" r:id="rId5"/>
+    <p:sldLayoutId id="2147483666" r:id="rId6"/>
+    <p:sldLayoutId id="2147483667" r:id="rId7"/>
+    <p:sldLayoutId id="2147483668" r:id="rId8"/>
+    <p:sldLayoutId id="2147483669" r:id="rId9"/>
+    <p:sldLayoutId id="2147483670" r:id="rId10"/>
+    <p:sldLayoutId id="2147483671" r:id="rId11"/>
+    <p:sldLayoutId id="2147483672" r:id="rId12"/>
+    <p:sldLayoutId id="2147483673" r:id="rId13"/>
+    <p:sldLayoutId id="2147483674" r:id="rId14"/>
+    <p:sldLayoutId id="2147483675" r:id="rId15"/>
+    <p:sldLayoutId id="2147483676" r:id="rId16"/>
   </p:sldLayoutIdLst>
   <p:txStyles>
     <p:titleStyle>
-      <a:lvl1pPr algn="l" defTabSz="914400" rtl="0" eaLnBrk="1" latinLnBrk="0" hangingPunct="1">
-        <a:lnSpc>
-          <a:spcPct val="85000"/>
-        </a:lnSpc>
+      <a:lvl1pPr algn="l" defTabSz="457200" rtl="0" eaLnBrk="1" latinLnBrk="0" hangingPunct="1">
         <a:spcBef>
           <a:spcPct val="0"/>
         </a:spcBef>
         <a:buNone/>
-        <a:defRPr sz="5400" kern="1200" spc="-120" baseline="0">
+        <a:defRPr sz="3600" kern="1200">
           <a:solidFill>
             <a:schemeClr val="accent1"/>
           </a:solidFill>
@@ -3220,22 +5444,82 @@
           <a:cs typeface="+mj-cs"/>
         </a:defRPr>
       </a:lvl1pPr>
+      <a:lvl2pPr eaLnBrk="1" hangingPunct="1">
+        <a:defRPr>
+          <a:solidFill>
+            <a:schemeClr val="tx2"/>
+          </a:solidFill>
+        </a:defRPr>
+      </a:lvl2pPr>
+      <a:lvl3pPr eaLnBrk="1" hangingPunct="1">
+        <a:defRPr>
+          <a:solidFill>
+            <a:schemeClr val="tx2"/>
+          </a:solidFill>
+        </a:defRPr>
+      </a:lvl3pPr>
+      <a:lvl4pPr eaLnBrk="1" hangingPunct="1">
+        <a:defRPr>
+          <a:solidFill>
+            <a:schemeClr val="tx2"/>
+          </a:solidFill>
+        </a:defRPr>
+      </a:lvl4pPr>
+      <a:lvl5pPr eaLnBrk="1" hangingPunct="1">
+        <a:defRPr>
+          <a:solidFill>
+            <a:schemeClr val="tx2"/>
+          </a:solidFill>
+        </a:defRPr>
+      </a:lvl5pPr>
+      <a:lvl6pPr eaLnBrk="1" hangingPunct="1">
+        <a:defRPr>
+          <a:solidFill>
+            <a:schemeClr val="tx2"/>
+          </a:solidFill>
+        </a:defRPr>
+      </a:lvl6pPr>
+      <a:lvl7pPr eaLnBrk="1" hangingPunct="1">
+        <a:defRPr>
+          <a:solidFill>
+            <a:schemeClr val="tx2"/>
+          </a:solidFill>
+        </a:defRPr>
+      </a:lvl7pPr>
+      <a:lvl8pPr eaLnBrk="1" hangingPunct="1">
+        <a:defRPr>
+          <a:solidFill>
+            <a:schemeClr val="tx2"/>
+          </a:solidFill>
+        </a:defRPr>
+      </a:lvl8pPr>
+      <a:lvl9pPr eaLnBrk="1" hangingPunct="1">
+        <a:defRPr>
+          <a:solidFill>
+            <a:schemeClr val="tx2"/>
+          </a:solidFill>
+        </a:defRPr>
+      </a:lvl9pPr>
     </p:titleStyle>
     <p:bodyStyle>
-      <a:lvl1pPr marL="91440" indent="-91440" algn="l" defTabSz="914400" rtl="0" eaLnBrk="1" latinLnBrk="0" hangingPunct="1">
-        <a:lnSpc>
-          <a:spcPct val="85000"/>
-        </a:lnSpc>
+      <a:lvl1pPr marL="342900" indent="-342900" algn="l" defTabSz="457200" rtl="0" eaLnBrk="1" latinLnBrk="0" hangingPunct="1">
         <a:spcBef>
-          <a:spcPts val="1300"/>
+          <a:spcPts val="1000"/>
         </a:spcBef>
-        <a:buFont typeface="Arial" pitchFamily="34" charset="0"/>
-        <a:buChar char=" "/>
-        <a:defRPr sz="2400" kern="1200">
+        <a:spcAft>
+          <a:spcPts val="0"/>
+        </a:spcAft>
+        <a:buClr>
+          <a:schemeClr val="accent1"/>
+        </a:buClr>
+        <a:buSzPct val="80000"/>
+        <a:buFont typeface="Wingdings 3" charset="2"/>
+        <a:buChar char=""/>
+        <a:defRPr sz="1800" kern="1200">
           <a:solidFill>
             <a:schemeClr val="tx1">
-              <a:lumMod val="85000"/>
-              <a:lumOff val="15000"/>
+              <a:lumMod val="75000"/>
+              <a:lumOff val="25000"/>
             </a:schemeClr>
           </a:solidFill>
           <a:latin typeface="+mn-lt"/>
@@ -3243,20 +5527,24 @@
           <a:cs typeface="+mn-cs"/>
         </a:defRPr>
       </a:lvl1pPr>
-      <a:lvl2pPr marL="347472" indent="-342900" algn="l" defTabSz="914400" rtl="0" eaLnBrk="1" latinLnBrk="0" hangingPunct="1">
-        <a:lnSpc>
-          <a:spcPct val="85000"/>
-        </a:lnSpc>
+      <a:lvl2pPr marL="742950" indent="-285750" algn="l" defTabSz="457200" rtl="0" eaLnBrk="1" latinLnBrk="0" hangingPunct="1">
         <a:spcBef>
-          <a:spcPts val="600"/>
+          <a:spcPts val="1000"/>
         </a:spcBef>
-        <a:buFont typeface="Arial" pitchFamily="34" charset="0"/>
-        <a:buChar char=" "/>
-        <a:defRPr sz="2400" kern="1200">
+        <a:spcAft>
+          <a:spcPts val="0"/>
+        </a:spcAft>
+        <a:buClr>
+          <a:schemeClr val="accent1"/>
+        </a:buClr>
+        <a:buSzPct val="80000"/>
+        <a:buFont typeface="Wingdings 3" charset="2"/>
+        <a:buChar char=""/>
+        <a:defRPr sz="1600" kern="1200">
           <a:solidFill>
             <a:schemeClr val="tx1">
-              <a:lumMod val="85000"/>
-              <a:lumOff val="15000"/>
+              <a:lumMod val="75000"/>
+              <a:lumOff val="25000"/>
             </a:schemeClr>
           </a:solidFill>
           <a:latin typeface="+mn-lt"/>
@@ -3264,20 +5552,24 @@
           <a:cs typeface="+mn-cs"/>
         </a:defRPr>
       </a:lvl2pPr>
-      <a:lvl3pPr marL="548640" indent="-548640" algn="l" defTabSz="914400" rtl="0" eaLnBrk="1" latinLnBrk="0" hangingPunct="1">
-        <a:lnSpc>
-          <a:spcPct val="85000"/>
-        </a:lnSpc>
+      <a:lvl3pPr marL="1143000" indent="-228600" algn="l" defTabSz="457200" rtl="0" eaLnBrk="1" latinLnBrk="0" hangingPunct="1">
         <a:spcBef>
-          <a:spcPts val="600"/>
+          <a:spcPts val="1000"/>
         </a:spcBef>
-        <a:buFont typeface="Arial" pitchFamily="34" charset="0"/>
-        <a:buChar char=" "/>
-        <a:defRPr sz="2000" i="1" kern="1200">
+        <a:spcAft>
+          <a:spcPts val="0"/>
+        </a:spcAft>
+        <a:buClr>
+          <a:schemeClr val="accent1"/>
+        </a:buClr>
+        <a:buSzPct val="80000"/>
+        <a:buFont typeface="Wingdings 3" charset="2"/>
+        <a:buChar char=""/>
+        <a:defRPr sz="1400" kern="1200">
           <a:solidFill>
             <a:schemeClr val="tx1">
-              <a:lumMod val="85000"/>
-              <a:lumOff val="15000"/>
+              <a:lumMod val="75000"/>
+              <a:lumOff val="25000"/>
             </a:schemeClr>
           </a:solidFill>
           <a:latin typeface="+mn-lt"/>
@@ -3285,20 +5577,24 @@
           <a:cs typeface="+mn-cs"/>
         </a:defRPr>
       </a:lvl3pPr>
-      <a:lvl4pPr marL="822960" indent="-822960" algn="l" defTabSz="914400" rtl="0" eaLnBrk="1" latinLnBrk="0" hangingPunct="1">
-        <a:lnSpc>
-          <a:spcPct val="85000"/>
-        </a:lnSpc>
+      <a:lvl4pPr marL="1600200" indent="-228600" algn="l" defTabSz="457200" rtl="0" eaLnBrk="1" latinLnBrk="0" hangingPunct="1">
         <a:spcBef>
-          <a:spcPts val="600"/>
+          <a:spcPts val="1000"/>
         </a:spcBef>
-        <a:buFont typeface="Arial" pitchFamily="34" charset="0"/>
-        <a:buChar char=" "/>
-        <a:defRPr sz="1800" kern="1200">
+        <a:spcAft>
+          <a:spcPts val="0"/>
+        </a:spcAft>
+        <a:buClr>
+          <a:schemeClr val="accent1"/>
+        </a:buClr>
+        <a:buSzPct val="80000"/>
+        <a:buFont typeface="Wingdings 3" charset="2"/>
+        <a:buChar char=""/>
+        <a:defRPr sz="1200" kern="1200">
           <a:solidFill>
             <a:schemeClr val="tx1">
-              <a:lumMod val="85000"/>
-              <a:lumOff val="15000"/>
+              <a:lumMod val="75000"/>
+              <a:lumOff val="25000"/>
             </a:schemeClr>
           </a:solidFill>
           <a:latin typeface="+mn-lt"/>
@@ -3306,20 +5602,24 @@
           <a:cs typeface="+mn-cs"/>
         </a:defRPr>
       </a:lvl4pPr>
-      <a:lvl5pPr marL="1097280" indent="-1097280" algn="l" defTabSz="914400" rtl="0" eaLnBrk="1" latinLnBrk="0" hangingPunct="1">
-        <a:lnSpc>
-          <a:spcPct val="85000"/>
-        </a:lnSpc>
+      <a:lvl5pPr marL="2057400" indent="-228600" algn="l" defTabSz="457200" rtl="0" eaLnBrk="1" latinLnBrk="0" hangingPunct="1">
         <a:spcBef>
-          <a:spcPts val="600"/>
+          <a:spcPts val="1000"/>
         </a:spcBef>
-        <a:buFont typeface="Arial" pitchFamily="34" charset="0"/>
-        <a:buChar char=" "/>
-        <a:defRPr sz="1800" kern="1200">
+        <a:spcAft>
+          <a:spcPts val="0"/>
+        </a:spcAft>
+        <a:buClr>
+          <a:schemeClr val="accent1"/>
+        </a:buClr>
+        <a:buSzPct val="80000"/>
+        <a:buFont typeface="Wingdings 3" charset="2"/>
+        <a:buChar char=""/>
+        <a:defRPr sz="1200" kern="1200">
           <a:solidFill>
             <a:schemeClr val="tx1">
-              <a:lumMod val="85000"/>
-              <a:lumOff val="15000"/>
+              <a:lumMod val="75000"/>
+              <a:lumOff val="25000"/>
             </a:schemeClr>
           </a:solidFill>
           <a:latin typeface="+mn-lt"/>
@@ -3327,20 +5627,24 @@
           <a:cs typeface="+mn-cs"/>
         </a:defRPr>
       </a:lvl5pPr>
-      <a:lvl6pPr marL="1200000" indent="-228600" algn="l" defTabSz="914400" rtl="0" eaLnBrk="1" latinLnBrk="0" hangingPunct="1">
-        <a:lnSpc>
-          <a:spcPct val="85000"/>
-        </a:lnSpc>
+      <a:lvl6pPr marL="2514600" indent="-228600" algn="l" defTabSz="457200" rtl="0" eaLnBrk="1" latinLnBrk="0" hangingPunct="1">
         <a:spcBef>
-          <a:spcPts val="600"/>
+          <a:spcPts val="1000"/>
         </a:spcBef>
-        <a:buFont typeface="Arial" pitchFamily="34" charset="0"/>
-        <a:buChar char=" "/>
-        <a:defRPr sz="1800" kern="1200">
+        <a:spcAft>
+          <a:spcPts val="0"/>
+        </a:spcAft>
+        <a:buClr>
+          <a:schemeClr val="accent1"/>
+        </a:buClr>
+        <a:buSzPct val="80000"/>
+        <a:buFont typeface="Wingdings 3" charset="2"/>
+        <a:buChar char=""/>
+        <a:defRPr sz="1200" kern="1200">
           <a:solidFill>
             <a:schemeClr val="tx1">
-              <a:lumMod val="85000"/>
-              <a:lumOff val="15000"/>
+              <a:lumMod val="75000"/>
+              <a:lumOff val="25000"/>
             </a:schemeClr>
           </a:solidFill>
           <a:latin typeface="+mn-lt"/>
@@ -3348,20 +5652,24 @@
           <a:cs typeface="+mn-cs"/>
         </a:defRPr>
       </a:lvl6pPr>
-      <a:lvl7pPr marL="1400000" indent="-228600" algn="l" defTabSz="914400" rtl="0" eaLnBrk="1" latinLnBrk="0" hangingPunct="1">
-        <a:lnSpc>
-          <a:spcPct val="85000"/>
-        </a:lnSpc>
+      <a:lvl7pPr marL="2971800" indent="-228600" algn="l" defTabSz="457200" rtl="0" eaLnBrk="1" latinLnBrk="0" hangingPunct="1">
         <a:spcBef>
-          <a:spcPts val="600"/>
+          <a:spcPts val="1000"/>
         </a:spcBef>
-        <a:buFont typeface="Arial" pitchFamily="34" charset="0"/>
-        <a:buChar char=" "/>
-        <a:defRPr sz="1800" kern="1200">
+        <a:spcAft>
+          <a:spcPts val="0"/>
+        </a:spcAft>
+        <a:buClr>
+          <a:schemeClr val="accent1"/>
+        </a:buClr>
+        <a:buSzPct val="80000"/>
+        <a:buFont typeface="Wingdings 3" charset="2"/>
+        <a:buChar char=""/>
+        <a:defRPr sz="1200" kern="1200">
           <a:solidFill>
             <a:schemeClr val="tx1">
-              <a:lumMod val="85000"/>
-              <a:lumOff val="15000"/>
+              <a:lumMod val="75000"/>
+              <a:lumOff val="25000"/>
             </a:schemeClr>
           </a:solidFill>
           <a:latin typeface="+mn-lt"/>
@@ -3369,20 +5677,24 @@
           <a:cs typeface="+mn-cs"/>
         </a:defRPr>
       </a:lvl7pPr>
-      <a:lvl8pPr marL="1600000" indent="-228600" algn="l" defTabSz="914400" rtl="0" eaLnBrk="1" latinLnBrk="0" hangingPunct="1">
-        <a:lnSpc>
-          <a:spcPct val="85000"/>
-        </a:lnSpc>
+      <a:lvl8pPr marL="3429000" indent="-228600" algn="l" defTabSz="457200" rtl="0" eaLnBrk="1" latinLnBrk="0" hangingPunct="1">
         <a:spcBef>
-          <a:spcPts val="600"/>
+          <a:spcPts val="1000"/>
         </a:spcBef>
-        <a:buFont typeface="Arial" pitchFamily="34" charset="0"/>
-        <a:buChar char=" "/>
-        <a:defRPr sz="1800" kern="1200">
+        <a:spcAft>
+          <a:spcPts val="0"/>
+        </a:spcAft>
+        <a:buClr>
+          <a:schemeClr val="accent1"/>
+        </a:buClr>
+        <a:buSzPct val="80000"/>
+        <a:buFont typeface="Wingdings 3" charset="2"/>
+        <a:buChar char=""/>
+        <a:defRPr sz="1200" kern="1200">
           <a:solidFill>
             <a:schemeClr val="tx1">
-              <a:lumMod val="85000"/>
-              <a:lumOff val="15000"/>
+              <a:lumMod val="75000"/>
+              <a:lumOff val="25000"/>
             </a:schemeClr>
           </a:solidFill>
           <a:latin typeface="+mn-lt"/>
@@ -3390,20 +5702,24 @@
           <a:cs typeface="+mn-cs"/>
         </a:defRPr>
       </a:lvl8pPr>
-      <a:lvl9pPr marL="1800000" indent="-228600" algn="l" defTabSz="914400" rtl="0" eaLnBrk="1" latinLnBrk="0" hangingPunct="1">
-        <a:lnSpc>
-          <a:spcPct val="85000"/>
-        </a:lnSpc>
+      <a:lvl9pPr marL="3886200" indent="-228600" algn="l" defTabSz="457200" rtl="0" eaLnBrk="1" latinLnBrk="0" hangingPunct="1">
         <a:spcBef>
-          <a:spcPts val="600"/>
+          <a:spcPts val="1000"/>
         </a:spcBef>
-        <a:buFont typeface="Arial" pitchFamily="34" charset="0"/>
-        <a:buChar char=" "/>
-        <a:defRPr sz="1800" kern="1200">
+        <a:spcAft>
+          <a:spcPts val="0"/>
+        </a:spcAft>
+        <a:buClr>
+          <a:schemeClr val="accent1"/>
+        </a:buClr>
+        <a:buSzPct val="80000"/>
+        <a:buFont typeface="Wingdings 3" charset="2"/>
+        <a:buChar char=""/>
+        <a:defRPr sz="1200" kern="1200">
           <a:solidFill>
             <a:schemeClr val="tx1">
-              <a:lumMod val="85000"/>
-              <a:lumOff val="15000"/>
+              <a:lumMod val="75000"/>
+              <a:lumOff val="25000"/>
             </a:schemeClr>
           </a:solidFill>
           <a:latin typeface="+mn-lt"/>
@@ -3416,7 +5732,7 @@
       <a:defPPr>
         <a:defRPr lang="en-US"/>
       </a:defPPr>
-      <a:lvl1pPr marL="0" algn="l" defTabSz="914400" rtl="0" eaLnBrk="1" latinLnBrk="0" hangingPunct="1">
+      <a:lvl1pPr marL="0" algn="l" defTabSz="457200" rtl="0" eaLnBrk="1" latinLnBrk="0" hangingPunct="1">
         <a:defRPr sz="1800" kern="1200">
           <a:solidFill>
             <a:schemeClr val="tx1"/>
@@ -3426,7 +5742,7 @@
           <a:cs typeface="+mn-cs"/>
         </a:defRPr>
       </a:lvl1pPr>
-      <a:lvl2pPr marL="457200" algn="l" defTabSz="914400" rtl="0" eaLnBrk="1" latinLnBrk="0" hangingPunct="1">
+      <a:lvl2pPr marL="457200" algn="l" defTabSz="457200" rtl="0" eaLnBrk="1" latinLnBrk="0" hangingPunct="1">
         <a:defRPr sz="1800" kern="1200">
           <a:solidFill>
             <a:schemeClr val="tx1"/>
@@ -3436,7 +5752,7 @@
           <a:cs typeface="+mn-cs"/>
         </a:defRPr>
       </a:lvl2pPr>
-      <a:lvl3pPr marL="914400" algn="l" defTabSz="914400" rtl="0" eaLnBrk="1" latinLnBrk="0" hangingPunct="1">
+      <a:lvl3pPr marL="914400" algn="l" defTabSz="457200" rtl="0" eaLnBrk="1" latinLnBrk="0" hangingPunct="1">
         <a:defRPr sz="1800" kern="1200">
           <a:solidFill>
             <a:schemeClr val="tx1"/>
@@ -3446,7 +5762,7 @@
           <a:cs typeface="+mn-cs"/>
         </a:defRPr>
       </a:lvl3pPr>
-      <a:lvl4pPr marL="1371600" algn="l" defTabSz="914400" rtl="0" eaLnBrk="1" latinLnBrk="0" hangingPunct="1">
+      <a:lvl4pPr marL="1371600" algn="l" defTabSz="457200" rtl="0" eaLnBrk="1" latinLnBrk="0" hangingPunct="1">
         <a:defRPr sz="1800" kern="1200">
           <a:solidFill>
             <a:schemeClr val="tx1"/>
@@ -3456,7 +5772,7 @@
           <a:cs typeface="+mn-cs"/>
         </a:defRPr>
       </a:lvl4pPr>
-      <a:lvl5pPr marL="1828800" algn="l" defTabSz="914400" rtl="0" eaLnBrk="1" latinLnBrk="0" hangingPunct="1">
+      <a:lvl5pPr marL="1828800" algn="l" defTabSz="457200" rtl="0" eaLnBrk="1" latinLnBrk="0" hangingPunct="1">
         <a:defRPr sz="1800" kern="1200">
           <a:solidFill>
             <a:schemeClr val="tx1"/>
@@ -3466,7 +5782,7 @@
           <a:cs typeface="+mn-cs"/>
         </a:defRPr>
       </a:lvl5pPr>
-      <a:lvl6pPr marL="2286000" algn="l" defTabSz="914400" rtl="0" eaLnBrk="1" latinLnBrk="0" hangingPunct="1">
+      <a:lvl6pPr marL="2286000" algn="l" defTabSz="457200" rtl="0" eaLnBrk="1" latinLnBrk="0" hangingPunct="1">
         <a:defRPr sz="1800" kern="1200">
           <a:solidFill>
             <a:schemeClr val="tx1"/>
@@ -3476,7 +5792,7 @@
           <a:cs typeface="+mn-cs"/>
         </a:defRPr>
       </a:lvl6pPr>
-      <a:lvl7pPr marL="2743200" algn="l" defTabSz="914400" rtl="0" eaLnBrk="1" latinLnBrk="0" hangingPunct="1">
+      <a:lvl7pPr marL="2743200" algn="l" defTabSz="457200" rtl="0" eaLnBrk="1" latinLnBrk="0" hangingPunct="1">
         <a:defRPr sz="1800" kern="1200">
           <a:solidFill>
             <a:schemeClr val="tx1"/>
@@ -3486,7 +5802,7 @@
           <a:cs typeface="+mn-cs"/>
         </a:defRPr>
       </a:lvl7pPr>
-      <a:lvl8pPr marL="3200400" algn="l" defTabSz="914400" rtl="0" eaLnBrk="1" latinLnBrk="0" hangingPunct="1">
+      <a:lvl8pPr marL="3200400" algn="l" defTabSz="457200" rtl="0" eaLnBrk="1" latinLnBrk="0" hangingPunct="1">
         <a:defRPr sz="1800" kern="1200">
           <a:solidFill>
             <a:schemeClr val="tx1"/>
@@ -3496,7 +5812,7 @@
           <a:cs typeface="+mn-cs"/>
         </a:defRPr>
       </a:lvl8pPr>
-      <a:lvl9pPr marL="3657600" algn="l" defTabSz="914400" rtl="0" eaLnBrk="1" latinLnBrk="0" hangingPunct="1">
+      <a:lvl9pPr marL="3657600" algn="l" defTabSz="457200" rtl="0" eaLnBrk="1" latinLnBrk="0" hangingPunct="1">
         <a:defRPr sz="1800" kern="1200">
           <a:solidFill>
             <a:schemeClr val="tx1"/>
@@ -3559,7 +5875,7 @@
           <a:graphicData uri="http://schemas.openxmlformats.org/presentationml/2006/ole">
             <mc:AlternateContent xmlns:mc="http://schemas.openxmlformats.org/markup-compatibility/2006">
               <mc:Choice xmlns:v="urn:schemas-microsoft-com:vml" Requires="v">
-                <p:oleObj spid="_x0000_s1058" name="think-cell Slide" r:id="rId5" imgW="473" imgH="471" progId="TCLayout.ActiveDocument.1">
+                <p:oleObj spid="_x0000_s1079" name="think-cell Slide" r:id="rId5" imgW="473" imgH="471" progId="TCLayout.ActiveDocument.1">
                   <p:embed/>
                 </p:oleObj>
               </mc:Choice>
@@ -3695,6 +6011,1156 @@
     <p:extLst>
       <p:ext uri="{BB962C8B-B14F-4D97-AF65-F5344CB8AC3E}">
         <p14:creationId xmlns:p14="http://schemas.microsoft.com/office/powerpoint/2010/main" val="3044197780"/>
+      </p:ext>
+    </p:extLst>
+  </p:cSld>
+  <p:clrMapOvr>
+    <a:masterClrMapping/>
+  </p:clrMapOvr>
+</p:sld>
+</file>
+
+<file path=ppt/slides/slide10.xml><?xml version="1.0" encoding="utf-8"?>
+<p:sld xmlns:a="http://schemas.openxmlformats.org/drawingml/2006/main" xmlns:r="http://schemas.openxmlformats.org/officeDocument/2006/relationships" xmlns:p="http://schemas.openxmlformats.org/presentationml/2006/main">
+  <p:cSld>
+    <p:spTree>
+      <p:nvGrpSpPr>
+        <p:cNvPr id="1" name=""/>
+        <p:cNvGrpSpPr/>
+        <p:nvPr/>
+      </p:nvGrpSpPr>
+      <p:grpSpPr>
+        <a:xfrm>
+          <a:off x="0" y="0"/>
+          <a:ext cx="0" cy="0"/>
+          <a:chOff x="0" y="0"/>
+          <a:chExt cx="0" cy="0"/>
+        </a:xfrm>
+      </p:grpSpPr>
+      <p:graphicFrame>
+        <p:nvGraphicFramePr>
+          <p:cNvPr id="5" name="Object 4" hidden="1">
+            <a:extLst>
+              <a:ext uri="{FF2B5EF4-FFF2-40B4-BE49-F238E27FC236}">
+                <a16:creationId xmlns:a16="http://schemas.microsoft.com/office/drawing/2014/main" id="{CE099960-EAED-4DD5-98F8-A088DFCD2CCA}"/>
+              </a:ext>
+            </a:extLst>
+          </p:cNvPr>
+          <p:cNvGraphicFramePr>
+            <a:graphicFrameLocks noChangeAspect="1"/>
+          </p:cNvGraphicFramePr>
+          <p:nvPr>
+            <p:custDataLst>
+              <p:tags r:id="rId2"/>
+            </p:custDataLst>
+            <p:extLst>
+              <p:ext uri="{D42A27DB-BD31-4B8C-83A1-F6EECF244321}">
+                <p14:modId xmlns:p14="http://schemas.microsoft.com/office/powerpoint/2010/main" val="739101240"/>
+              </p:ext>
+            </p:extLst>
+          </p:nvPr>
+        </p:nvGraphicFramePr>
+        <p:xfrm>
+          <a:off x="1588" y="1588"/>
+          <a:ext cx="1588" cy="1588"/>
+        </p:xfrm>
+        <a:graphic>
+          <a:graphicData uri="http://schemas.openxmlformats.org/presentationml/2006/ole">
+            <mc:AlternateContent xmlns:mc="http://schemas.openxmlformats.org/markup-compatibility/2006">
+              <mc:Choice xmlns:v="urn:schemas-microsoft-com:vml" Requires="v">
+                <p:oleObj spid="_x0000_s11284" name="think-cell Slide" r:id="rId5" imgW="473" imgH="471" progId="TCLayout.ActiveDocument.1">
+                  <p:embed/>
+                </p:oleObj>
+              </mc:Choice>
+              <mc:Fallback>
+                <p:oleObj name="think-cell Slide" r:id="rId5" imgW="473" imgH="471" progId="TCLayout.ActiveDocument.1">
+                  <p:embed/>
+                  <p:pic>
+                    <p:nvPicPr>
+                      <p:cNvPr id="5" name="Object 4" hidden="1">
+                        <a:extLst>
+                          <a:ext uri="{FF2B5EF4-FFF2-40B4-BE49-F238E27FC236}">
+                            <a16:creationId xmlns:a16="http://schemas.microsoft.com/office/drawing/2014/main" id="{CE099960-EAED-4DD5-98F8-A088DFCD2CCA}"/>
+                          </a:ext>
+                        </a:extLst>
+                      </p:cNvPr>
+                      <p:cNvPicPr/>
+                      <p:nvPr/>
+                    </p:nvPicPr>
+                    <p:blipFill>
+                      <a:blip r:embed="rId6"/>
+                      <a:stretch>
+                        <a:fillRect/>
+                      </a:stretch>
+                    </p:blipFill>
+                    <p:spPr>
+                      <a:xfrm>
+                        <a:off x="1588" y="1588"/>
+                        <a:ext cx="1588" cy="1588"/>
+                      </a:xfrm>
+                      <a:prstGeom prst="rect">
+                        <a:avLst/>
+                      </a:prstGeom>
+                    </p:spPr>
+                  </p:pic>
+                </p:oleObj>
+              </mc:Fallback>
+            </mc:AlternateContent>
+          </a:graphicData>
+        </a:graphic>
+      </p:graphicFrame>
+      <p:sp>
+        <p:nvSpPr>
+          <p:cNvPr id="4" name="Rectangle 3" hidden="1">
+            <a:extLst>
+              <a:ext uri="{FF2B5EF4-FFF2-40B4-BE49-F238E27FC236}">
+                <a16:creationId xmlns:a16="http://schemas.microsoft.com/office/drawing/2014/main" id="{A806895A-E40D-434D-A81C-08DAC7C85A23}"/>
+              </a:ext>
+            </a:extLst>
+          </p:cNvPr>
+          <p:cNvSpPr/>
+          <p:nvPr>
+            <p:custDataLst>
+              <p:tags r:id="rId3"/>
+            </p:custDataLst>
+          </p:nvPr>
+        </p:nvSpPr>
+        <p:spPr>
+          <a:xfrm>
+            <a:off x="0" y="0"/>
+            <a:ext cx="158750" cy="158750"/>
+          </a:xfrm>
+          <a:prstGeom prst="rect">
+            <a:avLst/>
+          </a:prstGeom>
+        </p:spPr>
+        <p:style>
+          <a:lnRef idx="2">
+            <a:schemeClr val="accent1">
+              <a:shade val="50000"/>
+            </a:schemeClr>
+          </a:lnRef>
+          <a:fillRef idx="1">
+            <a:schemeClr val="accent1"/>
+          </a:fillRef>
+          <a:effectRef idx="0">
+            <a:schemeClr val="accent1"/>
+          </a:effectRef>
+          <a:fontRef idx="minor">
+            <a:schemeClr val="lt1"/>
+          </a:fontRef>
+        </p:style>
+        <p:txBody>
+          <a:bodyPr vert="horz" wrap="none" lIns="0" tIns="0" rIns="0" bIns="0" numCol="1" spcCol="0" rtlCol="0" anchor="ctr" anchorCtr="0">
+            <a:noAutofit/>
+          </a:bodyPr>
+          <a:lstStyle/>
+          <a:p>
+            <a:pPr algn="ctr">
+              <a:spcBef>
+                <a:spcPct val="0"/>
+              </a:spcBef>
+              <a:spcAft>
+                <a:spcPct val="0"/>
+              </a:spcAft>
+            </a:pPr>
+            <a:endParaRPr lang="en-US" sz="3600" dirty="0">
+              <a:latin typeface="Trebuchet MS" panose="020B0603020202020204" pitchFamily="34" charset="0"/>
+              <a:ea typeface="+mj-ea"/>
+              <a:cs typeface="+mj-cs"/>
+              <a:sym typeface="Trebuchet MS" panose="020B0603020202020204" pitchFamily="34" charset="0"/>
+            </a:endParaRPr>
+          </a:p>
+        </p:txBody>
+      </p:sp>
+      <p:sp>
+        <p:nvSpPr>
+          <p:cNvPr id="2" name="Title 1">
+            <a:extLst>
+              <a:ext uri="{FF2B5EF4-FFF2-40B4-BE49-F238E27FC236}">
+                <a16:creationId xmlns:a16="http://schemas.microsoft.com/office/drawing/2014/main" id="{91B77837-81B7-4D08-80C2-A1733D98C998}"/>
+              </a:ext>
+            </a:extLst>
+          </p:cNvPr>
+          <p:cNvSpPr>
+            <a:spLocks noGrp="1"/>
+          </p:cNvSpPr>
+          <p:nvPr>
+            <p:ph type="title"/>
+          </p:nvPr>
+        </p:nvSpPr>
+        <p:spPr/>
+        <p:txBody>
+          <a:bodyPr/>
+          <a:lstStyle/>
+          <a:p>
+            <a:r>
+              <a:rPr lang="en-US" dirty="0"/>
+              <a:t>Left Join</a:t>
+            </a:r>
+          </a:p>
+        </p:txBody>
+      </p:sp>
+      <p:pic>
+        <p:nvPicPr>
+          <p:cNvPr id="9" name="Picture 8">
+            <a:extLst>
+              <a:ext uri="{FF2B5EF4-FFF2-40B4-BE49-F238E27FC236}">
+                <a16:creationId xmlns:a16="http://schemas.microsoft.com/office/drawing/2014/main" id="{3D41A065-FC17-4281-A29C-AAE899B4A550}"/>
+              </a:ext>
+            </a:extLst>
+          </p:cNvPr>
+          <p:cNvPicPr>
+            <a:picLocks noChangeAspect="1"/>
+          </p:cNvPicPr>
+          <p:nvPr/>
+        </p:nvPicPr>
+        <p:blipFill>
+          <a:blip r:embed="rId7"/>
+          <a:stretch>
+            <a:fillRect/>
+          </a:stretch>
+        </p:blipFill>
+        <p:spPr>
+          <a:xfrm>
+            <a:off x="461090" y="2132572"/>
+            <a:ext cx="8812912" cy="2750060"/>
+          </a:xfrm>
+          <a:prstGeom prst="rect">
+            <a:avLst/>
+          </a:prstGeom>
+        </p:spPr>
+      </p:pic>
+      <p:sp>
+        <p:nvSpPr>
+          <p:cNvPr id="11" name="Content Placeholder 2">
+            <a:extLst>
+              <a:ext uri="{FF2B5EF4-FFF2-40B4-BE49-F238E27FC236}">
+                <a16:creationId xmlns:a16="http://schemas.microsoft.com/office/drawing/2014/main" id="{40C7D9DC-DAD3-47FE-A915-98E789BD2130}"/>
+              </a:ext>
+            </a:extLst>
+          </p:cNvPr>
+          <p:cNvSpPr>
+            <a:spLocks noGrp="1"/>
+          </p:cNvSpPr>
+          <p:nvPr>
+            <p:ph idx="1"/>
+          </p:nvPr>
+        </p:nvSpPr>
+        <p:spPr>
+          <a:xfrm>
+            <a:off x="677334" y="1456195"/>
+            <a:ext cx="8596668" cy="578761"/>
+          </a:xfrm>
+        </p:spPr>
+        <p:txBody>
+          <a:bodyPr>
+            <a:normAutofit fontScale="70000" lnSpcReduction="20000"/>
+          </a:bodyPr>
+          <a:lstStyle/>
+          <a:p>
+            <a:r>
+              <a:rPr lang="en-US" dirty="0"/>
+              <a:t>All Customer IDs 1, 2, 3, 4 &amp; 5 from the left table will be included in the joined table but since IDs 4 &amp; 5 aren’t present in the right table, the Order date and amount (information fetched from the right table) will be NULL</a:t>
+            </a:r>
+          </a:p>
+        </p:txBody>
+      </p:sp>
+      <p:pic>
+        <p:nvPicPr>
+          <p:cNvPr id="3" name="Picture 2">
+            <a:extLst>
+              <a:ext uri="{FF2B5EF4-FFF2-40B4-BE49-F238E27FC236}">
+                <a16:creationId xmlns:a16="http://schemas.microsoft.com/office/drawing/2014/main" id="{AE6523EA-D508-4A73-B6C8-F72E26C3BB2C}"/>
+              </a:ext>
+            </a:extLst>
+          </p:cNvPr>
+          <p:cNvPicPr>
+            <a:picLocks noChangeAspect="1"/>
+          </p:cNvPicPr>
+          <p:nvPr/>
+        </p:nvPicPr>
+        <p:blipFill>
+          <a:blip r:embed="rId8"/>
+          <a:stretch>
+            <a:fillRect/>
+          </a:stretch>
+        </p:blipFill>
+        <p:spPr>
+          <a:xfrm>
+            <a:off x="761271" y="4980248"/>
+            <a:ext cx="8295227" cy="1646343"/>
+          </a:xfrm>
+          <a:prstGeom prst="rect">
+            <a:avLst/>
+          </a:prstGeom>
+        </p:spPr>
+      </p:pic>
+    </p:spTree>
+    <p:extLst>
+      <p:ext uri="{BB962C8B-B14F-4D97-AF65-F5344CB8AC3E}">
+        <p14:creationId xmlns:p14="http://schemas.microsoft.com/office/powerpoint/2010/main" val="527231422"/>
+      </p:ext>
+    </p:extLst>
+  </p:cSld>
+  <p:clrMapOvr>
+    <a:masterClrMapping/>
+  </p:clrMapOvr>
+</p:sld>
+</file>
+
+<file path=ppt/slides/slide11.xml><?xml version="1.0" encoding="utf-8"?>
+<p:sld xmlns:a="http://schemas.openxmlformats.org/drawingml/2006/main" xmlns:r="http://schemas.openxmlformats.org/officeDocument/2006/relationships" xmlns:p="http://schemas.openxmlformats.org/presentationml/2006/main">
+  <p:cSld>
+    <p:spTree>
+      <p:nvGrpSpPr>
+        <p:cNvPr id="1" name=""/>
+        <p:cNvGrpSpPr/>
+        <p:nvPr/>
+      </p:nvGrpSpPr>
+      <p:grpSpPr>
+        <a:xfrm>
+          <a:off x="0" y="0"/>
+          <a:ext cx="0" cy="0"/>
+          <a:chOff x="0" y="0"/>
+          <a:chExt cx="0" cy="0"/>
+        </a:xfrm>
+      </p:grpSpPr>
+      <p:graphicFrame>
+        <p:nvGraphicFramePr>
+          <p:cNvPr id="5" name="Object 4" hidden="1">
+            <a:extLst>
+              <a:ext uri="{FF2B5EF4-FFF2-40B4-BE49-F238E27FC236}">
+                <a16:creationId xmlns:a16="http://schemas.microsoft.com/office/drawing/2014/main" id="{CE099960-EAED-4DD5-98F8-A088DFCD2CCA}"/>
+              </a:ext>
+            </a:extLst>
+          </p:cNvPr>
+          <p:cNvGraphicFramePr>
+            <a:graphicFrameLocks noChangeAspect="1"/>
+          </p:cNvGraphicFramePr>
+          <p:nvPr>
+            <p:custDataLst>
+              <p:tags r:id="rId2"/>
+            </p:custDataLst>
+            <p:extLst>
+              <p:ext uri="{D42A27DB-BD31-4B8C-83A1-F6EECF244321}">
+                <p14:modId xmlns:p14="http://schemas.microsoft.com/office/powerpoint/2010/main" val="37003026"/>
+              </p:ext>
+            </p:extLst>
+          </p:nvPr>
+        </p:nvGraphicFramePr>
+        <p:xfrm>
+          <a:off x="1588" y="1588"/>
+          <a:ext cx="1588" cy="1588"/>
+        </p:xfrm>
+        <a:graphic>
+          <a:graphicData uri="http://schemas.openxmlformats.org/presentationml/2006/ole">
+            <mc:AlternateContent xmlns:mc="http://schemas.openxmlformats.org/markup-compatibility/2006">
+              <mc:Choice xmlns:v="urn:schemas-microsoft-com:vml" Requires="v">
+                <p:oleObj spid="_x0000_s12304" name="think-cell Slide" r:id="rId5" imgW="473" imgH="471" progId="TCLayout.ActiveDocument.1">
+                  <p:embed/>
+                </p:oleObj>
+              </mc:Choice>
+              <mc:Fallback>
+                <p:oleObj name="think-cell Slide" r:id="rId5" imgW="473" imgH="471" progId="TCLayout.ActiveDocument.1">
+                  <p:embed/>
+                  <p:pic>
+                    <p:nvPicPr>
+                      <p:cNvPr id="5" name="Object 4" hidden="1">
+                        <a:extLst>
+                          <a:ext uri="{FF2B5EF4-FFF2-40B4-BE49-F238E27FC236}">
+                            <a16:creationId xmlns:a16="http://schemas.microsoft.com/office/drawing/2014/main" id="{CE099960-EAED-4DD5-98F8-A088DFCD2CCA}"/>
+                          </a:ext>
+                        </a:extLst>
+                      </p:cNvPr>
+                      <p:cNvPicPr/>
+                      <p:nvPr/>
+                    </p:nvPicPr>
+                    <p:blipFill>
+                      <a:blip r:embed="rId6"/>
+                      <a:stretch>
+                        <a:fillRect/>
+                      </a:stretch>
+                    </p:blipFill>
+                    <p:spPr>
+                      <a:xfrm>
+                        <a:off x="1588" y="1588"/>
+                        <a:ext cx="1588" cy="1588"/>
+                      </a:xfrm>
+                      <a:prstGeom prst="rect">
+                        <a:avLst/>
+                      </a:prstGeom>
+                    </p:spPr>
+                  </p:pic>
+                </p:oleObj>
+              </mc:Fallback>
+            </mc:AlternateContent>
+          </a:graphicData>
+        </a:graphic>
+      </p:graphicFrame>
+      <p:sp>
+        <p:nvSpPr>
+          <p:cNvPr id="4" name="Rectangle 3" hidden="1">
+            <a:extLst>
+              <a:ext uri="{FF2B5EF4-FFF2-40B4-BE49-F238E27FC236}">
+                <a16:creationId xmlns:a16="http://schemas.microsoft.com/office/drawing/2014/main" id="{A806895A-E40D-434D-A81C-08DAC7C85A23}"/>
+              </a:ext>
+            </a:extLst>
+          </p:cNvPr>
+          <p:cNvSpPr/>
+          <p:nvPr>
+            <p:custDataLst>
+              <p:tags r:id="rId3"/>
+            </p:custDataLst>
+          </p:nvPr>
+        </p:nvSpPr>
+        <p:spPr>
+          <a:xfrm>
+            <a:off x="0" y="0"/>
+            <a:ext cx="158750" cy="158750"/>
+          </a:xfrm>
+          <a:prstGeom prst="rect">
+            <a:avLst/>
+          </a:prstGeom>
+        </p:spPr>
+        <p:style>
+          <a:lnRef idx="2">
+            <a:schemeClr val="accent1">
+              <a:shade val="50000"/>
+            </a:schemeClr>
+          </a:lnRef>
+          <a:fillRef idx="1">
+            <a:schemeClr val="accent1"/>
+          </a:fillRef>
+          <a:effectRef idx="0">
+            <a:schemeClr val="accent1"/>
+          </a:effectRef>
+          <a:fontRef idx="minor">
+            <a:schemeClr val="lt1"/>
+          </a:fontRef>
+        </p:style>
+        <p:txBody>
+          <a:bodyPr vert="horz" wrap="none" lIns="0" tIns="0" rIns="0" bIns="0" numCol="1" spcCol="0" rtlCol="0" anchor="ctr" anchorCtr="0">
+            <a:noAutofit/>
+          </a:bodyPr>
+          <a:lstStyle/>
+          <a:p>
+            <a:pPr algn="ctr">
+              <a:spcBef>
+                <a:spcPct val="0"/>
+              </a:spcBef>
+              <a:spcAft>
+                <a:spcPct val="0"/>
+              </a:spcAft>
+            </a:pPr>
+            <a:endParaRPr lang="en-US" sz="3600" dirty="0">
+              <a:latin typeface="Trebuchet MS" panose="020B0603020202020204" pitchFamily="34" charset="0"/>
+              <a:ea typeface="+mj-ea"/>
+              <a:cs typeface="+mj-cs"/>
+              <a:sym typeface="Trebuchet MS" panose="020B0603020202020204" pitchFamily="34" charset="0"/>
+            </a:endParaRPr>
+          </a:p>
+        </p:txBody>
+      </p:sp>
+      <p:sp>
+        <p:nvSpPr>
+          <p:cNvPr id="2" name="Title 1">
+            <a:extLst>
+              <a:ext uri="{FF2B5EF4-FFF2-40B4-BE49-F238E27FC236}">
+                <a16:creationId xmlns:a16="http://schemas.microsoft.com/office/drawing/2014/main" id="{91B77837-81B7-4D08-80C2-A1733D98C998}"/>
+              </a:ext>
+            </a:extLst>
+          </p:cNvPr>
+          <p:cNvSpPr>
+            <a:spLocks noGrp="1"/>
+          </p:cNvSpPr>
+          <p:nvPr>
+            <p:ph type="title"/>
+          </p:nvPr>
+        </p:nvSpPr>
+        <p:spPr/>
+        <p:txBody>
+          <a:bodyPr/>
+          <a:lstStyle/>
+          <a:p>
+            <a:r>
+              <a:rPr lang="en-US" dirty="0"/>
+              <a:t>Right Join</a:t>
+            </a:r>
+          </a:p>
+        </p:txBody>
+      </p:sp>
+      <p:pic>
+        <p:nvPicPr>
+          <p:cNvPr id="9" name="Picture 8">
+            <a:extLst>
+              <a:ext uri="{FF2B5EF4-FFF2-40B4-BE49-F238E27FC236}">
+                <a16:creationId xmlns:a16="http://schemas.microsoft.com/office/drawing/2014/main" id="{3D41A065-FC17-4281-A29C-AAE899B4A550}"/>
+              </a:ext>
+            </a:extLst>
+          </p:cNvPr>
+          <p:cNvPicPr>
+            <a:picLocks noChangeAspect="1"/>
+          </p:cNvPicPr>
+          <p:nvPr/>
+        </p:nvPicPr>
+        <p:blipFill>
+          <a:blip r:embed="rId7"/>
+          <a:stretch>
+            <a:fillRect/>
+          </a:stretch>
+        </p:blipFill>
+        <p:spPr>
+          <a:xfrm>
+            <a:off x="461090" y="2132572"/>
+            <a:ext cx="8812912" cy="2750060"/>
+          </a:xfrm>
+          <a:prstGeom prst="rect">
+            <a:avLst/>
+          </a:prstGeom>
+        </p:spPr>
+      </p:pic>
+      <p:sp>
+        <p:nvSpPr>
+          <p:cNvPr id="11" name="Content Placeholder 2">
+            <a:extLst>
+              <a:ext uri="{FF2B5EF4-FFF2-40B4-BE49-F238E27FC236}">
+                <a16:creationId xmlns:a16="http://schemas.microsoft.com/office/drawing/2014/main" id="{40C7D9DC-DAD3-47FE-A915-98E789BD2130}"/>
+              </a:ext>
+            </a:extLst>
+          </p:cNvPr>
+          <p:cNvSpPr>
+            <a:spLocks noGrp="1"/>
+          </p:cNvSpPr>
+          <p:nvPr>
+            <p:ph idx="1"/>
+          </p:nvPr>
+        </p:nvSpPr>
+        <p:spPr>
+          <a:xfrm>
+            <a:off x="677334" y="1456195"/>
+            <a:ext cx="8596668" cy="578761"/>
+          </a:xfrm>
+        </p:spPr>
+        <p:txBody>
+          <a:bodyPr>
+            <a:normAutofit fontScale="70000" lnSpcReduction="20000"/>
+          </a:bodyPr>
+          <a:lstStyle/>
+          <a:p>
+            <a:r>
+              <a:rPr lang="en-US" dirty="0"/>
+              <a:t>All Customer IDs 1, 2, 3, 9 &amp; 10 from the right table will be included in the joined table but since IDs 9 &amp; 10 aren’t present in the left table, the First and Last name (information fetched from the left table) will be NULL</a:t>
+            </a:r>
+          </a:p>
+        </p:txBody>
+      </p:sp>
+      <p:pic>
+        <p:nvPicPr>
+          <p:cNvPr id="6" name="Picture 5">
+            <a:extLst>
+              <a:ext uri="{FF2B5EF4-FFF2-40B4-BE49-F238E27FC236}">
+                <a16:creationId xmlns:a16="http://schemas.microsoft.com/office/drawing/2014/main" id="{D60D2B62-8CBD-4A1E-96AC-41EE16337526}"/>
+              </a:ext>
+            </a:extLst>
+          </p:cNvPr>
+          <p:cNvPicPr>
+            <a:picLocks noChangeAspect="1"/>
+          </p:cNvPicPr>
+          <p:nvPr/>
+        </p:nvPicPr>
+        <p:blipFill>
+          <a:blip r:embed="rId8"/>
+          <a:stretch>
+            <a:fillRect/>
+          </a:stretch>
+        </p:blipFill>
+        <p:spPr>
+          <a:xfrm>
+            <a:off x="1074317" y="4935868"/>
+            <a:ext cx="7586457" cy="1527292"/>
+          </a:xfrm>
+          <a:prstGeom prst="rect">
+            <a:avLst/>
+          </a:prstGeom>
+        </p:spPr>
+      </p:pic>
+    </p:spTree>
+    <p:extLst>
+      <p:ext uri="{BB962C8B-B14F-4D97-AF65-F5344CB8AC3E}">
+        <p14:creationId xmlns:p14="http://schemas.microsoft.com/office/powerpoint/2010/main" val="2783100218"/>
+      </p:ext>
+    </p:extLst>
+  </p:cSld>
+  <p:clrMapOvr>
+    <a:masterClrMapping/>
+  </p:clrMapOvr>
+</p:sld>
+</file>
+
+<file path=ppt/slides/slide12.xml><?xml version="1.0" encoding="utf-8"?>
+<p:sld xmlns:a="http://schemas.openxmlformats.org/drawingml/2006/main" xmlns:r="http://schemas.openxmlformats.org/officeDocument/2006/relationships" xmlns:p="http://schemas.openxmlformats.org/presentationml/2006/main">
+  <p:cSld>
+    <p:spTree>
+      <p:nvGrpSpPr>
+        <p:cNvPr id="1" name=""/>
+        <p:cNvGrpSpPr/>
+        <p:nvPr/>
+      </p:nvGrpSpPr>
+      <p:grpSpPr>
+        <a:xfrm>
+          <a:off x="0" y="0"/>
+          <a:ext cx="0" cy="0"/>
+          <a:chOff x="0" y="0"/>
+          <a:chExt cx="0" cy="0"/>
+        </a:xfrm>
+      </p:grpSpPr>
+      <p:graphicFrame>
+        <p:nvGraphicFramePr>
+          <p:cNvPr id="5" name="Object 4" hidden="1">
+            <a:extLst>
+              <a:ext uri="{FF2B5EF4-FFF2-40B4-BE49-F238E27FC236}">
+                <a16:creationId xmlns:a16="http://schemas.microsoft.com/office/drawing/2014/main" id="{CE099960-EAED-4DD5-98F8-A088DFCD2CCA}"/>
+              </a:ext>
+            </a:extLst>
+          </p:cNvPr>
+          <p:cNvGraphicFramePr>
+            <a:graphicFrameLocks noChangeAspect="1"/>
+          </p:cNvGraphicFramePr>
+          <p:nvPr>
+            <p:custDataLst>
+              <p:tags r:id="rId2"/>
+            </p:custDataLst>
+            <p:extLst>
+              <p:ext uri="{D42A27DB-BD31-4B8C-83A1-F6EECF244321}">
+                <p14:modId xmlns:p14="http://schemas.microsoft.com/office/powerpoint/2010/main" val="3758779725"/>
+              </p:ext>
+            </p:extLst>
+          </p:nvPr>
+        </p:nvGraphicFramePr>
+        <p:xfrm>
+          <a:off x="1588" y="1588"/>
+          <a:ext cx="1588" cy="1588"/>
+        </p:xfrm>
+        <a:graphic>
+          <a:graphicData uri="http://schemas.openxmlformats.org/presentationml/2006/ole">
+            <mc:AlternateContent xmlns:mc="http://schemas.openxmlformats.org/markup-compatibility/2006">
+              <mc:Choice xmlns:v="urn:schemas-microsoft-com:vml" Requires="v">
+                <p:oleObj spid="_x0000_s13324" name="think-cell Slide" r:id="rId5" imgW="473" imgH="471" progId="TCLayout.ActiveDocument.1">
+                  <p:embed/>
+                </p:oleObj>
+              </mc:Choice>
+              <mc:Fallback>
+                <p:oleObj name="think-cell Slide" r:id="rId5" imgW="473" imgH="471" progId="TCLayout.ActiveDocument.1">
+                  <p:embed/>
+                  <p:pic>
+                    <p:nvPicPr>
+                      <p:cNvPr id="5" name="Object 4" hidden="1">
+                        <a:extLst>
+                          <a:ext uri="{FF2B5EF4-FFF2-40B4-BE49-F238E27FC236}">
+                            <a16:creationId xmlns:a16="http://schemas.microsoft.com/office/drawing/2014/main" id="{CE099960-EAED-4DD5-98F8-A088DFCD2CCA}"/>
+                          </a:ext>
+                        </a:extLst>
+                      </p:cNvPr>
+                      <p:cNvPicPr/>
+                      <p:nvPr/>
+                    </p:nvPicPr>
+                    <p:blipFill>
+                      <a:blip r:embed="rId6"/>
+                      <a:stretch>
+                        <a:fillRect/>
+                      </a:stretch>
+                    </p:blipFill>
+                    <p:spPr>
+                      <a:xfrm>
+                        <a:off x="1588" y="1588"/>
+                        <a:ext cx="1588" cy="1588"/>
+                      </a:xfrm>
+                      <a:prstGeom prst="rect">
+                        <a:avLst/>
+                      </a:prstGeom>
+                    </p:spPr>
+                  </p:pic>
+                </p:oleObj>
+              </mc:Fallback>
+            </mc:AlternateContent>
+          </a:graphicData>
+        </a:graphic>
+      </p:graphicFrame>
+      <p:sp>
+        <p:nvSpPr>
+          <p:cNvPr id="4" name="Rectangle 3" hidden="1">
+            <a:extLst>
+              <a:ext uri="{FF2B5EF4-FFF2-40B4-BE49-F238E27FC236}">
+                <a16:creationId xmlns:a16="http://schemas.microsoft.com/office/drawing/2014/main" id="{A806895A-E40D-434D-A81C-08DAC7C85A23}"/>
+              </a:ext>
+            </a:extLst>
+          </p:cNvPr>
+          <p:cNvSpPr/>
+          <p:nvPr>
+            <p:custDataLst>
+              <p:tags r:id="rId3"/>
+            </p:custDataLst>
+          </p:nvPr>
+        </p:nvSpPr>
+        <p:spPr>
+          <a:xfrm>
+            <a:off x="0" y="0"/>
+            <a:ext cx="158750" cy="158750"/>
+          </a:xfrm>
+          <a:prstGeom prst="rect">
+            <a:avLst/>
+          </a:prstGeom>
+        </p:spPr>
+        <p:style>
+          <a:lnRef idx="2">
+            <a:schemeClr val="accent1">
+              <a:shade val="50000"/>
+            </a:schemeClr>
+          </a:lnRef>
+          <a:fillRef idx="1">
+            <a:schemeClr val="accent1"/>
+          </a:fillRef>
+          <a:effectRef idx="0">
+            <a:schemeClr val="accent1"/>
+          </a:effectRef>
+          <a:fontRef idx="minor">
+            <a:schemeClr val="lt1"/>
+          </a:fontRef>
+        </p:style>
+        <p:txBody>
+          <a:bodyPr vert="horz" wrap="none" lIns="0" tIns="0" rIns="0" bIns="0" numCol="1" spcCol="0" rtlCol="0" anchor="ctr" anchorCtr="0">
+            <a:noAutofit/>
+          </a:bodyPr>
+          <a:lstStyle/>
+          <a:p>
+            <a:pPr algn="ctr">
+              <a:spcBef>
+                <a:spcPct val="0"/>
+              </a:spcBef>
+              <a:spcAft>
+                <a:spcPct val="0"/>
+              </a:spcAft>
+            </a:pPr>
+            <a:endParaRPr lang="en-US" sz="3600" dirty="0">
+              <a:latin typeface="Trebuchet MS" panose="020B0603020202020204" pitchFamily="34" charset="0"/>
+              <a:ea typeface="+mj-ea"/>
+              <a:cs typeface="+mj-cs"/>
+              <a:sym typeface="Trebuchet MS" panose="020B0603020202020204" pitchFamily="34" charset="0"/>
+            </a:endParaRPr>
+          </a:p>
+        </p:txBody>
+      </p:sp>
+      <p:sp>
+        <p:nvSpPr>
+          <p:cNvPr id="2" name="Title 1">
+            <a:extLst>
+              <a:ext uri="{FF2B5EF4-FFF2-40B4-BE49-F238E27FC236}">
+                <a16:creationId xmlns:a16="http://schemas.microsoft.com/office/drawing/2014/main" id="{91B77837-81B7-4D08-80C2-A1733D98C998}"/>
+              </a:ext>
+            </a:extLst>
+          </p:cNvPr>
+          <p:cNvSpPr>
+            <a:spLocks noGrp="1"/>
+          </p:cNvSpPr>
+          <p:nvPr>
+            <p:ph type="title"/>
+          </p:nvPr>
+        </p:nvSpPr>
+        <p:spPr/>
+        <p:txBody>
+          <a:bodyPr/>
+          <a:lstStyle/>
+          <a:p>
+            <a:r>
+              <a:rPr lang="en-US" dirty="0"/>
+              <a:t>Full Join</a:t>
+            </a:r>
+          </a:p>
+        </p:txBody>
+      </p:sp>
+      <p:pic>
+        <p:nvPicPr>
+          <p:cNvPr id="9" name="Picture 8">
+            <a:extLst>
+              <a:ext uri="{FF2B5EF4-FFF2-40B4-BE49-F238E27FC236}">
+                <a16:creationId xmlns:a16="http://schemas.microsoft.com/office/drawing/2014/main" id="{3D41A065-FC17-4281-A29C-AAE899B4A550}"/>
+              </a:ext>
+            </a:extLst>
+          </p:cNvPr>
+          <p:cNvPicPr>
+            <a:picLocks noChangeAspect="1"/>
+          </p:cNvPicPr>
+          <p:nvPr/>
+        </p:nvPicPr>
+        <p:blipFill>
+          <a:blip r:embed="rId7"/>
+          <a:stretch>
+            <a:fillRect/>
+          </a:stretch>
+        </p:blipFill>
+        <p:spPr>
+          <a:xfrm>
+            <a:off x="461090" y="2132572"/>
+            <a:ext cx="8812912" cy="2750060"/>
+          </a:xfrm>
+          <a:prstGeom prst="rect">
+            <a:avLst/>
+          </a:prstGeom>
+        </p:spPr>
+      </p:pic>
+      <p:sp>
+        <p:nvSpPr>
+          <p:cNvPr id="11" name="Content Placeholder 2">
+            <a:extLst>
+              <a:ext uri="{FF2B5EF4-FFF2-40B4-BE49-F238E27FC236}">
+                <a16:creationId xmlns:a16="http://schemas.microsoft.com/office/drawing/2014/main" id="{40C7D9DC-DAD3-47FE-A915-98E789BD2130}"/>
+              </a:ext>
+            </a:extLst>
+          </p:cNvPr>
+          <p:cNvSpPr>
+            <a:spLocks noGrp="1"/>
+          </p:cNvSpPr>
+          <p:nvPr>
+            <p:ph idx="1"/>
+          </p:nvPr>
+        </p:nvSpPr>
+        <p:spPr>
+          <a:xfrm>
+            <a:off x="677334" y="1456195"/>
+            <a:ext cx="8596668" cy="578761"/>
+          </a:xfrm>
+        </p:spPr>
+        <p:txBody>
+          <a:bodyPr>
+            <a:normAutofit fontScale="85000" lnSpcReduction="10000"/>
+          </a:bodyPr>
+          <a:lstStyle/>
+          <a:p>
+            <a:r>
+              <a:rPr lang="en-US" dirty="0"/>
+              <a:t>All Customer IDs 1, 2, 3, 4, 5, 9 &amp; 10 from both the tables will be included in the joined table as Full join returns all records when there is a match in either left or right table</a:t>
+            </a:r>
+          </a:p>
+        </p:txBody>
+      </p:sp>
+      <p:pic>
+        <p:nvPicPr>
+          <p:cNvPr id="3" name="Picture 2">
+            <a:extLst>
+              <a:ext uri="{FF2B5EF4-FFF2-40B4-BE49-F238E27FC236}">
+                <a16:creationId xmlns:a16="http://schemas.microsoft.com/office/drawing/2014/main" id="{5504BD52-7B7F-4F36-A276-D2D6D1C8551F}"/>
+              </a:ext>
+            </a:extLst>
+          </p:cNvPr>
+          <p:cNvPicPr>
+            <a:picLocks noChangeAspect="1"/>
+          </p:cNvPicPr>
+          <p:nvPr/>
+        </p:nvPicPr>
+        <p:blipFill>
+          <a:blip r:embed="rId8"/>
+          <a:stretch>
+            <a:fillRect/>
+          </a:stretch>
+        </p:blipFill>
+        <p:spPr>
+          <a:xfrm>
+            <a:off x="1238159" y="4882632"/>
+            <a:ext cx="7573332" cy="1878726"/>
+          </a:xfrm>
+          <a:prstGeom prst="rect">
+            <a:avLst/>
+          </a:prstGeom>
+        </p:spPr>
+      </p:pic>
+    </p:spTree>
+    <p:extLst>
+      <p:ext uri="{BB962C8B-B14F-4D97-AF65-F5344CB8AC3E}">
+        <p14:creationId xmlns:p14="http://schemas.microsoft.com/office/powerpoint/2010/main" val="2612273343"/>
+      </p:ext>
+    </p:extLst>
+  </p:cSld>
+  <p:clrMapOvr>
+    <a:masterClrMapping/>
+  </p:clrMapOvr>
+</p:sld>
+</file>
+
+<file path=ppt/slides/slide13.xml><?xml version="1.0" encoding="utf-8"?>
+<p:sld xmlns:a="http://schemas.openxmlformats.org/drawingml/2006/main" xmlns:r="http://schemas.openxmlformats.org/officeDocument/2006/relationships" xmlns:p="http://schemas.openxmlformats.org/presentationml/2006/main">
+  <p:cSld>
+    <p:spTree>
+      <p:nvGrpSpPr>
+        <p:cNvPr id="1" name=""/>
+        <p:cNvGrpSpPr/>
+        <p:nvPr/>
+      </p:nvGrpSpPr>
+      <p:grpSpPr>
+        <a:xfrm>
+          <a:off x="0" y="0"/>
+          <a:ext cx="0" cy="0"/>
+          <a:chOff x="0" y="0"/>
+          <a:chExt cx="0" cy="0"/>
+        </a:xfrm>
+      </p:grpSpPr>
+      <p:graphicFrame>
+        <p:nvGraphicFramePr>
+          <p:cNvPr id="5" name="Object 4" hidden="1">
+            <a:extLst>
+              <a:ext uri="{FF2B5EF4-FFF2-40B4-BE49-F238E27FC236}">
+                <a16:creationId xmlns:a16="http://schemas.microsoft.com/office/drawing/2014/main" id="{CE099960-EAED-4DD5-98F8-A088DFCD2CCA}"/>
+              </a:ext>
+            </a:extLst>
+          </p:cNvPr>
+          <p:cNvGraphicFramePr>
+            <a:graphicFrameLocks noChangeAspect="1"/>
+          </p:cNvGraphicFramePr>
+          <p:nvPr>
+            <p:custDataLst>
+              <p:tags r:id="rId2"/>
+            </p:custDataLst>
+            <p:extLst>
+              <p:ext uri="{D42A27DB-BD31-4B8C-83A1-F6EECF244321}">
+                <p14:modId xmlns:p14="http://schemas.microsoft.com/office/powerpoint/2010/main" val="3868882210"/>
+              </p:ext>
+            </p:extLst>
+          </p:nvPr>
+        </p:nvGraphicFramePr>
+        <p:xfrm>
+          <a:off x="1588" y="1588"/>
+          <a:ext cx="1588" cy="1588"/>
+        </p:xfrm>
+        <a:graphic>
+          <a:graphicData uri="http://schemas.openxmlformats.org/presentationml/2006/ole">
+            <mc:AlternateContent xmlns:mc="http://schemas.openxmlformats.org/markup-compatibility/2006">
+              <mc:Choice xmlns:v="urn:schemas-microsoft-com:vml" Requires="v">
+                <p:oleObj spid="_x0000_s14342" name="think-cell Slide" r:id="rId5" imgW="473" imgH="471" progId="TCLayout.ActiveDocument.1">
+                  <p:embed/>
+                </p:oleObj>
+              </mc:Choice>
+              <mc:Fallback>
+                <p:oleObj name="think-cell Slide" r:id="rId5" imgW="473" imgH="471" progId="TCLayout.ActiveDocument.1">
+                  <p:embed/>
+                  <p:pic>
+                    <p:nvPicPr>
+                      <p:cNvPr id="5" name="Object 4" hidden="1">
+                        <a:extLst>
+                          <a:ext uri="{FF2B5EF4-FFF2-40B4-BE49-F238E27FC236}">
+                            <a16:creationId xmlns:a16="http://schemas.microsoft.com/office/drawing/2014/main" id="{CE099960-EAED-4DD5-98F8-A088DFCD2CCA}"/>
+                          </a:ext>
+                        </a:extLst>
+                      </p:cNvPr>
+                      <p:cNvPicPr/>
+                      <p:nvPr/>
+                    </p:nvPicPr>
+                    <p:blipFill>
+                      <a:blip r:embed="rId6"/>
+                      <a:stretch>
+                        <a:fillRect/>
+                      </a:stretch>
+                    </p:blipFill>
+                    <p:spPr>
+                      <a:xfrm>
+                        <a:off x="1588" y="1588"/>
+                        <a:ext cx="1588" cy="1588"/>
+                      </a:xfrm>
+                      <a:prstGeom prst="rect">
+                        <a:avLst/>
+                      </a:prstGeom>
+                    </p:spPr>
+                  </p:pic>
+                </p:oleObj>
+              </mc:Fallback>
+            </mc:AlternateContent>
+          </a:graphicData>
+        </a:graphic>
+      </p:graphicFrame>
+      <p:sp>
+        <p:nvSpPr>
+          <p:cNvPr id="4" name="Rectangle 3" hidden="1">
+            <a:extLst>
+              <a:ext uri="{FF2B5EF4-FFF2-40B4-BE49-F238E27FC236}">
+                <a16:creationId xmlns:a16="http://schemas.microsoft.com/office/drawing/2014/main" id="{A806895A-E40D-434D-A81C-08DAC7C85A23}"/>
+              </a:ext>
+            </a:extLst>
+          </p:cNvPr>
+          <p:cNvSpPr/>
+          <p:nvPr>
+            <p:custDataLst>
+              <p:tags r:id="rId3"/>
+            </p:custDataLst>
+          </p:nvPr>
+        </p:nvSpPr>
+        <p:spPr>
+          <a:xfrm>
+            <a:off x="0" y="0"/>
+            <a:ext cx="158750" cy="158750"/>
+          </a:xfrm>
+          <a:prstGeom prst="rect">
+            <a:avLst/>
+          </a:prstGeom>
+        </p:spPr>
+        <p:style>
+          <a:lnRef idx="2">
+            <a:schemeClr val="accent1">
+              <a:shade val="50000"/>
+            </a:schemeClr>
+          </a:lnRef>
+          <a:fillRef idx="1">
+            <a:schemeClr val="accent1"/>
+          </a:fillRef>
+          <a:effectRef idx="0">
+            <a:schemeClr val="accent1"/>
+          </a:effectRef>
+          <a:fontRef idx="minor">
+            <a:schemeClr val="lt1"/>
+          </a:fontRef>
+        </p:style>
+        <p:txBody>
+          <a:bodyPr vert="horz" wrap="none" lIns="0" tIns="0" rIns="0" bIns="0" numCol="1" spcCol="0" rtlCol="0" anchor="ctr" anchorCtr="0">
+            <a:noAutofit/>
+          </a:bodyPr>
+          <a:lstStyle/>
+          <a:p>
+            <a:pPr algn="ctr">
+              <a:spcBef>
+                <a:spcPct val="0"/>
+              </a:spcBef>
+              <a:spcAft>
+                <a:spcPct val="0"/>
+              </a:spcAft>
+            </a:pPr>
+            <a:endParaRPr lang="en-US" sz="3600" dirty="0">
+              <a:latin typeface="Trebuchet MS" panose="020B0603020202020204" pitchFamily="34" charset="0"/>
+              <a:ea typeface="+mj-ea"/>
+              <a:cs typeface="+mj-cs"/>
+              <a:sym typeface="Trebuchet MS" panose="020B0603020202020204" pitchFamily="34" charset="0"/>
+            </a:endParaRPr>
+          </a:p>
+        </p:txBody>
+      </p:sp>
+      <p:sp>
+        <p:nvSpPr>
+          <p:cNvPr id="2" name="Title 1">
+            <a:extLst>
+              <a:ext uri="{FF2B5EF4-FFF2-40B4-BE49-F238E27FC236}">
+                <a16:creationId xmlns:a16="http://schemas.microsoft.com/office/drawing/2014/main" id="{91B77837-81B7-4D08-80C2-A1733D98C998}"/>
+              </a:ext>
+            </a:extLst>
+          </p:cNvPr>
+          <p:cNvSpPr>
+            <a:spLocks noGrp="1"/>
+          </p:cNvSpPr>
+          <p:nvPr>
+            <p:ph type="title"/>
+          </p:nvPr>
+        </p:nvSpPr>
+        <p:spPr/>
+        <p:txBody>
+          <a:bodyPr/>
+          <a:lstStyle/>
+          <a:p>
+            <a:r>
+              <a:rPr lang="en-US" dirty="0"/>
+              <a:t>SQL Union</a:t>
+            </a:r>
+          </a:p>
+        </p:txBody>
+      </p:sp>
+      <p:sp>
+        <p:nvSpPr>
+          <p:cNvPr id="11" name="Content Placeholder 2">
+            <a:extLst>
+              <a:ext uri="{FF2B5EF4-FFF2-40B4-BE49-F238E27FC236}">
+                <a16:creationId xmlns:a16="http://schemas.microsoft.com/office/drawing/2014/main" id="{40C7D9DC-DAD3-47FE-A915-98E789BD2130}"/>
+              </a:ext>
+            </a:extLst>
+          </p:cNvPr>
+          <p:cNvSpPr>
+            <a:spLocks noGrp="1"/>
+          </p:cNvSpPr>
+          <p:nvPr>
+            <p:ph idx="1"/>
+          </p:nvPr>
+        </p:nvSpPr>
+        <p:spPr>
+          <a:xfrm>
+            <a:off x="677334" y="1456195"/>
+            <a:ext cx="8596668" cy="1247629"/>
+          </a:xfrm>
+        </p:spPr>
+        <p:txBody>
+          <a:bodyPr>
+            <a:normAutofit fontScale="85000" lnSpcReduction="20000"/>
+          </a:bodyPr>
+          <a:lstStyle/>
+          <a:p>
+            <a:r>
+              <a:rPr lang="en-US" dirty="0"/>
+              <a:t>The UNION operator is used to combine the result-set of two or more SELECT statements.</a:t>
+            </a:r>
+          </a:p>
+          <a:p>
+            <a:pPr lvl="1"/>
+            <a:r>
+              <a:rPr lang="en-US" dirty="0"/>
+              <a:t>Each SELECT statement within UNION must have the same number of columns</a:t>
+            </a:r>
+          </a:p>
+          <a:p>
+            <a:pPr lvl="1"/>
+            <a:r>
+              <a:rPr lang="en-US" dirty="0"/>
+              <a:t>The columns must also have similar data types</a:t>
+            </a:r>
+          </a:p>
+          <a:p>
+            <a:pPr lvl="1"/>
+            <a:r>
+              <a:rPr lang="en-US" dirty="0"/>
+              <a:t>The columns in each SELECT statement must also be in the same order</a:t>
+            </a:r>
+            <a:endParaRPr lang="en-US" dirty="0">
+              <a:effectLst/>
+            </a:endParaRPr>
+          </a:p>
+        </p:txBody>
+      </p:sp>
+      <p:pic>
+        <p:nvPicPr>
+          <p:cNvPr id="6" name="Picture 5">
+            <a:extLst>
+              <a:ext uri="{FF2B5EF4-FFF2-40B4-BE49-F238E27FC236}">
+                <a16:creationId xmlns:a16="http://schemas.microsoft.com/office/drawing/2014/main" id="{0DAB1D27-0686-42CE-9580-9C34D7F0D59A}"/>
+              </a:ext>
+            </a:extLst>
+          </p:cNvPr>
+          <p:cNvPicPr>
+            <a:picLocks noChangeAspect="1"/>
+          </p:cNvPicPr>
+          <p:nvPr/>
+        </p:nvPicPr>
+        <p:blipFill>
+          <a:blip r:embed="rId7"/>
+          <a:stretch>
+            <a:fillRect/>
+          </a:stretch>
+        </p:blipFill>
+        <p:spPr>
+          <a:xfrm>
+            <a:off x="927587" y="2776995"/>
+            <a:ext cx="7179509" cy="4055981"/>
+          </a:xfrm>
+          <a:prstGeom prst="rect">
+            <a:avLst/>
+          </a:prstGeom>
+        </p:spPr>
+      </p:pic>
+    </p:spTree>
+    <p:extLst>
+      <p:ext uri="{BB962C8B-B14F-4D97-AF65-F5344CB8AC3E}">
+        <p14:creationId xmlns:p14="http://schemas.microsoft.com/office/powerpoint/2010/main" val="3159993496"/>
       </p:ext>
     </p:extLst>
   </p:cSld>
@@ -3752,7 +7218,7 @@
           <a:graphicData uri="http://schemas.openxmlformats.org/presentationml/2006/ole">
             <mc:AlternateContent xmlns:mc="http://schemas.openxmlformats.org/markup-compatibility/2006">
               <mc:Choice xmlns:v="urn:schemas-microsoft-com:vml" Requires="v">
-                <p:oleObj spid="_x0000_s2081" name="think-cell Slide" r:id="rId5" imgW="473" imgH="471" progId="TCLayout.ActiveDocument.1">
+                <p:oleObj spid="_x0000_s2102" name="think-cell Slide" r:id="rId5" imgW="473" imgH="471" progId="TCLayout.ActiveDocument.1">
                   <p:embed/>
                 </p:oleObj>
               </mc:Choice>
@@ -3897,8 +7363,8 @@
         </p:nvSpPr>
         <p:spPr>
           <a:xfrm>
-            <a:off x="677333" y="1744953"/>
-            <a:ext cx="10752665" cy="1838270"/>
+            <a:off x="677334" y="1744953"/>
+            <a:ext cx="8596668" cy="1838270"/>
           </a:xfrm>
         </p:spPr>
         <p:txBody>
@@ -3946,8 +7412,8 @@
         </p:blipFill>
         <p:spPr>
           <a:xfrm>
-            <a:off x="1981617" y="3688225"/>
-            <a:ext cx="7421696" cy="2670241"/>
+            <a:off x="1981617" y="3688226"/>
+            <a:ext cx="5988101" cy="2154450"/>
           </a:xfrm>
           <a:prstGeom prst="rect">
             <a:avLst/>
@@ -4015,7 +7481,7 @@
           <a:graphicData uri="http://schemas.openxmlformats.org/presentationml/2006/ole">
             <mc:AlternateContent xmlns:mc="http://schemas.openxmlformats.org/markup-compatibility/2006">
               <mc:Choice xmlns:v="urn:schemas-microsoft-com:vml" Requires="v">
-                <p:oleObj spid="_x0000_s3102" name="think-cell Slide" r:id="rId5" imgW="473" imgH="471" progId="TCLayout.ActiveDocument.1">
+                <p:oleObj spid="_x0000_s3123" name="think-cell Slide" r:id="rId5" imgW="473" imgH="471" progId="TCLayout.ActiveDocument.1">
                   <p:embed/>
                 </p:oleObj>
               </mc:Choice>
@@ -4171,13 +7637,13 @@
         </p:nvSpPr>
         <p:spPr>
           <a:xfrm>
-            <a:off x="674843" y="1439414"/>
-            <a:ext cx="10842313" cy="1838270"/>
+            <a:off x="677334" y="1744953"/>
+            <a:ext cx="8596668" cy="1838270"/>
           </a:xfrm>
         </p:spPr>
         <p:txBody>
           <a:bodyPr>
-            <a:normAutofit fontScale="92500" lnSpcReduction="10000"/>
+            <a:normAutofit fontScale="92500" lnSpcReduction="20000"/>
           </a:bodyPr>
           <a:lstStyle/>
           <a:p>
@@ -4301,7 +7767,7 @@
           <a:graphicData uri="http://schemas.openxmlformats.org/presentationml/2006/ole">
             <mc:AlternateContent xmlns:mc="http://schemas.openxmlformats.org/markup-compatibility/2006">
               <mc:Choice xmlns:v="urn:schemas-microsoft-com:vml" Requires="v">
-                <p:oleObj spid="_x0000_s4122" name="think-cell Slide" r:id="rId5" imgW="473" imgH="471" progId="TCLayout.ActiveDocument.1">
+                <p:oleObj spid="_x0000_s4143" name="think-cell Slide" r:id="rId5" imgW="473" imgH="471" progId="TCLayout.ActiveDocument.1">
                   <p:embed/>
                 </p:oleObj>
               </mc:Choice>
@@ -4455,13 +7921,6 @@
         </p:nvPicPr>
         <p:blipFill rotWithShape="1">
           <a:blip r:embed="rId7">
-            <a:duotone>
-              <a:prstClr val="black"/>
-              <a:schemeClr val="accent6">
-                <a:tint val="45000"/>
-                <a:satMod val="400000"/>
-              </a:schemeClr>
-            </a:duotone>
             <a:extLst>
               <a:ext uri="{28A0092B-C50C-407E-A947-70E740481C1C}">
                 <a14:useLocalDpi xmlns:a14="http://schemas.microsoft.com/office/drawing/2010/main" val="0"/>
@@ -4473,7 +7932,7 @@
         </p:blipFill>
         <p:spPr>
           <a:xfrm>
-            <a:off x="2237144" y="1439414"/>
+            <a:off x="1242533" y="1535666"/>
             <a:ext cx="7717712" cy="5068347"/>
           </a:xfrm>
           <a:prstGeom prst="rect">
@@ -4529,7 +7988,7 @@
             </p:custDataLst>
             <p:extLst>
               <p:ext uri="{D42A27DB-BD31-4B8C-83A1-F6EECF244321}">
-                <p14:modId xmlns:p14="http://schemas.microsoft.com/office/powerpoint/2010/main" val="886651647"/>
+                <p14:modId xmlns:p14="http://schemas.microsoft.com/office/powerpoint/2010/main" val="2866027893"/>
               </p:ext>
             </p:extLst>
           </p:nvPr>
@@ -4542,7 +8001,7 @@
           <a:graphicData uri="http://schemas.openxmlformats.org/presentationml/2006/ole">
             <mc:AlternateContent xmlns:mc="http://schemas.openxmlformats.org/markup-compatibility/2006">
               <mc:Choice xmlns:v="urn:schemas-microsoft-com:vml" Requires="v">
-                <p:oleObj spid="_x0000_s9222" name="think-cell Slide" r:id="rId5" imgW="473" imgH="471" progId="TCLayout.ActiveDocument.1">
+                <p:oleObj spid="_x0000_s6189" name="think-cell Slide" r:id="rId5" imgW="473" imgH="471" progId="TCLayout.ActiveDocument.1">
                   <p:embed/>
                 </p:oleObj>
               </mc:Choice>
@@ -4675,99 +8134,110 @@
           <a:p>
             <a:r>
               <a:rPr lang="en-US" dirty="0"/>
-              <a:t>Datatypes in SQL – contd.</a:t>
-            </a:r>
-          </a:p>
-        </p:txBody>
-      </p:sp>
-      <p:pic>
-        <p:nvPicPr>
-          <p:cNvPr id="3" name="Picture 2">
+              <a:t>Types of SQL commands</a:t>
+            </a:r>
+          </a:p>
+        </p:txBody>
+      </p:sp>
+      <p:sp>
+        <p:nvSpPr>
+          <p:cNvPr id="3" name="Content Placeholder 2">
             <a:extLst>
               <a:ext uri="{FF2B5EF4-FFF2-40B4-BE49-F238E27FC236}">
-                <a16:creationId xmlns:a16="http://schemas.microsoft.com/office/drawing/2014/main" id="{F745203C-A470-4AB4-8E0F-D8ECF0B7368C}"/>
+                <a16:creationId xmlns:a16="http://schemas.microsoft.com/office/drawing/2014/main" id="{905389AF-B5FB-48BE-9AF8-62B0A3CE6395}"/>
               </a:ext>
             </a:extLst>
           </p:cNvPr>
-          <p:cNvPicPr>
-            <a:picLocks noChangeAspect="1"/>
-          </p:cNvPicPr>
-          <p:nvPr/>
-        </p:nvPicPr>
-        <p:blipFill>
-          <a:blip r:embed="rId7">
-            <a:extLst>
-              <a:ext uri="{BEBA8EAE-BF5A-486C-A8C5-ECC9F3942E4B}">
-                <a14:imgProps xmlns:a14="http://schemas.microsoft.com/office/drawing/2010/main">
-                  <a14:imgLayer r:embed="rId8">
-                    <a14:imgEffect>
-                      <a14:colorTemperature colorTemp="11200"/>
-                    </a14:imgEffect>
-                  </a14:imgLayer>
-                </a14:imgProps>
-              </a:ext>
-            </a:extLst>
-          </a:blip>
-          <a:stretch>
-            <a:fillRect/>
-          </a:stretch>
-        </p:blipFill>
+          <p:cNvSpPr>
+            <a:spLocks noGrp="1"/>
+          </p:cNvSpPr>
+          <p:nvPr>
+            <p:ph idx="1"/>
+          </p:nvPr>
+        </p:nvSpPr>
         <p:spPr>
           <a:xfrm>
-            <a:off x="366644" y="1281044"/>
-            <a:ext cx="10438296" cy="3362952"/>
+            <a:off x="677334" y="1744953"/>
+            <a:ext cx="8842926" cy="3798324"/>
           </a:xfrm>
-          <a:prstGeom prst="rect">
-            <a:avLst/>
-          </a:prstGeom>
         </p:spPr>
-      </p:pic>
-      <p:pic>
-        <p:nvPicPr>
-          <p:cNvPr id="6" name="Picture 5">
-            <a:extLst>
-              <a:ext uri="{FF2B5EF4-FFF2-40B4-BE49-F238E27FC236}">
-                <a16:creationId xmlns:a16="http://schemas.microsoft.com/office/drawing/2014/main" id="{52EB5F15-B8C0-495E-A68D-993813CB40A2}"/>
-              </a:ext>
-            </a:extLst>
-          </p:cNvPr>
-          <p:cNvPicPr>
-            <a:picLocks noChangeAspect="1"/>
-          </p:cNvPicPr>
-          <p:nvPr/>
-        </p:nvPicPr>
-        <p:blipFill>
-          <a:blip r:embed="rId9">
-            <a:extLst>
-              <a:ext uri="{BEBA8EAE-BF5A-486C-A8C5-ECC9F3942E4B}">
-                <a14:imgProps xmlns:a14="http://schemas.microsoft.com/office/drawing/2010/main">
-                  <a14:imgLayer r:embed="rId10">
-                    <a14:imgEffect>
-                      <a14:colorTemperature colorTemp="11200"/>
-                    </a14:imgEffect>
-                  </a14:imgLayer>
-                </a14:imgProps>
-              </a:ext>
-            </a:extLst>
-          </a:blip>
-          <a:stretch>
-            <a:fillRect/>
-          </a:stretch>
-        </p:blipFill>
-        <p:spPr>
-          <a:xfrm>
-            <a:off x="424716" y="4550940"/>
-            <a:ext cx="10380224" cy="2207669"/>
-          </a:xfrm>
-          <a:prstGeom prst="rect">
-            <a:avLst/>
-          </a:prstGeom>
-        </p:spPr>
-      </p:pic>
+        <p:txBody>
+          <a:bodyPr>
+            <a:normAutofit/>
+          </a:bodyPr>
+          <a:lstStyle/>
+          <a:p>
+            <a:r>
+              <a:rPr lang="en-US" dirty="0"/>
+              <a:t>SQL Categorizes its commands on the basis of functionalities performed by them. There are five types of SQL Commands which can be classified as: ◦</a:t>
+            </a:r>
+          </a:p>
+          <a:p>
+            <a:pPr lvl="1">
+              <a:lnSpc>
+                <a:spcPct val="200000"/>
+              </a:lnSpc>
+            </a:pPr>
+            <a:r>
+              <a:rPr lang="en-US" dirty="0"/>
+              <a:t>DDL(Data Definition Language) – Create, Alter, Rename, Drop, Truncate</a:t>
+            </a:r>
+          </a:p>
+          <a:p>
+            <a:pPr lvl="1">
+              <a:lnSpc>
+                <a:spcPct val="200000"/>
+              </a:lnSpc>
+            </a:pPr>
+            <a:r>
+              <a:rPr lang="en-US" dirty="0"/>
+              <a:t>DML(Data Manipulation Language) – Insert, Delete, Update</a:t>
+            </a:r>
+          </a:p>
+          <a:p>
+            <a:pPr lvl="1">
+              <a:lnSpc>
+                <a:spcPct val="200000"/>
+              </a:lnSpc>
+            </a:pPr>
+            <a:r>
+              <a:rPr lang="en-US" dirty="0"/>
+              <a:t>DQL(Data Query Language) - Select</a:t>
+            </a:r>
+          </a:p>
+          <a:p>
+            <a:pPr lvl="1">
+              <a:lnSpc>
+                <a:spcPct val="200000"/>
+              </a:lnSpc>
+            </a:pPr>
+            <a:r>
+              <a:rPr lang="en-US" dirty="0"/>
+              <a:t>DCL(Data Control Language) – Grant, Revoke</a:t>
+            </a:r>
+          </a:p>
+          <a:p>
+            <a:pPr lvl="1">
+              <a:lnSpc>
+                <a:spcPct val="200000"/>
+              </a:lnSpc>
+            </a:pPr>
+            <a:r>
+              <a:rPr lang="en-US" dirty="0"/>
+              <a:t>TCL(Transaction Control Language) – Roll back, Commit, </a:t>
+            </a:r>
+            <a:r>
+              <a:rPr lang="en-US" dirty="0" err="1"/>
+              <a:t>Savepoint</a:t>
+            </a:r>
+            <a:endParaRPr lang="en-US" dirty="0"/>
+          </a:p>
+        </p:txBody>
+      </p:sp>
     </p:spTree>
     <p:extLst>
       <p:ext uri="{BB962C8B-B14F-4D97-AF65-F5344CB8AC3E}">
-        <p14:creationId xmlns:p14="http://schemas.microsoft.com/office/powerpoint/2010/main" val="429069985"/>
+        <p14:creationId xmlns:p14="http://schemas.microsoft.com/office/powerpoint/2010/main" val="265895342"/>
       </p:ext>
     </p:extLst>
   </p:cSld>
@@ -4810,6 +8280,11 @@
             <p:custDataLst>
               <p:tags r:id="rId2"/>
             </p:custDataLst>
+            <p:extLst>
+              <p:ext uri="{D42A27DB-BD31-4B8C-83A1-F6EECF244321}">
+                <p14:modId xmlns:p14="http://schemas.microsoft.com/office/powerpoint/2010/main" val="3798651340"/>
+              </p:ext>
+            </p:extLst>
           </p:nvPr>
         </p:nvGraphicFramePr>
         <p:xfrm>
@@ -4820,798 +8295,7 @@
           <a:graphicData uri="http://schemas.openxmlformats.org/presentationml/2006/ole">
             <mc:AlternateContent xmlns:mc="http://schemas.openxmlformats.org/markup-compatibility/2006">
               <mc:Choice xmlns:v="urn:schemas-microsoft-com:vml" Requires="v">
-                <p:oleObj spid="_x0000_s10246" name="think-cell Slide" r:id="rId5" imgW="473" imgH="471" progId="TCLayout.ActiveDocument.1">
-                  <p:embed/>
-                </p:oleObj>
-              </mc:Choice>
-              <mc:Fallback>
-                <p:oleObj name="think-cell Slide" r:id="rId5" imgW="473" imgH="471" progId="TCLayout.ActiveDocument.1">
-                  <p:embed/>
-                  <p:pic>
-                    <p:nvPicPr>
-                      <p:cNvPr id="5" name="Object 4" hidden="1">
-                        <a:extLst>
-                          <a:ext uri="{FF2B5EF4-FFF2-40B4-BE49-F238E27FC236}">
-                            <a16:creationId xmlns:a16="http://schemas.microsoft.com/office/drawing/2014/main" id="{CE099960-EAED-4DD5-98F8-A088DFCD2CCA}"/>
-                          </a:ext>
-                        </a:extLst>
-                      </p:cNvPr>
-                      <p:cNvPicPr/>
-                      <p:nvPr/>
-                    </p:nvPicPr>
-                    <p:blipFill>
-                      <a:blip r:embed="rId6"/>
-                      <a:stretch>
-                        <a:fillRect/>
-                      </a:stretch>
-                    </p:blipFill>
-                    <p:spPr>
-                      <a:xfrm>
-                        <a:off x="1588" y="1588"/>
-                        <a:ext cx="1588" cy="1588"/>
-                      </a:xfrm>
-                      <a:prstGeom prst="rect">
-                        <a:avLst/>
-                      </a:prstGeom>
-                    </p:spPr>
-                  </p:pic>
-                </p:oleObj>
-              </mc:Fallback>
-            </mc:AlternateContent>
-          </a:graphicData>
-        </a:graphic>
-      </p:graphicFrame>
-      <p:sp>
-        <p:nvSpPr>
-          <p:cNvPr id="4" name="Rectangle 3" hidden="1">
-            <a:extLst>
-              <a:ext uri="{FF2B5EF4-FFF2-40B4-BE49-F238E27FC236}">
-                <a16:creationId xmlns:a16="http://schemas.microsoft.com/office/drawing/2014/main" id="{A806895A-E40D-434D-A81C-08DAC7C85A23}"/>
-              </a:ext>
-            </a:extLst>
-          </p:cNvPr>
-          <p:cNvSpPr/>
-          <p:nvPr>
-            <p:custDataLst>
-              <p:tags r:id="rId3"/>
-            </p:custDataLst>
-          </p:nvPr>
-        </p:nvSpPr>
-        <p:spPr>
-          <a:xfrm>
-            <a:off x="0" y="0"/>
-            <a:ext cx="158750" cy="158750"/>
-          </a:xfrm>
-          <a:prstGeom prst="rect">
-            <a:avLst/>
-          </a:prstGeom>
-        </p:spPr>
-        <p:style>
-          <a:lnRef idx="2">
-            <a:schemeClr val="accent1">
-              <a:shade val="50000"/>
-            </a:schemeClr>
-          </a:lnRef>
-          <a:fillRef idx="1">
-            <a:schemeClr val="accent1"/>
-          </a:fillRef>
-          <a:effectRef idx="0">
-            <a:schemeClr val="accent1"/>
-          </a:effectRef>
-          <a:fontRef idx="minor">
-            <a:schemeClr val="lt1"/>
-          </a:fontRef>
-        </p:style>
-        <p:txBody>
-          <a:bodyPr vert="horz" wrap="none" lIns="0" tIns="0" rIns="0" bIns="0" numCol="1" spcCol="0" rtlCol="0" anchor="ctr" anchorCtr="0">
-            <a:noAutofit/>
-          </a:bodyPr>
-          <a:lstStyle/>
-          <a:p>
-            <a:pPr algn="ctr">
-              <a:spcBef>
-                <a:spcPct val="0"/>
-              </a:spcBef>
-              <a:spcAft>
-                <a:spcPct val="0"/>
-              </a:spcAft>
-            </a:pPr>
-            <a:endParaRPr lang="en-US" sz="3600" dirty="0">
-              <a:latin typeface="Trebuchet MS" panose="020B0603020202020204" pitchFamily="34" charset="0"/>
-              <a:ea typeface="+mj-ea"/>
-              <a:cs typeface="+mj-cs"/>
-              <a:sym typeface="Trebuchet MS" panose="020B0603020202020204" pitchFamily="34" charset="0"/>
-            </a:endParaRPr>
-          </a:p>
-        </p:txBody>
-      </p:sp>
-      <p:sp>
-        <p:nvSpPr>
-          <p:cNvPr id="2" name="Title 1">
-            <a:extLst>
-              <a:ext uri="{FF2B5EF4-FFF2-40B4-BE49-F238E27FC236}">
-                <a16:creationId xmlns:a16="http://schemas.microsoft.com/office/drawing/2014/main" id="{91B77837-81B7-4D08-80C2-A1733D98C998}"/>
-              </a:ext>
-            </a:extLst>
-          </p:cNvPr>
-          <p:cNvSpPr>
-            <a:spLocks noGrp="1"/>
-          </p:cNvSpPr>
-          <p:nvPr>
-            <p:ph type="title"/>
-          </p:nvPr>
-        </p:nvSpPr>
-        <p:spPr>
-          <a:xfrm>
-            <a:off x="677334" y="609600"/>
-            <a:ext cx="8596668" cy="829814"/>
-          </a:xfrm>
-        </p:spPr>
-        <p:txBody>
-          <a:bodyPr/>
-          <a:lstStyle/>
-          <a:p>
-            <a:r>
-              <a:rPr lang="en-US" dirty="0"/>
-              <a:t>Datatypes in SQL – contd.</a:t>
-            </a:r>
-          </a:p>
-        </p:txBody>
-      </p:sp>
-      <p:pic>
-        <p:nvPicPr>
-          <p:cNvPr id="7" name="Picture 6">
-            <a:extLst>
-              <a:ext uri="{FF2B5EF4-FFF2-40B4-BE49-F238E27FC236}">
-                <a16:creationId xmlns:a16="http://schemas.microsoft.com/office/drawing/2014/main" id="{2E26B722-3F1F-4210-9102-37C334B2A579}"/>
-              </a:ext>
-            </a:extLst>
-          </p:cNvPr>
-          <p:cNvPicPr>
-            <a:picLocks noChangeAspect="1"/>
-          </p:cNvPicPr>
-          <p:nvPr/>
-        </p:nvPicPr>
-        <p:blipFill>
-          <a:blip r:embed="rId7">
-            <a:extLst>
-              <a:ext uri="{BEBA8EAE-BF5A-486C-A8C5-ECC9F3942E4B}">
-                <a14:imgProps xmlns:a14="http://schemas.microsoft.com/office/drawing/2010/main">
-                  <a14:imgLayer r:embed="rId8">
-                    <a14:imgEffect>
-                      <a14:colorTemperature colorTemp="11200"/>
-                    </a14:imgEffect>
-                  </a14:imgLayer>
-                </a14:imgProps>
-              </a:ext>
-            </a:extLst>
-          </a:blip>
-          <a:stretch>
-            <a:fillRect/>
-          </a:stretch>
-        </p:blipFill>
-        <p:spPr>
-          <a:xfrm>
-            <a:off x="410907" y="1722552"/>
-            <a:ext cx="11370186" cy="4525848"/>
-          </a:xfrm>
-          <a:prstGeom prst="rect">
-            <a:avLst/>
-          </a:prstGeom>
-        </p:spPr>
-      </p:pic>
-    </p:spTree>
-    <p:extLst>
-      <p:ext uri="{BB962C8B-B14F-4D97-AF65-F5344CB8AC3E}">
-        <p14:creationId xmlns:p14="http://schemas.microsoft.com/office/powerpoint/2010/main" val="2995625785"/>
-      </p:ext>
-    </p:extLst>
-  </p:cSld>
-  <p:clrMapOvr>
-    <a:masterClrMapping/>
-  </p:clrMapOvr>
-</p:sld>
-</file>
-
-<file path=ppt/slides/slide7.xml><?xml version="1.0" encoding="utf-8"?>
-<p:sld xmlns:a="http://schemas.openxmlformats.org/drawingml/2006/main" xmlns:r="http://schemas.openxmlformats.org/officeDocument/2006/relationships" xmlns:p="http://schemas.openxmlformats.org/presentationml/2006/main">
-  <p:cSld>
-    <p:spTree>
-      <p:nvGrpSpPr>
-        <p:cNvPr id="1" name=""/>
-        <p:cNvGrpSpPr/>
-        <p:nvPr/>
-      </p:nvGrpSpPr>
-      <p:grpSpPr>
-        <a:xfrm>
-          <a:off x="0" y="0"/>
-          <a:ext cx="0" cy="0"/>
-          <a:chOff x="0" y="0"/>
-          <a:chExt cx="0" cy="0"/>
-        </a:xfrm>
-      </p:grpSpPr>
-      <p:graphicFrame>
-        <p:nvGraphicFramePr>
-          <p:cNvPr id="5" name="Object 4" hidden="1">
-            <a:extLst>
-              <a:ext uri="{FF2B5EF4-FFF2-40B4-BE49-F238E27FC236}">
-                <a16:creationId xmlns:a16="http://schemas.microsoft.com/office/drawing/2014/main" id="{CE099960-EAED-4DD5-98F8-A088DFCD2CCA}"/>
-              </a:ext>
-            </a:extLst>
-          </p:cNvPr>
-          <p:cNvGraphicFramePr>
-            <a:graphicFrameLocks noChangeAspect="1"/>
-          </p:cNvGraphicFramePr>
-          <p:nvPr>
-            <p:custDataLst>
-              <p:tags r:id="rId2"/>
-            </p:custDataLst>
-          </p:nvPr>
-        </p:nvGraphicFramePr>
-        <p:xfrm>
-          <a:off x="1588" y="1588"/>
-          <a:ext cx="1588" cy="1588"/>
-        </p:xfrm>
-        <a:graphic>
-          <a:graphicData uri="http://schemas.openxmlformats.org/presentationml/2006/ole">
-            <mc:AlternateContent xmlns:mc="http://schemas.openxmlformats.org/markup-compatibility/2006">
-              <mc:Choice xmlns:v="urn:schemas-microsoft-com:vml" Requires="v">
-                <p:oleObj spid="_x0000_s11269" name="think-cell Slide" r:id="rId5" imgW="473" imgH="471" progId="TCLayout.ActiveDocument.1">
-                  <p:embed/>
-                </p:oleObj>
-              </mc:Choice>
-              <mc:Fallback>
-                <p:oleObj name="think-cell Slide" r:id="rId5" imgW="473" imgH="471" progId="TCLayout.ActiveDocument.1">
-                  <p:embed/>
-                  <p:pic>
-                    <p:nvPicPr>
-                      <p:cNvPr id="5" name="Object 4" hidden="1">
-                        <a:extLst>
-                          <a:ext uri="{FF2B5EF4-FFF2-40B4-BE49-F238E27FC236}">
-                            <a16:creationId xmlns:a16="http://schemas.microsoft.com/office/drawing/2014/main" id="{CE099960-EAED-4DD5-98F8-A088DFCD2CCA}"/>
-                          </a:ext>
-                        </a:extLst>
-                      </p:cNvPr>
-                      <p:cNvPicPr/>
-                      <p:nvPr/>
-                    </p:nvPicPr>
-                    <p:blipFill>
-                      <a:blip r:embed="rId6"/>
-                      <a:stretch>
-                        <a:fillRect/>
-                      </a:stretch>
-                    </p:blipFill>
-                    <p:spPr>
-                      <a:xfrm>
-                        <a:off x="1588" y="1588"/>
-                        <a:ext cx="1588" cy="1588"/>
-                      </a:xfrm>
-                      <a:prstGeom prst="rect">
-                        <a:avLst/>
-                      </a:prstGeom>
-                    </p:spPr>
-                  </p:pic>
-                </p:oleObj>
-              </mc:Fallback>
-            </mc:AlternateContent>
-          </a:graphicData>
-        </a:graphic>
-      </p:graphicFrame>
-      <p:sp>
-        <p:nvSpPr>
-          <p:cNvPr id="4" name="Rectangle 3" hidden="1">
-            <a:extLst>
-              <a:ext uri="{FF2B5EF4-FFF2-40B4-BE49-F238E27FC236}">
-                <a16:creationId xmlns:a16="http://schemas.microsoft.com/office/drawing/2014/main" id="{A806895A-E40D-434D-A81C-08DAC7C85A23}"/>
-              </a:ext>
-            </a:extLst>
-          </p:cNvPr>
-          <p:cNvSpPr/>
-          <p:nvPr>
-            <p:custDataLst>
-              <p:tags r:id="rId3"/>
-            </p:custDataLst>
-          </p:nvPr>
-        </p:nvSpPr>
-        <p:spPr>
-          <a:xfrm>
-            <a:off x="0" y="0"/>
-            <a:ext cx="158750" cy="158750"/>
-          </a:xfrm>
-          <a:prstGeom prst="rect">
-            <a:avLst/>
-          </a:prstGeom>
-        </p:spPr>
-        <p:style>
-          <a:lnRef idx="2">
-            <a:schemeClr val="accent1">
-              <a:shade val="50000"/>
-            </a:schemeClr>
-          </a:lnRef>
-          <a:fillRef idx="1">
-            <a:schemeClr val="accent1"/>
-          </a:fillRef>
-          <a:effectRef idx="0">
-            <a:schemeClr val="accent1"/>
-          </a:effectRef>
-          <a:fontRef idx="minor">
-            <a:schemeClr val="lt1"/>
-          </a:fontRef>
-        </p:style>
-        <p:txBody>
-          <a:bodyPr vert="horz" wrap="none" lIns="0" tIns="0" rIns="0" bIns="0" numCol="1" spcCol="0" rtlCol="0" anchor="ctr" anchorCtr="0">
-            <a:noAutofit/>
-          </a:bodyPr>
-          <a:lstStyle/>
-          <a:p>
-            <a:pPr algn="ctr">
-              <a:spcBef>
-                <a:spcPct val="0"/>
-              </a:spcBef>
-              <a:spcAft>
-                <a:spcPct val="0"/>
-              </a:spcAft>
-            </a:pPr>
-            <a:endParaRPr lang="en-US" sz="3600" dirty="0">
-              <a:latin typeface="Trebuchet MS" panose="020B0603020202020204" pitchFamily="34" charset="0"/>
-              <a:ea typeface="+mj-ea"/>
-              <a:cs typeface="+mj-cs"/>
-              <a:sym typeface="Trebuchet MS" panose="020B0603020202020204" pitchFamily="34" charset="0"/>
-            </a:endParaRPr>
-          </a:p>
-        </p:txBody>
-      </p:sp>
-      <p:sp>
-        <p:nvSpPr>
-          <p:cNvPr id="2" name="Title 1">
-            <a:extLst>
-              <a:ext uri="{FF2B5EF4-FFF2-40B4-BE49-F238E27FC236}">
-                <a16:creationId xmlns:a16="http://schemas.microsoft.com/office/drawing/2014/main" id="{91B77837-81B7-4D08-80C2-A1733D98C998}"/>
-              </a:ext>
-            </a:extLst>
-          </p:cNvPr>
-          <p:cNvSpPr>
-            <a:spLocks noGrp="1"/>
-          </p:cNvSpPr>
-          <p:nvPr>
-            <p:ph type="title"/>
-          </p:nvPr>
-        </p:nvSpPr>
-        <p:spPr>
-          <a:xfrm>
-            <a:off x="677334" y="609600"/>
-            <a:ext cx="8596668" cy="829814"/>
-          </a:xfrm>
-        </p:spPr>
-        <p:txBody>
-          <a:bodyPr/>
-          <a:lstStyle/>
-          <a:p>
-            <a:r>
-              <a:rPr lang="en-US" dirty="0"/>
-              <a:t>Datatypes in SQL – contd.</a:t>
-            </a:r>
-          </a:p>
-        </p:txBody>
-      </p:sp>
-      <p:pic>
-        <p:nvPicPr>
-          <p:cNvPr id="3" name="Picture 2">
-            <a:extLst>
-              <a:ext uri="{FF2B5EF4-FFF2-40B4-BE49-F238E27FC236}">
-                <a16:creationId xmlns:a16="http://schemas.microsoft.com/office/drawing/2014/main" id="{2BBE5AE7-A462-46AA-933D-F348A659C468}"/>
-              </a:ext>
-            </a:extLst>
-          </p:cNvPr>
-          <p:cNvPicPr>
-            <a:picLocks noChangeAspect="1"/>
-          </p:cNvPicPr>
-          <p:nvPr/>
-        </p:nvPicPr>
-        <p:blipFill>
-          <a:blip r:embed="rId7">
-            <a:extLst>
-              <a:ext uri="{BEBA8EAE-BF5A-486C-A8C5-ECC9F3942E4B}">
-                <a14:imgProps xmlns:a14="http://schemas.microsoft.com/office/drawing/2010/main">
-                  <a14:imgLayer r:embed="rId8">
-                    <a14:imgEffect>
-                      <a14:colorTemperature colorTemp="11200"/>
-                    </a14:imgEffect>
-                  </a14:imgLayer>
-                </a14:imgProps>
-              </a:ext>
-            </a:extLst>
-          </a:blip>
-          <a:stretch>
-            <a:fillRect/>
-          </a:stretch>
-        </p:blipFill>
-        <p:spPr>
-          <a:xfrm>
-            <a:off x="393148" y="1691861"/>
-            <a:ext cx="11531016" cy="4247860"/>
-          </a:xfrm>
-          <a:prstGeom prst="rect">
-            <a:avLst/>
-          </a:prstGeom>
-        </p:spPr>
-      </p:pic>
-    </p:spTree>
-    <p:extLst>
-      <p:ext uri="{BB962C8B-B14F-4D97-AF65-F5344CB8AC3E}">
-        <p14:creationId xmlns:p14="http://schemas.microsoft.com/office/powerpoint/2010/main" val="1422114530"/>
-      </p:ext>
-    </p:extLst>
-  </p:cSld>
-  <p:clrMapOvr>
-    <a:masterClrMapping/>
-  </p:clrMapOvr>
-</p:sld>
-</file>
-
-<file path=ppt/slides/slide8.xml><?xml version="1.0" encoding="utf-8"?>
-<p:sld xmlns:a="http://schemas.openxmlformats.org/drawingml/2006/main" xmlns:r="http://schemas.openxmlformats.org/officeDocument/2006/relationships" xmlns:p="http://schemas.openxmlformats.org/presentationml/2006/main">
-  <p:cSld>
-    <p:spTree>
-      <p:nvGrpSpPr>
-        <p:cNvPr id="1" name=""/>
-        <p:cNvGrpSpPr/>
-        <p:nvPr/>
-      </p:nvGrpSpPr>
-      <p:grpSpPr>
-        <a:xfrm>
-          <a:off x="0" y="0"/>
-          <a:ext cx="0" cy="0"/>
-          <a:chOff x="0" y="0"/>
-          <a:chExt cx="0" cy="0"/>
-        </a:xfrm>
-      </p:grpSpPr>
-      <p:graphicFrame>
-        <p:nvGraphicFramePr>
-          <p:cNvPr id="5" name="Object 4" hidden="1">
-            <a:extLst>
-              <a:ext uri="{FF2B5EF4-FFF2-40B4-BE49-F238E27FC236}">
-                <a16:creationId xmlns:a16="http://schemas.microsoft.com/office/drawing/2014/main" id="{CE099960-EAED-4DD5-98F8-A088DFCD2CCA}"/>
-              </a:ext>
-            </a:extLst>
-          </p:cNvPr>
-          <p:cNvGraphicFramePr>
-            <a:graphicFrameLocks noChangeAspect="1"/>
-          </p:cNvGraphicFramePr>
-          <p:nvPr>
-            <p:custDataLst>
-              <p:tags r:id="rId2"/>
-            </p:custDataLst>
-            <p:extLst>
-              <p:ext uri="{D42A27DB-BD31-4B8C-83A1-F6EECF244321}">
-                <p14:modId xmlns:p14="http://schemas.microsoft.com/office/powerpoint/2010/main" val="2866027893"/>
-              </p:ext>
-            </p:extLst>
-          </p:nvPr>
-        </p:nvGraphicFramePr>
-        <p:xfrm>
-          <a:off x="1588" y="1588"/>
-          <a:ext cx="1588" cy="1588"/>
-        </p:xfrm>
-        <a:graphic>
-          <a:graphicData uri="http://schemas.openxmlformats.org/presentationml/2006/ole">
-            <mc:AlternateContent xmlns:mc="http://schemas.openxmlformats.org/markup-compatibility/2006">
-              <mc:Choice xmlns:v="urn:schemas-microsoft-com:vml" Requires="v">
-                <p:oleObj spid="_x0000_s6168" name="think-cell Slide" r:id="rId5" imgW="473" imgH="471" progId="TCLayout.ActiveDocument.1">
-                  <p:embed/>
-                </p:oleObj>
-              </mc:Choice>
-              <mc:Fallback>
-                <p:oleObj name="think-cell Slide" r:id="rId5" imgW="473" imgH="471" progId="TCLayout.ActiveDocument.1">
-                  <p:embed/>
-                  <p:pic>
-                    <p:nvPicPr>
-                      <p:cNvPr id="5" name="Object 4" hidden="1">
-                        <a:extLst>
-                          <a:ext uri="{FF2B5EF4-FFF2-40B4-BE49-F238E27FC236}">
-                            <a16:creationId xmlns:a16="http://schemas.microsoft.com/office/drawing/2014/main" id="{CE099960-EAED-4DD5-98F8-A088DFCD2CCA}"/>
-                          </a:ext>
-                        </a:extLst>
-                      </p:cNvPr>
-                      <p:cNvPicPr/>
-                      <p:nvPr/>
-                    </p:nvPicPr>
-                    <p:blipFill>
-                      <a:blip r:embed="rId6"/>
-                      <a:stretch>
-                        <a:fillRect/>
-                      </a:stretch>
-                    </p:blipFill>
-                    <p:spPr>
-                      <a:xfrm>
-                        <a:off x="1588" y="1588"/>
-                        <a:ext cx="1588" cy="1588"/>
-                      </a:xfrm>
-                      <a:prstGeom prst="rect">
-                        <a:avLst/>
-                      </a:prstGeom>
-                    </p:spPr>
-                  </p:pic>
-                </p:oleObj>
-              </mc:Fallback>
-            </mc:AlternateContent>
-          </a:graphicData>
-        </a:graphic>
-      </p:graphicFrame>
-      <p:sp>
-        <p:nvSpPr>
-          <p:cNvPr id="4" name="Rectangle 3" hidden="1">
-            <a:extLst>
-              <a:ext uri="{FF2B5EF4-FFF2-40B4-BE49-F238E27FC236}">
-                <a16:creationId xmlns:a16="http://schemas.microsoft.com/office/drawing/2014/main" id="{A806895A-E40D-434D-A81C-08DAC7C85A23}"/>
-              </a:ext>
-            </a:extLst>
-          </p:cNvPr>
-          <p:cNvSpPr/>
-          <p:nvPr>
-            <p:custDataLst>
-              <p:tags r:id="rId3"/>
-            </p:custDataLst>
-          </p:nvPr>
-        </p:nvSpPr>
-        <p:spPr>
-          <a:xfrm>
-            <a:off x="0" y="0"/>
-            <a:ext cx="158750" cy="158750"/>
-          </a:xfrm>
-          <a:prstGeom prst="rect">
-            <a:avLst/>
-          </a:prstGeom>
-        </p:spPr>
-        <p:style>
-          <a:lnRef idx="2">
-            <a:schemeClr val="accent1">
-              <a:shade val="50000"/>
-            </a:schemeClr>
-          </a:lnRef>
-          <a:fillRef idx="1">
-            <a:schemeClr val="accent1"/>
-          </a:fillRef>
-          <a:effectRef idx="0">
-            <a:schemeClr val="accent1"/>
-          </a:effectRef>
-          <a:fontRef idx="minor">
-            <a:schemeClr val="lt1"/>
-          </a:fontRef>
-        </p:style>
-        <p:txBody>
-          <a:bodyPr vert="horz" wrap="none" lIns="0" tIns="0" rIns="0" bIns="0" numCol="1" spcCol="0" rtlCol="0" anchor="ctr" anchorCtr="0">
-            <a:noAutofit/>
-          </a:bodyPr>
-          <a:lstStyle/>
-          <a:p>
-            <a:pPr algn="ctr">
-              <a:spcBef>
-                <a:spcPct val="0"/>
-              </a:spcBef>
-              <a:spcAft>
-                <a:spcPct val="0"/>
-              </a:spcAft>
-            </a:pPr>
-            <a:endParaRPr lang="en-US" sz="3600" dirty="0">
-              <a:latin typeface="Trebuchet MS" panose="020B0603020202020204" pitchFamily="34" charset="0"/>
-              <a:ea typeface="+mj-ea"/>
-              <a:cs typeface="+mj-cs"/>
-              <a:sym typeface="Trebuchet MS" panose="020B0603020202020204" pitchFamily="34" charset="0"/>
-            </a:endParaRPr>
-          </a:p>
-        </p:txBody>
-      </p:sp>
-      <p:sp>
-        <p:nvSpPr>
-          <p:cNvPr id="2" name="Title 1">
-            <a:extLst>
-              <a:ext uri="{FF2B5EF4-FFF2-40B4-BE49-F238E27FC236}">
-                <a16:creationId xmlns:a16="http://schemas.microsoft.com/office/drawing/2014/main" id="{91B77837-81B7-4D08-80C2-A1733D98C998}"/>
-              </a:ext>
-            </a:extLst>
-          </p:cNvPr>
-          <p:cNvSpPr>
-            <a:spLocks noGrp="1"/>
-          </p:cNvSpPr>
-          <p:nvPr>
-            <p:ph type="title"/>
-          </p:nvPr>
-        </p:nvSpPr>
-        <p:spPr>
-          <a:xfrm>
-            <a:off x="677334" y="609600"/>
-            <a:ext cx="8596668" cy="829814"/>
-          </a:xfrm>
-        </p:spPr>
-        <p:txBody>
-          <a:bodyPr/>
-          <a:lstStyle/>
-          <a:p>
-            <a:r>
-              <a:rPr lang="en-US" dirty="0"/>
-              <a:t>Types of SQL commands</a:t>
-            </a:r>
-          </a:p>
-        </p:txBody>
-      </p:sp>
-      <p:sp>
-        <p:nvSpPr>
-          <p:cNvPr id="3" name="Content Placeholder 2">
-            <a:extLst>
-              <a:ext uri="{FF2B5EF4-FFF2-40B4-BE49-F238E27FC236}">
-                <a16:creationId xmlns:a16="http://schemas.microsoft.com/office/drawing/2014/main" id="{905389AF-B5FB-48BE-9AF8-62B0A3CE6395}"/>
-              </a:ext>
-            </a:extLst>
-          </p:cNvPr>
-          <p:cNvSpPr>
-            <a:spLocks noGrp="1"/>
-          </p:cNvSpPr>
-          <p:nvPr>
-            <p:ph idx="1"/>
-          </p:nvPr>
-        </p:nvSpPr>
-        <p:spPr>
-          <a:xfrm>
-            <a:off x="677334" y="1744953"/>
-            <a:ext cx="8842926" cy="3798324"/>
-          </a:xfrm>
-        </p:spPr>
-        <p:txBody>
-          <a:bodyPr>
-            <a:normAutofit fontScale="85000" lnSpcReduction="10000"/>
-          </a:bodyPr>
-          <a:lstStyle/>
-          <a:p>
-            <a:r>
-              <a:rPr lang="en-US" dirty="0"/>
-              <a:t>SQL categorizes its commands on the basis of functionalities performed by them. There are five types of SQL Commands which can be classified as: ◦</a:t>
-            </a:r>
-          </a:p>
-          <a:p>
-            <a:pPr lvl="1">
-              <a:lnSpc>
-                <a:spcPct val="200000"/>
-              </a:lnSpc>
-            </a:pPr>
-            <a:r>
-              <a:rPr lang="en-US" b="1" dirty="0"/>
-              <a:t>DDL(Data Definition Language)</a:t>
-            </a:r>
-            <a:r>
-              <a:rPr lang="en-US" dirty="0"/>
-              <a:t> – Create, Alter, Rename, Drop, Truncate</a:t>
-            </a:r>
-          </a:p>
-          <a:p>
-            <a:pPr lvl="1">
-              <a:lnSpc>
-                <a:spcPct val="200000"/>
-              </a:lnSpc>
-            </a:pPr>
-            <a:r>
-              <a:rPr lang="en-US" b="1" dirty="0"/>
-              <a:t>DML(Data Manipulation Language) </a:t>
-            </a:r>
-            <a:r>
-              <a:rPr lang="en-US" dirty="0"/>
-              <a:t>– Insert, Delete, Update</a:t>
-            </a:r>
-          </a:p>
-          <a:p>
-            <a:pPr lvl="1">
-              <a:lnSpc>
-                <a:spcPct val="200000"/>
-              </a:lnSpc>
-            </a:pPr>
-            <a:r>
-              <a:rPr lang="en-US" b="1" dirty="0"/>
-              <a:t>DQL(Data Query Language) </a:t>
-            </a:r>
-            <a:r>
-              <a:rPr lang="en-US" dirty="0"/>
-              <a:t>- Select</a:t>
-            </a:r>
-          </a:p>
-          <a:p>
-            <a:pPr lvl="1">
-              <a:lnSpc>
-                <a:spcPct val="200000"/>
-              </a:lnSpc>
-            </a:pPr>
-            <a:r>
-              <a:rPr lang="en-US" b="1" dirty="0"/>
-              <a:t>DCL(Data Control Language) </a:t>
-            </a:r>
-            <a:r>
-              <a:rPr lang="en-US" dirty="0"/>
-              <a:t>– Grant, Revoke</a:t>
-            </a:r>
-          </a:p>
-          <a:p>
-            <a:pPr lvl="1">
-              <a:lnSpc>
-                <a:spcPct val="200000"/>
-              </a:lnSpc>
-            </a:pPr>
-            <a:r>
-              <a:rPr lang="en-US" b="1" dirty="0"/>
-              <a:t>TCL(Transaction Control Language)</a:t>
-            </a:r>
-            <a:r>
-              <a:rPr lang="en-US" dirty="0"/>
-              <a:t> – Roll back, Commit, </a:t>
-            </a:r>
-            <a:r>
-              <a:rPr lang="en-US" dirty="0" err="1"/>
-              <a:t>Savepoint</a:t>
-            </a:r>
-            <a:endParaRPr lang="en-US" dirty="0"/>
-          </a:p>
-        </p:txBody>
-      </p:sp>
-    </p:spTree>
-    <p:extLst>
-      <p:ext uri="{BB962C8B-B14F-4D97-AF65-F5344CB8AC3E}">
-        <p14:creationId xmlns:p14="http://schemas.microsoft.com/office/powerpoint/2010/main" val="265895342"/>
-      </p:ext>
-    </p:extLst>
-  </p:cSld>
-  <p:clrMapOvr>
-    <a:masterClrMapping/>
-  </p:clrMapOvr>
-</p:sld>
-</file>
-
-<file path=ppt/slides/slide9.xml><?xml version="1.0" encoding="utf-8"?>
-<p:sld xmlns:a="http://schemas.openxmlformats.org/drawingml/2006/main" xmlns:r="http://schemas.openxmlformats.org/officeDocument/2006/relationships" xmlns:p="http://schemas.openxmlformats.org/presentationml/2006/main">
-  <p:cSld>
-    <p:spTree>
-      <p:nvGrpSpPr>
-        <p:cNvPr id="1" name=""/>
-        <p:cNvGrpSpPr/>
-        <p:nvPr/>
-      </p:nvGrpSpPr>
-      <p:grpSpPr>
-        <a:xfrm>
-          <a:off x="0" y="0"/>
-          <a:ext cx="0" cy="0"/>
-          <a:chOff x="0" y="0"/>
-          <a:chExt cx="0" cy="0"/>
-        </a:xfrm>
-      </p:grpSpPr>
-      <p:graphicFrame>
-        <p:nvGraphicFramePr>
-          <p:cNvPr id="5" name="Object 4" hidden="1">
-            <a:extLst>
-              <a:ext uri="{FF2B5EF4-FFF2-40B4-BE49-F238E27FC236}">
-                <a16:creationId xmlns:a16="http://schemas.microsoft.com/office/drawing/2014/main" id="{CE099960-EAED-4DD5-98F8-A088DFCD2CCA}"/>
-              </a:ext>
-            </a:extLst>
-          </p:cNvPr>
-          <p:cNvGraphicFramePr>
-            <a:graphicFrameLocks noChangeAspect="1"/>
-          </p:cNvGraphicFramePr>
-          <p:nvPr>
-            <p:custDataLst>
-              <p:tags r:id="rId2"/>
-            </p:custDataLst>
-            <p:extLst>
-              <p:ext uri="{D42A27DB-BD31-4B8C-83A1-F6EECF244321}">
-                <p14:modId xmlns:p14="http://schemas.microsoft.com/office/powerpoint/2010/main" val="3798651340"/>
-              </p:ext>
-            </p:extLst>
-          </p:nvPr>
-        </p:nvGraphicFramePr>
-        <p:xfrm>
-          <a:off x="1588" y="1588"/>
-          <a:ext cx="1588" cy="1588"/>
-        </p:xfrm>
-        <a:graphic>
-          <a:graphicData uri="http://schemas.openxmlformats.org/presentationml/2006/ole">
-            <mc:AlternateContent xmlns:mc="http://schemas.openxmlformats.org/markup-compatibility/2006">
-              <mc:Choice xmlns:v="urn:schemas-microsoft-com:vml" Requires="v">
-                <p:oleObj spid="_x0000_s7185" name="think-cell Slide" r:id="rId5" imgW="473" imgH="471" progId="TCLayout.ActiveDocument.1">
+                <p:oleObj spid="_x0000_s7206" name="think-cell Slide" r:id="rId5" imgW="473" imgH="471" progId="TCLayout.ActiveDocument.1">
                   <p:embed/>
                 </p:oleObj>
               </mc:Choice>
@@ -6356,7 +9040,7 @@
             <a:p>
               <a:pPr algn="ctr"/>
               <a:r>
-                <a:rPr lang="en-US" sz="1600"/>
+                <a:rPr lang="en-US" sz="1600" dirty="0"/>
                 <a:t>5</a:t>
               </a:r>
               <a:endParaRPr lang="en-US" dirty="0"/>
@@ -6742,6 +9426,889 @@
 </p:sld>
 </file>
 
+<file path=ppt/slides/slide7.xml><?xml version="1.0" encoding="utf-8"?>
+<p:sld xmlns:a="http://schemas.openxmlformats.org/drawingml/2006/main" xmlns:r="http://schemas.openxmlformats.org/officeDocument/2006/relationships" xmlns:p="http://schemas.openxmlformats.org/presentationml/2006/main">
+  <p:cSld>
+    <p:spTree>
+      <p:nvGrpSpPr>
+        <p:cNvPr id="1" name=""/>
+        <p:cNvGrpSpPr/>
+        <p:nvPr/>
+      </p:nvGrpSpPr>
+      <p:grpSpPr>
+        <a:xfrm>
+          <a:off x="0" y="0"/>
+          <a:ext cx="0" cy="0"/>
+          <a:chOff x="0" y="0"/>
+          <a:chExt cx="0" cy="0"/>
+        </a:xfrm>
+      </p:grpSpPr>
+      <p:graphicFrame>
+        <p:nvGraphicFramePr>
+          <p:cNvPr id="5" name="Object 4" hidden="1">
+            <a:extLst>
+              <a:ext uri="{FF2B5EF4-FFF2-40B4-BE49-F238E27FC236}">
+                <a16:creationId xmlns:a16="http://schemas.microsoft.com/office/drawing/2014/main" id="{CE099960-EAED-4DD5-98F8-A088DFCD2CCA}"/>
+              </a:ext>
+            </a:extLst>
+          </p:cNvPr>
+          <p:cNvGraphicFramePr>
+            <a:graphicFrameLocks noChangeAspect="1"/>
+          </p:cNvGraphicFramePr>
+          <p:nvPr>
+            <p:custDataLst>
+              <p:tags r:id="rId2"/>
+            </p:custDataLst>
+            <p:extLst>
+              <p:ext uri="{D42A27DB-BD31-4B8C-83A1-F6EECF244321}">
+                <p14:modId xmlns:p14="http://schemas.microsoft.com/office/powerpoint/2010/main" val="2389237319"/>
+              </p:ext>
+            </p:extLst>
+          </p:nvPr>
+        </p:nvGraphicFramePr>
+        <p:xfrm>
+          <a:off x="1588" y="1588"/>
+          <a:ext cx="1588" cy="1588"/>
+        </p:xfrm>
+        <a:graphic>
+          <a:graphicData uri="http://schemas.openxmlformats.org/presentationml/2006/ole">
+            <mc:AlternateContent xmlns:mc="http://schemas.openxmlformats.org/markup-compatibility/2006">
+              <mc:Choice xmlns:v="urn:schemas-microsoft-com:vml" Requires="v">
+                <p:oleObj spid="_x0000_s8220" name="think-cell Slide" r:id="rId5" imgW="473" imgH="471" progId="TCLayout.ActiveDocument.1">
+                  <p:embed/>
+                </p:oleObj>
+              </mc:Choice>
+              <mc:Fallback>
+                <p:oleObj name="think-cell Slide" r:id="rId5" imgW="473" imgH="471" progId="TCLayout.ActiveDocument.1">
+                  <p:embed/>
+                  <p:pic>
+                    <p:nvPicPr>
+                      <p:cNvPr id="5" name="Object 4" hidden="1">
+                        <a:extLst>
+                          <a:ext uri="{FF2B5EF4-FFF2-40B4-BE49-F238E27FC236}">
+                            <a16:creationId xmlns:a16="http://schemas.microsoft.com/office/drawing/2014/main" id="{CE099960-EAED-4DD5-98F8-A088DFCD2CCA}"/>
+                          </a:ext>
+                        </a:extLst>
+                      </p:cNvPr>
+                      <p:cNvPicPr/>
+                      <p:nvPr/>
+                    </p:nvPicPr>
+                    <p:blipFill>
+                      <a:blip r:embed="rId6"/>
+                      <a:stretch>
+                        <a:fillRect/>
+                      </a:stretch>
+                    </p:blipFill>
+                    <p:spPr>
+                      <a:xfrm>
+                        <a:off x="1588" y="1588"/>
+                        <a:ext cx="1588" cy="1588"/>
+                      </a:xfrm>
+                      <a:prstGeom prst="rect">
+                        <a:avLst/>
+                      </a:prstGeom>
+                    </p:spPr>
+                  </p:pic>
+                </p:oleObj>
+              </mc:Fallback>
+            </mc:AlternateContent>
+          </a:graphicData>
+        </a:graphic>
+      </p:graphicFrame>
+      <p:sp>
+        <p:nvSpPr>
+          <p:cNvPr id="4" name="Rectangle 3" hidden="1">
+            <a:extLst>
+              <a:ext uri="{FF2B5EF4-FFF2-40B4-BE49-F238E27FC236}">
+                <a16:creationId xmlns:a16="http://schemas.microsoft.com/office/drawing/2014/main" id="{A806895A-E40D-434D-A81C-08DAC7C85A23}"/>
+              </a:ext>
+            </a:extLst>
+          </p:cNvPr>
+          <p:cNvSpPr/>
+          <p:nvPr>
+            <p:custDataLst>
+              <p:tags r:id="rId3"/>
+            </p:custDataLst>
+          </p:nvPr>
+        </p:nvSpPr>
+        <p:spPr>
+          <a:xfrm>
+            <a:off x="0" y="0"/>
+            <a:ext cx="158750" cy="158750"/>
+          </a:xfrm>
+          <a:prstGeom prst="rect">
+            <a:avLst/>
+          </a:prstGeom>
+        </p:spPr>
+        <p:style>
+          <a:lnRef idx="2">
+            <a:schemeClr val="accent1">
+              <a:shade val="50000"/>
+            </a:schemeClr>
+          </a:lnRef>
+          <a:fillRef idx="1">
+            <a:schemeClr val="accent1"/>
+          </a:fillRef>
+          <a:effectRef idx="0">
+            <a:schemeClr val="accent1"/>
+          </a:effectRef>
+          <a:fontRef idx="minor">
+            <a:schemeClr val="lt1"/>
+          </a:fontRef>
+        </p:style>
+        <p:txBody>
+          <a:bodyPr vert="horz" wrap="none" lIns="0" tIns="0" rIns="0" bIns="0" numCol="1" spcCol="0" rtlCol="0" anchor="ctr" anchorCtr="0">
+            <a:noAutofit/>
+          </a:bodyPr>
+          <a:lstStyle/>
+          <a:p>
+            <a:pPr algn="ctr">
+              <a:spcBef>
+                <a:spcPct val="0"/>
+              </a:spcBef>
+              <a:spcAft>
+                <a:spcPct val="0"/>
+              </a:spcAft>
+            </a:pPr>
+            <a:endParaRPr lang="en-US" sz="3600" dirty="0">
+              <a:latin typeface="Trebuchet MS" panose="020B0603020202020204" pitchFamily="34" charset="0"/>
+              <a:ea typeface="+mj-ea"/>
+              <a:cs typeface="+mj-cs"/>
+              <a:sym typeface="Trebuchet MS" panose="020B0603020202020204" pitchFamily="34" charset="0"/>
+            </a:endParaRPr>
+          </a:p>
+        </p:txBody>
+      </p:sp>
+      <p:sp>
+        <p:nvSpPr>
+          <p:cNvPr id="2" name="Title 1">
+            <a:extLst>
+              <a:ext uri="{FF2B5EF4-FFF2-40B4-BE49-F238E27FC236}">
+                <a16:creationId xmlns:a16="http://schemas.microsoft.com/office/drawing/2014/main" id="{91B77837-81B7-4D08-80C2-A1733D98C998}"/>
+              </a:ext>
+            </a:extLst>
+          </p:cNvPr>
+          <p:cNvSpPr>
+            <a:spLocks noGrp="1"/>
+          </p:cNvSpPr>
+          <p:nvPr>
+            <p:ph type="title"/>
+          </p:nvPr>
+        </p:nvSpPr>
+        <p:spPr/>
+        <p:txBody>
+          <a:bodyPr/>
+          <a:lstStyle/>
+          <a:p>
+            <a:r>
+              <a:rPr lang="en-US" dirty="0"/>
+              <a:t>SQL Joins</a:t>
+            </a:r>
+          </a:p>
+        </p:txBody>
+      </p:sp>
+      <p:sp>
+        <p:nvSpPr>
+          <p:cNvPr id="3" name="Content Placeholder 2">
+            <a:extLst>
+              <a:ext uri="{FF2B5EF4-FFF2-40B4-BE49-F238E27FC236}">
+                <a16:creationId xmlns:a16="http://schemas.microsoft.com/office/drawing/2014/main" id="{905389AF-B5FB-48BE-9AF8-62B0A3CE6395}"/>
+              </a:ext>
+            </a:extLst>
+          </p:cNvPr>
+          <p:cNvSpPr>
+            <a:spLocks noGrp="1"/>
+          </p:cNvSpPr>
+          <p:nvPr>
+            <p:ph idx="1"/>
+          </p:nvPr>
+        </p:nvSpPr>
+        <p:spPr>
+          <a:xfrm>
+            <a:off x="677334" y="1744953"/>
+            <a:ext cx="8596668" cy="814492"/>
+          </a:xfrm>
+        </p:spPr>
+        <p:txBody>
+          <a:bodyPr/>
+          <a:lstStyle/>
+          <a:p>
+            <a:r>
+              <a:rPr lang="en-US" dirty="0"/>
+              <a:t>A JOIN clause is used to combine rows from two or more tables, based on a related column between them.</a:t>
+            </a:r>
+          </a:p>
+        </p:txBody>
+      </p:sp>
+      <p:pic>
+        <p:nvPicPr>
+          <p:cNvPr id="6" name="Picture 5">
+            <a:extLst>
+              <a:ext uri="{FF2B5EF4-FFF2-40B4-BE49-F238E27FC236}">
+                <a16:creationId xmlns:a16="http://schemas.microsoft.com/office/drawing/2014/main" id="{AFE4FD57-7F12-4D1F-9605-0CAD01BFFB45}"/>
+              </a:ext>
+            </a:extLst>
+          </p:cNvPr>
+          <p:cNvPicPr>
+            <a:picLocks noChangeAspect="1"/>
+          </p:cNvPicPr>
+          <p:nvPr/>
+        </p:nvPicPr>
+        <p:blipFill>
+          <a:blip r:embed="rId7"/>
+          <a:stretch>
+            <a:fillRect/>
+          </a:stretch>
+        </p:blipFill>
+        <p:spPr>
+          <a:xfrm>
+            <a:off x="630017" y="2403831"/>
+            <a:ext cx="8812912" cy="2750060"/>
+          </a:xfrm>
+          <a:prstGeom prst="rect">
+            <a:avLst/>
+          </a:prstGeom>
+        </p:spPr>
+      </p:pic>
+      <p:pic>
+        <p:nvPicPr>
+          <p:cNvPr id="8" name="Picture 7">
+            <a:extLst>
+              <a:ext uri="{FF2B5EF4-FFF2-40B4-BE49-F238E27FC236}">
+                <a16:creationId xmlns:a16="http://schemas.microsoft.com/office/drawing/2014/main" id="{17473529-C7F2-4560-BA77-B391C7452291}"/>
+              </a:ext>
+            </a:extLst>
+          </p:cNvPr>
+          <p:cNvPicPr>
+            <a:picLocks noChangeAspect="1"/>
+          </p:cNvPicPr>
+          <p:nvPr/>
+        </p:nvPicPr>
+        <p:blipFill>
+          <a:blip r:embed="rId8"/>
+          <a:stretch>
+            <a:fillRect/>
+          </a:stretch>
+        </p:blipFill>
+        <p:spPr>
+          <a:xfrm>
+            <a:off x="747336" y="5254071"/>
+            <a:ext cx="7736972" cy="1234231"/>
+          </a:xfrm>
+          <a:prstGeom prst="rect">
+            <a:avLst/>
+          </a:prstGeom>
+        </p:spPr>
+      </p:pic>
+    </p:spTree>
+    <p:extLst>
+      <p:ext uri="{BB962C8B-B14F-4D97-AF65-F5344CB8AC3E}">
+        <p14:creationId xmlns:p14="http://schemas.microsoft.com/office/powerpoint/2010/main" val="243224340"/>
+      </p:ext>
+    </p:extLst>
+  </p:cSld>
+  <p:clrMapOvr>
+    <a:masterClrMapping/>
+  </p:clrMapOvr>
+</p:sld>
+</file>
+
+<file path=ppt/slides/slide8.xml><?xml version="1.0" encoding="utf-8"?>
+<p:sld xmlns:a="http://schemas.openxmlformats.org/drawingml/2006/main" xmlns:r="http://schemas.openxmlformats.org/officeDocument/2006/relationships" xmlns:p="http://schemas.openxmlformats.org/presentationml/2006/main">
+  <p:cSld>
+    <p:spTree>
+      <p:nvGrpSpPr>
+        <p:cNvPr id="1" name=""/>
+        <p:cNvGrpSpPr/>
+        <p:nvPr/>
+      </p:nvGrpSpPr>
+      <p:grpSpPr>
+        <a:xfrm>
+          <a:off x="0" y="0"/>
+          <a:ext cx="0" cy="0"/>
+          <a:chOff x="0" y="0"/>
+          <a:chExt cx="0" cy="0"/>
+        </a:xfrm>
+      </p:grpSpPr>
+      <p:graphicFrame>
+        <p:nvGraphicFramePr>
+          <p:cNvPr id="5" name="Object 4" hidden="1">
+            <a:extLst>
+              <a:ext uri="{FF2B5EF4-FFF2-40B4-BE49-F238E27FC236}">
+                <a16:creationId xmlns:a16="http://schemas.microsoft.com/office/drawing/2014/main" id="{CE099960-EAED-4DD5-98F8-A088DFCD2CCA}"/>
+              </a:ext>
+            </a:extLst>
+          </p:cNvPr>
+          <p:cNvGraphicFramePr>
+            <a:graphicFrameLocks noChangeAspect="1"/>
+          </p:cNvGraphicFramePr>
+          <p:nvPr>
+            <p:custDataLst>
+              <p:tags r:id="rId2"/>
+            </p:custDataLst>
+            <p:extLst>
+              <p:ext uri="{D42A27DB-BD31-4B8C-83A1-F6EECF244321}">
+                <p14:modId xmlns:p14="http://schemas.microsoft.com/office/powerpoint/2010/main" val="316530190"/>
+              </p:ext>
+            </p:extLst>
+          </p:nvPr>
+        </p:nvGraphicFramePr>
+        <p:xfrm>
+          <a:off x="1588" y="1588"/>
+          <a:ext cx="1588" cy="1588"/>
+        </p:xfrm>
+        <a:graphic>
+          <a:graphicData uri="http://schemas.openxmlformats.org/presentationml/2006/ole">
+            <mc:AlternateContent xmlns:mc="http://schemas.openxmlformats.org/markup-compatibility/2006">
+              <mc:Choice xmlns:v="urn:schemas-microsoft-com:vml" Requires="v">
+                <p:oleObj spid="_x0000_s9241" name="think-cell Slide" r:id="rId5" imgW="473" imgH="471" progId="TCLayout.ActiveDocument.1">
+                  <p:embed/>
+                </p:oleObj>
+              </mc:Choice>
+              <mc:Fallback>
+                <p:oleObj name="think-cell Slide" r:id="rId5" imgW="473" imgH="471" progId="TCLayout.ActiveDocument.1">
+                  <p:embed/>
+                  <p:pic>
+                    <p:nvPicPr>
+                      <p:cNvPr id="5" name="Object 4" hidden="1">
+                        <a:extLst>
+                          <a:ext uri="{FF2B5EF4-FFF2-40B4-BE49-F238E27FC236}">
+                            <a16:creationId xmlns:a16="http://schemas.microsoft.com/office/drawing/2014/main" id="{CE099960-EAED-4DD5-98F8-A088DFCD2CCA}"/>
+                          </a:ext>
+                        </a:extLst>
+                      </p:cNvPr>
+                      <p:cNvPicPr/>
+                      <p:nvPr/>
+                    </p:nvPicPr>
+                    <p:blipFill>
+                      <a:blip r:embed="rId6"/>
+                      <a:stretch>
+                        <a:fillRect/>
+                      </a:stretch>
+                    </p:blipFill>
+                    <p:spPr>
+                      <a:xfrm>
+                        <a:off x="1588" y="1588"/>
+                        <a:ext cx="1588" cy="1588"/>
+                      </a:xfrm>
+                      <a:prstGeom prst="rect">
+                        <a:avLst/>
+                      </a:prstGeom>
+                    </p:spPr>
+                  </p:pic>
+                </p:oleObj>
+              </mc:Fallback>
+            </mc:AlternateContent>
+          </a:graphicData>
+        </a:graphic>
+      </p:graphicFrame>
+      <p:sp>
+        <p:nvSpPr>
+          <p:cNvPr id="4" name="Rectangle 3" hidden="1">
+            <a:extLst>
+              <a:ext uri="{FF2B5EF4-FFF2-40B4-BE49-F238E27FC236}">
+                <a16:creationId xmlns:a16="http://schemas.microsoft.com/office/drawing/2014/main" id="{A806895A-E40D-434D-A81C-08DAC7C85A23}"/>
+              </a:ext>
+            </a:extLst>
+          </p:cNvPr>
+          <p:cNvSpPr/>
+          <p:nvPr>
+            <p:custDataLst>
+              <p:tags r:id="rId3"/>
+            </p:custDataLst>
+          </p:nvPr>
+        </p:nvSpPr>
+        <p:spPr>
+          <a:xfrm>
+            <a:off x="0" y="0"/>
+            <a:ext cx="158750" cy="158750"/>
+          </a:xfrm>
+          <a:prstGeom prst="rect">
+            <a:avLst/>
+          </a:prstGeom>
+        </p:spPr>
+        <p:style>
+          <a:lnRef idx="2">
+            <a:schemeClr val="accent1">
+              <a:shade val="50000"/>
+            </a:schemeClr>
+          </a:lnRef>
+          <a:fillRef idx="1">
+            <a:schemeClr val="accent1"/>
+          </a:fillRef>
+          <a:effectRef idx="0">
+            <a:schemeClr val="accent1"/>
+          </a:effectRef>
+          <a:fontRef idx="minor">
+            <a:schemeClr val="lt1"/>
+          </a:fontRef>
+        </p:style>
+        <p:txBody>
+          <a:bodyPr vert="horz" wrap="none" lIns="0" tIns="0" rIns="0" bIns="0" numCol="1" spcCol="0" rtlCol="0" anchor="ctr" anchorCtr="0">
+            <a:noAutofit/>
+          </a:bodyPr>
+          <a:lstStyle/>
+          <a:p>
+            <a:pPr algn="ctr">
+              <a:spcBef>
+                <a:spcPct val="0"/>
+              </a:spcBef>
+              <a:spcAft>
+                <a:spcPct val="0"/>
+              </a:spcAft>
+            </a:pPr>
+            <a:endParaRPr lang="en-US" sz="3600" dirty="0">
+              <a:latin typeface="Trebuchet MS" panose="020B0603020202020204" pitchFamily="34" charset="0"/>
+              <a:ea typeface="+mj-ea"/>
+              <a:cs typeface="+mj-cs"/>
+              <a:sym typeface="Trebuchet MS" panose="020B0603020202020204" pitchFamily="34" charset="0"/>
+            </a:endParaRPr>
+          </a:p>
+        </p:txBody>
+      </p:sp>
+      <p:sp>
+        <p:nvSpPr>
+          <p:cNvPr id="2" name="Title 1">
+            <a:extLst>
+              <a:ext uri="{FF2B5EF4-FFF2-40B4-BE49-F238E27FC236}">
+                <a16:creationId xmlns:a16="http://schemas.microsoft.com/office/drawing/2014/main" id="{91B77837-81B7-4D08-80C2-A1733D98C998}"/>
+              </a:ext>
+            </a:extLst>
+          </p:cNvPr>
+          <p:cNvSpPr>
+            <a:spLocks noGrp="1"/>
+          </p:cNvSpPr>
+          <p:nvPr>
+            <p:ph type="title"/>
+          </p:nvPr>
+        </p:nvSpPr>
+        <p:spPr/>
+        <p:txBody>
+          <a:bodyPr/>
+          <a:lstStyle/>
+          <a:p>
+            <a:r>
+              <a:rPr lang="en-US" dirty="0"/>
+              <a:t>Types of SQL Joins</a:t>
+            </a:r>
+          </a:p>
+        </p:txBody>
+      </p:sp>
+      <p:sp>
+        <p:nvSpPr>
+          <p:cNvPr id="3" name="Content Placeholder 2">
+            <a:extLst>
+              <a:ext uri="{FF2B5EF4-FFF2-40B4-BE49-F238E27FC236}">
+                <a16:creationId xmlns:a16="http://schemas.microsoft.com/office/drawing/2014/main" id="{905389AF-B5FB-48BE-9AF8-62B0A3CE6395}"/>
+              </a:ext>
+            </a:extLst>
+          </p:cNvPr>
+          <p:cNvSpPr>
+            <a:spLocks noGrp="1"/>
+          </p:cNvSpPr>
+          <p:nvPr>
+            <p:ph idx="1"/>
+          </p:nvPr>
+        </p:nvSpPr>
+        <p:spPr>
+          <a:xfrm>
+            <a:off x="677334" y="1744952"/>
+            <a:ext cx="8596668" cy="2695793"/>
+          </a:xfrm>
+        </p:spPr>
+        <p:txBody>
+          <a:bodyPr>
+            <a:normAutofit/>
+          </a:bodyPr>
+          <a:lstStyle/>
+          <a:p>
+            <a:r>
+              <a:rPr lang="en-US" dirty="0"/>
+              <a:t>Types of SQL joins are –</a:t>
+            </a:r>
+          </a:p>
+          <a:p>
+            <a:pPr lvl="1"/>
+            <a:r>
+              <a:rPr lang="en-US" b="1" dirty="0"/>
+              <a:t>(INNER) JOIN</a:t>
+            </a:r>
+            <a:r>
+              <a:rPr lang="en-US" dirty="0"/>
+              <a:t>: Returns records that have matching values in both tables</a:t>
+            </a:r>
+          </a:p>
+          <a:p>
+            <a:pPr lvl="1"/>
+            <a:r>
+              <a:rPr lang="en-US" b="1" dirty="0"/>
+              <a:t>LEFT (OUTER) JOIN</a:t>
+            </a:r>
+            <a:r>
+              <a:rPr lang="en-US" dirty="0"/>
+              <a:t>: Returns all records from the left table, and the matched records from the right table</a:t>
+            </a:r>
+          </a:p>
+          <a:p>
+            <a:pPr lvl="1"/>
+            <a:r>
+              <a:rPr lang="en-US" b="1" dirty="0"/>
+              <a:t>RIGHT (OUTER) JOIN</a:t>
+            </a:r>
+            <a:r>
+              <a:rPr lang="en-US" dirty="0"/>
+              <a:t>: Returns all records from the right table, and the matched records from the left table</a:t>
+            </a:r>
+          </a:p>
+          <a:p>
+            <a:pPr lvl="1"/>
+            <a:r>
+              <a:rPr lang="en-US" b="1" dirty="0"/>
+              <a:t>FULL (OUTER) JOIN</a:t>
+            </a:r>
+            <a:r>
+              <a:rPr lang="en-US" dirty="0"/>
+              <a:t>: Returns all records when there is a match in either left or right table</a:t>
+            </a:r>
+          </a:p>
+          <a:p>
+            <a:pPr lvl="1"/>
+            <a:endParaRPr lang="en-US" dirty="0"/>
+          </a:p>
+        </p:txBody>
+      </p:sp>
+      <p:pic>
+        <p:nvPicPr>
+          <p:cNvPr id="7" name="Picture 6">
+            <a:extLst>
+              <a:ext uri="{FF2B5EF4-FFF2-40B4-BE49-F238E27FC236}">
+                <a16:creationId xmlns:a16="http://schemas.microsoft.com/office/drawing/2014/main" id="{062E45E8-334E-4569-A575-FCB69E3632D7}"/>
+              </a:ext>
+            </a:extLst>
+          </p:cNvPr>
+          <p:cNvPicPr>
+            <a:picLocks noChangeAspect="1"/>
+          </p:cNvPicPr>
+          <p:nvPr/>
+        </p:nvPicPr>
+        <p:blipFill>
+          <a:blip r:embed="rId7"/>
+          <a:stretch>
+            <a:fillRect/>
+          </a:stretch>
+        </p:blipFill>
+        <p:spPr>
+          <a:xfrm>
+            <a:off x="1477760" y="4440745"/>
+            <a:ext cx="6995816" cy="2071519"/>
+          </a:xfrm>
+          <a:prstGeom prst="rect">
+            <a:avLst/>
+          </a:prstGeom>
+        </p:spPr>
+      </p:pic>
+    </p:spTree>
+    <p:extLst>
+      <p:ext uri="{BB962C8B-B14F-4D97-AF65-F5344CB8AC3E}">
+        <p14:creationId xmlns:p14="http://schemas.microsoft.com/office/powerpoint/2010/main" val="7939788"/>
+      </p:ext>
+    </p:extLst>
+  </p:cSld>
+  <p:clrMapOvr>
+    <a:masterClrMapping/>
+  </p:clrMapOvr>
+</p:sld>
+</file>
+
+<file path=ppt/slides/slide9.xml><?xml version="1.0" encoding="utf-8"?>
+<p:sld xmlns:a="http://schemas.openxmlformats.org/drawingml/2006/main" xmlns:r="http://schemas.openxmlformats.org/officeDocument/2006/relationships" xmlns:p="http://schemas.openxmlformats.org/presentationml/2006/main">
+  <p:cSld>
+    <p:spTree>
+      <p:nvGrpSpPr>
+        <p:cNvPr id="1" name=""/>
+        <p:cNvGrpSpPr/>
+        <p:nvPr/>
+      </p:nvGrpSpPr>
+      <p:grpSpPr>
+        <a:xfrm>
+          <a:off x="0" y="0"/>
+          <a:ext cx="0" cy="0"/>
+          <a:chOff x="0" y="0"/>
+          <a:chExt cx="0" cy="0"/>
+        </a:xfrm>
+      </p:grpSpPr>
+      <p:graphicFrame>
+        <p:nvGraphicFramePr>
+          <p:cNvPr id="5" name="Object 4" hidden="1">
+            <a:extLst>
+              <a:ext uri="{FF2B5EF4-FFF2-40B4-BE49-F238E27FC236}">
+                <a16:creationId xmlns:a16="http://schemas.microsoft.com/office/drawing/2014/main" id="{CE099960-EAED-4DD5-98F8-A088DFCD2CCA}"/>
+              </a:ext>
+            </a:extLst>
+          </p:cNvPr>
+          <p:cNvGraphicFramePr>
+            <a:graphicFrameLocks noChangeAspect="1"/>
+          </p:cNvGraphicFramePr>
+          <p:nvPr>
+            <p:custDataLst>
+              <p:tags r:id="rId2"/>
+            </p:custDataLst>
+            <p:extLst>
+              <p:ext uri="{D42A27DB-BD31-4B8C-83A1-F6EECF244321}">
+                <p14:modId xmlns:p14="http://schemas.microsoft.com/office/powerpoint/2010/main" val="1369428203"/>
+              </p:ext>
+            </p:extLst>
+          </p:nvPr>
+        </p:nvGraphicFramePr>
+        <p:xfrm>
+          <a:off x="1588" y="1588"/>
+          <a:ext cx="1588" cy="1588"/>
+        </p:xfrm>
+        <a:graphic>
+          <a:graphicData uri="http://schemas.openxmlformats.org/presentationml/2006/ole">
+            <mc:AlternateContent xmlns:mc="http://schemas.openxmlformats.org/markup-compatibility/2006">
+              <mc:Choice xmlns:v="urn:schemas-microsoft-com:vml" Requires="v">
+                <p:oleObj spid="_x0000_s10262" name="think-cell Slide" r:id="rId5" imgW="473" imgH="471" progId="TCLayout.ActiveDocument.1">
+                  <p:embed/>
+                </p:oleObj>
+              </mc:Choice>
+              <mc:Fallback>
+                <p:oleObj name="think-cell Slide" r:id="rId5" imgW="473" imgH="471" progId="TCLayout.ActiveDocument.1">
+                  <p:embed/>
+                  <p:pic>
+                    <p:nvPicPr>
+                      <p:cNvPr id="5" name="Object 4" hidden="1">
+                        <a:extLst>
+                          <a:ext uri="{FF2B5EF4-FFF2-40B4-BE49-F238E27FC236}">
+                            <a16:creationId xmlns:a16="http://schemas.microsoft.com/office/drawing/2014/main" id="{CE099960-EAED-4DD5-98F8-A088DFCD2CCA}"/>
+                          </a:ext>
+                        </a:extLst>
+                      </p:cNvPr>
+                      <p:cNvPicPr/>
+                      <p:nvPr/>
+                    </p:nvPicPr>
+                    <p:blipFill>
+                      <a:blip r:embed="rId6"/>
+                      <a:stretch>
+                        <a:fillRect/>
+                      </a:stretch>
+                    </p:blipFill>
+                    <p:spPr>
+                      <a:xfrm>
+                        <a:off x="1588" y="1588"/>
+                        <a:ext cx="1588" cy="1588"/>
+                      </a:xfrm>
+                      <a:prstGeom prst="rect">
+                        <a:avLst/>
+                      </a:prstGeom>
+                    </p:spPr>
+                  </p:pic>
+                </p:oleObj>
+              </mc:Fallback>
+            </mc:AlternateContent>
+          </a:graphicData>
+        </a:graphic>
+      </p:graphicFrame>
+      <p:sp>
+        <p:nvSpPr>
+          <p:cNvPr id="4" name="Rectangle 3" hidden="1">
+            <a:extLst>
+              <a:ext uri="{FF2B5EF4-FFF2-40B4-BE49-F238E27FC236}">
+                <a16:creationId xmlns:a16="http://schemas.microsoft.com/office/drawing/2014/main" id="{A806895A-E40D-434D-A81C-08DAC7C85A23}"/>
+              </a:ext>
+            </a:extLst>
+          </p:cNvPr>
+          <p:cNvSpPr/>
+          <p:nvPr>
+            <p:custDataLst>
+              <p:tags r:id="rId3"/>
+            </p:custDataLst>
+          </p:nvPr>
+        </p:nvSpPr>
+        <p:spPr>
+          <a:xfrm>
+            <a:off x="0" y="0"/>
+            <a:ext cx="158750" cy="158750"/>
+          </a:xfrm>
+          <a:prstGeom prst="rect">
+            <a:avLst/>
+          </a:prstGeom>
+        </p:spPr>
+        <p:style>
+          <a:lnRef idx="2">
+            <a:schemeClr val="accent1">
+              <a:shade val="50000"/>
+            </a:schemeClr>
+          </a:lnRef>
+          <a:fillRef idx="1">
+            <a:schemeClr val="accent1"/>
+          </a:fillRef>
+          <a:effectRef idx="0">
+            <a:schemeClr val="accent1"/>
+          </a:effectRef>
+          <a:fontRef idx="minor">
+            <a:schemeClr val="lt1"/>
+          </a:fontRef>
+        </p:style>
+        <p:txBody>
+          <a:bodyPr vert="horz" wrap="none" lIns="0" tIns="0" rIns="0" bIns="0" numCol="1" spcCol="0" rtlCol="0" anchor="ctr" anchorCtr="0">
+            <a:noAutofit/>
+          </a:bodyPr>
+          <a:lstStyle/>
+          <a:p>
+            <a:pPr algn="ctr">
+              <a:spcBef>
+                <a:spcPct val="0"/>
+              </a:spcBef>
+              <a:spcAft>
+                <a:spcPct val="0"/>
+              </a:spcAft>
+            </a:pPr>
+            <a:endParaRPr lang="en-US" sz="3600" dirty="0">
+              <a:latin typeface="Trebuchet MS" panose="020B0603020202020204" pitchFamily="34" charset="0"/>
+              <a:ea typeface="+mj-ea"/>
+              <a:cs typeface="+mj-cs"/>
+              <a:sym typeface="Trebuchet MS" panose="020B0603020202020204" pitchFamily="34" charset="0"/>
+            </a:endParaRPr>
+          </a:p>
+        </p:txBody>
+      </p:sp>
+      <p:sp>
+        <p:nvSpPr>
+          <p:cNvPr id="2" name="Title 1">
+            <a:extLst>
+              <a:ext uri="{FF2B5EF4-FFF2-40B4-BE49-F238E27FC236}">
+                <a16:creationId xmlns:a16="http://schemas.microsoft.com/office/drawing/2014/main" id="{91B77837-81B7-4D08-80C2-A1733D98C998}"/>
+              </a:ext>
+            </a:extLst>
+          </p:cNvPr>
+          <p:cNvSpPr>
+            <a:spLocks noGrp="1"/>
+          </p:cNvSpPr>
+          <p:nvPr>
+            <p:ph type="title"/>
+          </p:nvPr>
+        </p:nvSpPr>
+        <p:spPr/>
+        <p:txBody>
+          <a:bodyPr/>
+          <a:lstStyle/>
+          <a:p>
+            <a:r>
+              <a:rPr lang="en-US" dirty="0"/>
+              <a:t>Inner Join</a:t>
+            </a:r>
+          </a:p>
+        </p:txBody>
+      </p:sp>
+      <p:pic>
+        <p:nvPicPr>
+          <p:cNvPr id="9" name="Picture 8">
+            <a:extLst>
+              <a:ext uri="{FF2B5EF4-FFF2-40B4-BE49-F238E27FC236}">
+                <a16:creationId xmlns:a16="http://schemas.microsoft.com/office/drawing/2014/main" id="{3D41A065-FC17-4281-A29C-AAE899B4A550}"/>
+              </a:ext>
+            </a:extLst>
+          </p:cNvPr>
+          <p:cNvPicPr>
+            <a:picLocks noChangeAspect="1"/>
+          </p:cNvPicPr>
+          <p:nvPr/>
+        </p:nvPicPr>
+        <p:blipFill>
+          <a:blip r:embed="rId7"/>
+          <a:stretch>
+            <a:fillRect/>
+          </a:stretch>
+        </p:blipFill>
+        <p:spPr>
+          <a:xfrm>
+            <a:off x="461090" y="2132572"/>
+            <a:ext cx="8812912" cy="2750060"/>
+          </a:xfrm>
+          <a:prstGeom prst="rect">
+            <a:avLst/>
+          </a:prstGeom>
+        </p:spPr>
+      </p:pic>
+      <p:pic>
+        <p:nvPicPr>
+          <p:cNvPr id="10" name="Picture 9">
+            <a:extLst>
+              <a:ext uri="{FF2B5EF4-FFF2-40B4-BE49-F238E27FC236}">
+                <a16:creationId xmlns:a16="http://schemas.microsoft.com/office/drawing/2014/main" id="{7947DDE4-BC31-40CB-BA32-7572D3192CB9}"/>
+              </a:ext>
+            </a:extLst>
+          </p:cNvPr>
+          <p:cNvPicPr>
+            <a:picLocks noChangeAspect="1"/>
+          </p:cNvPicPr>
+          <p:nvPr/>
+        </p:nvPicPr>
+        <p:blipFill>
+          <a:blip r:embed="rId8"/>
+          <a:stretch>
+            <a:fillRect/>
+          </a:stretch>
+        </p:blipFill>
+        <p:spPr>
+          <a:xfrm>
+            <a:off x="1040469" y="4987188"/>
+            <a:ext cx="7736972" cy="1234231"/>
+          </a:xfrm>
+          <a:prstGeom prst="rect">
+            <a:avLst/>
+          </a:prstGeom>
+        </p:spPr>
+      </p:pic>
+      <p:sp>
+        <p:nvSpPr>
+          <p:cNvPr id="11" name="Content Placeholder 2">
+            <a:extLst>
+              <a:ext uri="{FF2B5EF4-FFF2-40B4-BE49-F238E27FC236}">
+                <a16:creationId xmlns:a16="http://schemas.microsoft.com/office/drawing/2014/main" id="{40C7D9DC-DAD3-47FE-A915-98E789BD2130}"/>
+              </a:ext>
+            </a:extLst>
+          </p:cNvPr>
+          <p:cNvSpPr>
+            <a:spLocks noGrp="1"/>
+          </p:cNvSpPr>
+          <p:nvPr>
+            <p:ph idx="1"/>
+          </p:nvPr>
+        </p:nvSpPr>
+        <p:spPr>
+          <a:xfrm>
+            <a:off x="677334" y="1456195"/>
+            <a:ext cx="8596668" cy="578761"/>
+          </a:xfrm>
+        </p:spPr>
+        <p:txBody>
+          <a:bodyPr>
+            <a:normAutofit fontScale="92500" lnSpcReduction="10000"/>
+          </a:bodyPr>
+          <a:lstStyle/>
+          <a:p>
+            <a:r>
+              <a:rPr lang="en-US" dirty="0"/>
+              <a:t>Only Customer IDs 1, 2, &amp; 3 will be included in the joined table as Inner join returns records that have matching values in both tables</a:t>
+            </a:r>
+          </a:p>
+        </p:txBody>
+      </p:sp>
+    </p:spTree>
+    <p:extLst>
+      <p:ext uri="{BB962C8B-B14F-4D97-AF65-F5344CB8AC3E}">
+        <p14:creationId xmlns:p14="http://schemas.microsoft.com/office/powerpoint/2010/main" val="3861637583"/>
+      </p:ext>
+    </p:extLst>
+  </p:cSld>
+  <p:clrMapOvr>
+    <a:masterClrMapping/>
+  </p:clrMapOvr>
+</p:sld>
+</file>
+
 <file path=ppt/tags/tag1.xml><?xml version="1.0" encoding="utf-8"?>
 <p:tagLst xmlns:a="http://schemas.openxmlformats.org/drawingml/2006/main" xmlns:r="http://schemas.openxmlformats.org/officeDocument/2006/relationships" xmlns:p="http://schemas.openxmlformats.org/presentationml/2006/main">
   <p:tag name="THINKCELLUNDODONOTDELETE" val="0"/>
@@ -6826,9 +10393,45 @@
 </p:tagLst>
 </file>
 
+<file path=ppt/tags/tag22.xml><?xml version="1.0" encoding="utf-8"?>
+<p:tagLst xmlns:a="http://schemas.openxmlformats.org/drawingml/2006/main" xmlns:r="http://schemas.openxmlformats.org/officeDocument/2006/relationships" xmlns:p="http://schemas.openxmlformats.org/presentationml/2006/main">
+  <p:tag name="THINKCELLSHAPEDONOTDELETE" val="thinkcellActiveDocDoNotDelete"/>
+</p:tagLst>
+</file>
+
+<file path=ppt/tags/tag23.xml><?xml version="1.0" encoding="utf-8"?>
+<p:tagLst xmlns:a="http://schemas.openxmlformats.org/drawingml/2006/main" xmlns:r="http://schemas.openxmlformats.org/officeDocument/2006/relationships" xmlns:p="http://schemas.openxmlformats.org/presentationml/2006/main">
+  <p:tag name="THINKCELLSHAPEDONOTDELETE" val="tyyherA7ARyGyS.JkqNJMAA"/>
+</p:tagLst>
+</file>
+
+<file path=ppt/tags/tag24.xml><?xml version="1.0" encoding="utf-8"?>
+<p:tagLst xmlns:a="http://schemas.openxmlformats.org/drawingml/2006/main" xmlns:r="http://schemas.openxmlformats.org/officeDocument/2006/relationships" xmlns:p="http://schemas.openxmlformats.org/presentationml/2006/main">
+  <p:tag name="THINKCELLSHAPEDONOTDELETE" val="thinkcellActiveDocDoNotDelete"/>
+</p:tagLst>
+</file>
+
+<file path=ppt/tags/tag25.xml><?xml version="1.0" encoding="utf-8"?>
+<p:tagLst xmlns:a="http://schemas.openxmlformats.org/drawingml/2006/main" xmlns:r="http://schemas.openxmlformats.org/officeDocument/2006/relationships" xmlns:p="http://schemas.openxmlformats.org/presentationml/2006/main">
+  <p:tag name="THINKCELLSHAPEDONOTDELETE" val="tyyherA7ARyGyS.JkqNJMAA"/>
+</p:tagLst>
+</file>
+
+<file path=ppt/tags/tag26.xml><?xml version="1.0" encoding="utf-8"?>
+<p:tagLst xmlns:a="http://schemas.openxmlformats.org/drawingml/2006/main" xmlns:r="http://schemas.openxmlformats.org/officeDocument/2006/relationships" xmlns:p="http://schemas.openxmlformats.org/presentationml/2006/main">
+  <p:tag name="THINKCELLSHAPEDONOTDELETE" val="thinkcellActiveDocDoNotDelete"/>
+</p:tagLst>
+</file>
+
+<file path=ppt/tags/tag27.xml><?xml version="1.0" encoding="utf-8"?>
+<p:tagLst xmlns:a="http://schemas.openxmlformats.org/drawingml/2006/main" xmlns:r="http://schemas.openxmlformats.org/officeDocument/2006/relationships" xmlns:p="http://schemas.openxmlformats.org/presentationml/2006/main">
+  <p:tag name="THINKCELLSHAPEDONOTDELETE" val="tyyherA7ARyGyS.JkqNJMAA"/>
+</p:tagLst>
+</file>
+
 <file path=ppt/tags/tag3.xml><?xml version="1.0" encoding="utf-8"?>
 <p:tagLst xmlns:a="http://schemas.openxmlformats.org/drawingml/2006/main" xmlns:r="http://schemas.openxmlformats.org/officeDocument/2006/relationships" xmlns:p="http://schemas.openxmlformats.org/presentationml/2006/main">
-  <p:tag name="THINKCELLSHAPEDONOTDELETE" val="tqX9DY1bH2T22O7Ugfz.3.w"/>
+  <p:tag name="THINKCELLSHAPEDONOTDELETE" val="tvLvTqUofSta0JVfmRCJ.ew"/>
 </p:tagLst>
 </file>
 
@@ -6840,7 +10443,7 @@
 
 <file path=ppt/tags/tag5.xml><?xml version="1.0" encoding="utf-8"?>
 <p:tagLst xmlns:a="http://schemas.openxmlformats.org/drawingml/2006/main" xmlns:r="http://schemas.openxmlformats.org/officeDocument/2006/relationships" xmlns:p="http://schemas.openxmlformats.org/presentationml/2006/main">
-  <p:tag name="THINKCELLSHAPEDONOTDELETE" val="tvLvTqUofSta0JVfmRCJ.ew"/>
+  <p:tag name="THINKCELLSHAPEDONOTDELETE" val="tyyherA7ARyGyS.JkqNJMAA"/>
 </p:tagLst>
 </file>
 
@@ -6869,9 +10472,9 @@
 </file>
 
 <file path=ppt/theme/theme1.xml><?xml version="1.0" encoding="utf-8"?>
-<a:theme xmlns:a="http://schemas.openxmlformats.org/drawingml/2006/main" name="Metropolitan">
+<a:theme xmlns:a="http://schemas.openxmlformats.org/drawingml/2006/main" name="Facet">
   <a:themeElements>
-    <a:clrScheme name="Metropolitan">
+    <a:clrScheme name="Facet">
       <a:dk1>
         <a:sysClr val="windowText" lastClr="000000"/>
       </a:dk1>
@@ -6879,52 +10482,52 @@
         <a:sysClr val="window" lastClr="FFFFFF"/>
       </a:lt1>
       <a:dk2>
-        <a:srgbClr val="162F33"/>
+        <a:srgbClr val="2C3C43"/>
       </a:dk2>
       <a:lt2>
-        <a:srgbClr val="EAF0E0"/>
+        <a:srgbClr val="EBEBEB"/>
       </a:lt2>
       <a:accent1>
-        <a:srgbClr val="50B4C8"/>
+        <a:srgbClr val="90C226"/>
       </a:accent1>
       <a:accent2>
-        <a:srgbClr val="A8B97F"/>
+        <a:srgbClr val="54A021"/>
       </a:accent2>
       <a:accent3>
-        <a:srgbClr val="9B9256"/>
+        <a:srgbClr val="E6B91E"/>
       </a:accent3>
       <a:accent4>
-        <a:srgbClr val="657689"/>
+        <a:srgbClr val="E76618"/>
       </a:accent4>
       <a:accent5>
-        <a:srgbClr val="7A855D"/>
+        <a:srgbClr val="C42F1A"/>
       </a:accent5>
       <a:accent6>
-        <a:srgbClr val="84AC9D"/>
+        <a:srgbClr val="918655"/>
       </a:accent6>
       <a:hlink>
-        <a:srgbClr val="2370CD"/>
+        <a:srgbClr val="99CA3C"/>
       </a:hlink>
       <a:folHlink>
-        <a:srgbClr val="877589"/>
+        <a:srgbClr val="B9D181"/>
       </a:folHlink>
     </a:clrScheme>
-    <a:fontScheme name="Metropolitan">
+    <a:fontScheme name="Facet">
       <a:majorFont>
-        <a:latin typeface="Calibri Light" panose="020F0302020204030204"/>
+        <a:latin typeface="Trebuchet MS" panose="020B0603020202020204"/>
         <a:ea typeface=""/>
         <a:cs typeface=""/>
-        <a:font script="Jpan" typeface="ＭＳ Ｐゴシック"/>
+        <a:font script="Jpan" typeface="メイリオ"/>
         <a:font script="Hang" typeface="맑은 고딕"/>
-        <a:font script="Hans" typeface="宋体"/>
-        <a:font script="Hant" typeface="新細明體"/>
-        <a:font script="Arab" typeface="Times New Roman"/>
-        <a:font script="Hebr" typeface="Times New Roman"/>
-        <a:font script="Thai" typeface="Angsana New"/>
+        <a:font script="Hans" typeface="方正姚体"/>
+        <a:font script="Hant" typeface="微軟正黑體"/>
+        <a:font script="Arab" typeface="Tahoma"/>
+        <a:font script="Hebr" typeface="Arial"/>
+        <a:font script="Thai" typeface="Cordia New"/>
         <a:font script="Ethi" typeface="Nyala"/>
         <a:font script="Beng" typeface="Vrinda"/>
         <a:font script="Gujr" typeface="Shruti"/>
-        <a:font script="Khmr" typeface="MoolBoran"/>
+        <a:font script="Khmr" typeface="DaunPenh"/>
         <a:font script="Knda" typeface="Tunga"/>
         <a:font script="Guru" typeface="Raavi"/>
         <a:font script="Cans" typeface="Euphemia"/>
@@ -6941,25 +10544,25 @@
         <a:font script="Laoo" typeface="DokChampa"/>
         <a:font script="Sinh" typeface="Iskoola Pota"/>
         <a:font script="Mong" typeface="Mongolian Baiti"/>
-        <a:font script="Viet" typeface="Times New Roman"/>
+        <a:font script="Viet" typeface="Tahoma"/>
         <a:font script="Uigh" typeface="Microsoft Uighur"/>
         <a:font script="Geor" typeface="Sylfaen"/>
       </a:majorFont>
       <a:minorFont>
-        <a:latin typeface="Calibri Light" panose="020F0302020204030204"/>
+        <a:latin typeface="Trebuchet MS" panose="020B0603020202020204"/>
         <a:ea typeface=""/>
         <a:cs typeface=""/>
-        <a:font script="Jpan" typeface="ＭＳ Ｐゴシック"/>
-        <a:font script="Hang" typeface="맑은 고딕"/>
-        <a:font script="Hans" typeface="宋体"/>
-        <a:font script="Hant" typeface="新細明體"/>
-        <a:font script="Arab" typeface="Times New Roman"/>
-        <a:font script="Hebr" typeface="Times New Roman"/>
-        <a:font script="Thai" typeface="Angsana New"/>
+        <a:font script="Jpan" typeface="メイリオ"/>
+        <a:font script="Hang" typeface="HY그래픽M"/>
+        <a:font script="Hans" typeface="华文新魏"/>
+        <a:font script="Hant" typeface="微軟正黑體"/>
+        <a:font script="Arab" typeface="Tahoma"/>
+        <a:font script="Hebr" typeface="Gisha"/>
+        <a:font script="Thai" typeface="IrisUPC"/>
         <a:font script="Ethi" typeface="Nyala"/>
         <a:font script="Beng" typeface="Vrinda"/>
         <a:font script="Gujr" typeface="Shruti"/>
-        <a:font script="Khmr" typeface="MoolBoran"/>
+        <a:font script="Khmr" typeface="DaunPenh"/>
         <a:font script="Knda" typeface="Tunga"/>
         <a:font script="Guru" typeface="Raavi"/>
         <a:font script="Cans" typeface="Euphemia"/>
@@ -6976,12 +10579,12 @@
         <a:font script="Laoo" typeface="DokChampa"/>
         <a:font script="Sinh" typeface="Iskoola Pota"/>
         <a:font script="Mong" typeface="Mongolian Baiti"/>
-        <a:font script="Viet" typeface="Times New Roman"/>
+        <a:font script="Viet" typeface="Arial"/>
         <a:font script="Uigh" typeface="Microsoft Uighur"/>
         <a:font script="Geor" typeface="Sylfaen"/>
       </a:minorFont>
     </a:fontScheme>
-    <a:fmtScheme name="Metropolitan">
+    <a:fmtScheme name="Facet">
       <a:fillStyleLst>
         <a:solidFill>
           <a:schemeClr val="phClr"/>
@@ -6990,69 +10593,50 @@
           <a:gsLst>
             <a:gs pos="0">
               <a:schemeClr val="phClr">
-                <a:tint val="70000"/>
-                <a:satMod val="100000"/>
+                <a:tint val="65000"/>
                 <a:lumMod val="110000"/>
               </a:schemeClr>
             </a:gs>
-            <a:gs pos="50000">
+            <a:gs pos="88000">
               <a:schemeClr val="phClr">
-                <a:tint val="75000"/>
-                <a:satMod val="101000"/>
-                <a:lumMod val="105000"/>
-              </a:schemeClr>
-            </a:gs>
-            <a:gs pos="100000">
-              <a:schemeClr val="phClr">
-                <a:tint val="82000"/>
-                <a:satMod val="104000"/>
-                <a:lumMod val="105000"/>
+                <a:tint val="90000"/>
               </a:schemeClr>
             </a:gs>
           </a:gsLst>
-          <a:lin ang="2700000" scaled="0"/>
+          <a:lin ang="5400000" scaled="0"/>
         </a:gradFill>
         <a:gradFill rotWithShape="1">
           <a:gsLst>
             <a:gs pos="0">
               <a:schemeClr val="phClr">
-                <a:tint val="97000"/>
-                <a:satMod val="100000"/>
-                <a:lumMod val="102000"/>
-              </a:schemeClr>
-            </a:gs>
-            <a:gs pos="50000">
-              <a:schemeClr val="phClr">
-                <a:shade val="100000"/>
-                <a:satMod val="100000"/>
+                <a:tint val="96000"/>
                 <a:lumMod val="100000"/>
               </a:schemeClr>
             </a:gs>
-            <a:gs pos="100000">
+            <a:gs pos="78000">
               <a:schemeClr val="phClr">
-                <a:shade val="80000"/>
-                <a:satMod val="100000"/>
-                <a:lumMod val="99000"/>
+                <a:shade val="94000"/>
+                <a:lumMod val="94000"/>
               </a:schemeClr>
             </a:gs>
           </a:gsLst>
-          <a:lin ang="2700000" scaled="0"/>
+          <a:lin ang="5400000" scaled="0"/>
         </a:gradFill>
       </a:fillStyleLst>
       <a:lnStyleLst>
-        <a:ln w="9525" cap="flat" cmpd="sng" algn="ctr">
+        <a:ln w="12700" cap="rnd" cmpd="sng" algn="ctr">
           <a:solidFill>
             <a:schemeClr val="phClr"/>
           </a:solidFill>
           <a:prstDash val="solid"/>
         </a:ln>
-        <a:ln w="12700" cap="flat" cmpd="sng" algn="ctr">
+        <a:ln w="19050" cap="rnd" cmpd="sng" algn="ctr">
           <a:solidFill>
             <a:schemeClr val="phClr"/>
           </a:solidFill>
           <a:prstDash val="solid"/>
         </a:ln>
-        <a:ln w="19050" cap="flat" cmpd="sng" algn="ctr">
+        <a:ln w="25400" cap="rnd" cmpd="sng" algn="ctr">
           <a:solidFill>
             <a:schemeClr val="phClr"/>
           </a:solidFill>
@@ -7064,34 +10648,73 @@
           <a:effectLst/>
         </a:effectStyle>
         <a:effectStyle>
-          <a:effectLst/>
+          <a:effectLst>
+            <a:outerShdw blurRad="38100" dist="25400" dir="5400000" rotWithShape="0">
+              <a:srgbClr val="000000">
+                <a:alpha val="35000"/>
+              </a:srgbClr>
+            </a:outerShdw>
+          </a:effectLst>
         </a:effectStyle>
         <a:effectStyle>
           <a:effectLst>
-            <a:outerShdw blurRad="57150" dist="19050" dir="5400000" algn="ctr" rotWithShape="0">
+            <a:outerShdw blurRad="50800" dist="38100" dir="5400000" rotWithShape="0">
               <a:srgbClr val="000000">
-                <a:alpha val="63000"/>
+                <a:alpha val="35000"/>
               </a:srgbClr>
             </a:outerShdw>
           </a:effectLst>
+          <a:scene3d>
+            <a:camera prst="orthographicFront">
+              <a:rot lat="0" lon="0" rev="0"/>
+            </a:camera>
+            <a:lightRig rig="threePt" dir="tl"/>
+          </a:scene3d>
+          <a:sp3d prstMaterial="plastic">
+            <a:bevelT w="0" h="0"/>
+          </a:sp3d>
         </a:effectStyle>
       </a:effectStyleLst>
       <a:bgFillStyleLst>
         <a:solidFill>
           <a:schemeClr val="phClr"/>
         </a:solidFill>
-        <a:solidFill>
-          <a:schemeClr val="phClr">
-            <a:tint val="95000"/>
-            <a:satMod val="170000"/>
-          </a:schemeClr>
-        </a:solidFill>
-        <a:solidFill>
-          <a:schemeClr val="phClr">
-            <a:shade val="95000"/>
-            <a:satMod val="170000"/>
-          </a:schemeClr>
-        </a:solidFill>
+        <a:gradFill rotWithShape="1">
+          <a:gsLst>
+            <a:gs pos="0">
+              <a:schemeClr val="phClr">
+                <a:tint val="90000"/>
+                <a:lumMod val="104000"/>
+              </a:schemeClr>
+            </a:gs>
+            <a:gs pos="94000">
+              <a:schemeClr val="phClr">
+                <a:shade val="96000"/>
+                <a:lumMod val="82000"/>
+              </a:schemeClr>
+            </a:gs>
+          </a:gsLst>
+          <a:lin ang="5400000" scaled="0"/>
+        </a:gradFill>
+        <a:gradFill rotWithShape="1">
+          <a:gsLst>
+            <a:gs pos="0">
+              <a:schemeClr val="phClr">
+                <a:tint val="90000"/>
+                <a:lumMod val="110000"/>
+              </a:schemeClr>
+            </a:gs>
+            <a:gs pos="100000">
+              <a:schemeClr val="phClr">
+                <a:shade val="94000"/>
+                <a:lumMod val="96000"/>
+              </a:schemeClr>
+            </a:gs>
+          </a:gsLst>
+          <a:path path="circle">
+            <a:fillToRect l="50000" t="50000" r="100000" b="100000"/>
+          </a:path>
+        </a:gradFill>
       </a:bgFillStyleLst>
     </a:fmtScheme>
   </a:themeElements>
@@ -7099,7 +10722,7 @@
   <a:extraClrSchemeLst/>
   <a:extLst>
     <a:ext uri="{05A4C25C-085E-4340-85A3-A5531E510DB2}">
-      <thm15:themeFamily xmlns:thm15="http://schemas.microsoft.com/office/thememl/2012/main" name="Metropolitan" id="{4C5440D6-04D2-4954-96CF-F251137069B2}" vid="{79CFCA13-9412-4290-BB4B-85112F88857B}"/>
+      <thm15:themeFamily xmlns:thm15="http://schemas.microsoft.com/office/thememl/2012/main" name="Facet" id="{C0C680CD-088A-49FC-A102-D699147F32B2}" vid="{CFBC31BA-B70F-4F30-BCAA-4F3011E16C4D}"/>
     </a:ext>
   </a:extLst>
 </a:theme>
